--- a/NeoCortexApi/NeoCortexApi.Experiments/SpatialSimilarityIndividualProjectJayashreeRegoti/Input And Output Values/LocalAreaDensity = 0.pptx
+++ b/NeoCortexApi/NeoCortexApi.Experiments/SpatialSimilarityIndividualProjectJayashreeRegoti/Input And Output Values/LocalAreaDensity = 0.pptx
@@ -6,10 +6,22 @@
   </p:sldMasterIdLst>
   <p:sldIdLst>
     <p:sldId id="256" r:id="rId2"/>
-    <p:sldId id="257" r:id="rId3"/>
-    <p:sldId id="258" r:id="rId4"/>
-    <p:sldId id="259" r:id="rId5"/>
-    <p:sldId id="260" r:id="rId6"/>
+    <p:sldId id="261" r:id="rId3"/>
+    <p:sldId id="257" r:id="rId4"/>
+    <p:sldId id="258" r:id="rId5"/>
+    <p:sldId id="259" r:id="rId6"/>
+    <p:sldId id="260" r:id="rId7"/>
+    <p:sldId id="262" r:id="rId8"/>
+    <p:sldId id="263" r:id="rId9"/>
+    <p:sldId id="264" r:id="rId10"/>
+    <p:sldId id="265" r:id="rId11"/>
+    <p:sldId id="266" r:id="rId12"/>
+    <p:sldId id="267" r:id="rId13"/>
+    <p:sldId id="268" r:id="rId14"/>
+    <p:sldId id="269" r:id="rId15"/>
+    <p:sldId id="270" r:id="rId16"/>
+    <p:sldId id="271" r:id="rId17"/>
+    <p:sldId id="272" r:id="rId18"/>
   </p:sldIdLst>
   <p:sldSz cx="12192000" cy="6858000"/>
   <p:notesSz cx="6858000" cy="9144000"/>
@@ -265,7 +277,7 @@
           <a:p>
             <a:fld id="{7B56DAEE-B6AD-4259-A426-AF122FE4141B}" type="datetimeFigureOut">
               <a:rPr lang="en-IN" smtClean="0"/>
-              <a:t>13-08-2021</a:t>
+              <a:t>20-10-2021</a:t>
             </a:fld>
             <a:endParaRPr lang="en-IN"/>
           </a:p>
@@ -465,7 +477,7 @@
           <a:p>
             <a:fld id="{7B56DAEE-B6AD-4259-A426-AF122FE4141B}" type="datetimeFigureOut">
               <a:rPr lang="en-IN" smtClean="0"/>
-              <a:t>13-08-2021</a:t>
+              <a:t>20-10-2021</a:t>
             </a:fld>
             <a:endParaRPr lang="en-IN"/>
           </a:p>
@@ -675,7 +687,7 @@
           <a:p>
             <a:fld id="{7B56DAEE-B6AD-4259-A426-AF122FE4141B}" type="datetimeFigureOut">
               <a:rPr lang="en-IN" smtClean="0"/>
-              <a:t>13-08-2021</a:t>
+              <a:t>20-10-2021</a:t>
             </a:fld>
             <a:endParaRPr lang="en-IN"/>
           </a:p>
@@ -875,7 +887,7 @@
           <a:p>
             <a:fld id="{7B56DAEE-B6AD-4259-A426-AF122FE4141B}" type="datetimeFigureOut">
               <a:rPr lang="en-IN" smtClean="0"/>
-              <a:t>13-08-2021</a:t>
+              <a:t>20-10-2021</a:t>
             </a:fld>
             <a:endParaRPr lang="en-IN"/>
           </a:p>
@@ -1151,7 +1163,7 @@
           <a:p>
             <a:fld id="{7B56DAEE-B6AD-4259-A426-AF122FE4141B}" type="datetimeFigureOut">
               <a:rPr lang="en-IN" smtClean="0"/>
-              <a:t>13-08-2021</a:t>
+              <a:t>20-10-2021</a:t>
             </a:fld>
             <a:endParaRPr lang="en-IN"/>
           </a:p>
@@ -1419,7 +1431,7 @@
           <a:p>
             <a:fld id="{7B56DAEE-B6AD-4259-A426-AF122FE4141B}" type="datetimeFigureOut">
               <a:rPr lang="en-IN" smtClean="0"/>
-              <a:t>13-08-2021</a:t>
+              <a:t>20-10-2021</a:t>
             </a:fld>
             <a:endParaRPr lang="en-IN"/>
           </a:p>
@@ -1834,7 +1846,7 @@
           <a:p>
             <a:fld id="{7B56DAEE-B6AD-4259-A426-AF122FE4141B}" type="datetimeFigureOut">
               <a:rPr lang="en-IN" smtClean="0"/>
-              <a:t>13-08-2021</a:t>
+              <a:t>20-10-2021</a:t>
             </a:fld>
             <a:endParaRPr lang="en-IN"/>
           </a:p>
@@ -1976,7 +1988,7 @@
           <a:p>
             <a:fld id="{7B56DAEE-B6AD-4259-A426-AF122FE4141B}" type="datetimeFigureOut">
               <a:rPr lang="en-IN" smtClean="0"/>
-              <a:t>13-08-2021</a:t>
+              <a:t>20-10-2021</a:t>
             </a:fld>
             <a:endParaRPr lang="en-IN"/>
           </a:p>
@@ -2089,7 +2101,7 @@
           <a:p>
             <a:fld id="{7B56DAEE-B6AD-4259-A426-AF122FE4141B}" type="datetimeFigureOut">
               <a:rPr lang="en-IN" smtClean="0"/>
-              <a:t>13-08-2021</a:t>
+              <a:t>20-10-2021</a:t>
             </a:fld>
             <a:endParaRPr lang="en-IN"/>
           </a:p>
@@ -2402,7 +2414,7 @@
           <a:p>
             <a:fld id="{7B56DAEE-B6AD-4259-A426-AF122FE4141B}" type="datetimeFigureOut">
               <a:rPr lang="en-IN" smtClean="0"/>
-              <a:t>13-08-2021</a:t>
+              <a:t>20-10-2021</a:t>
             </a:fld>
             <a:endParaRPr lang="en-IN"/>
           </a:p>
@@ -2691,7 +2703,7 @@
           <a:p>
             <a:fld id="{7B56DAEE-B6AD-4259-A426-AF122FE4141B}" type="datetimeFigureOut">
               <a:rPr lang="en-IN" smtClean="0"/>
-              <a:t>13-08-2021</a:t>
+              <a:t>20-10-2021</a:t>
             </a:fld>
             <a:endParaRPr lang="en-IN"/>
           </a:p>
@@ -2934,7 +2946,7 @@
           <a:p>
             <a:fld id="{7B56DAEE-B6AD-4259-A426-AF122FE4141B}" type="datetimeFigureOut">
               <a:rPr lang="en-IN" smtClean="0"/>
-              <a:t>13-08-2021</a:t>
+              <a:t>20-10-2021</a:t>
             </a:fld>
             <a:endParaRPr lang="en-IN"/>
           </a:p>
@@ -3374,49 +3386,54 @@
           <a:p>
             <a:r>
               <a:rPr lang="en-IN" dirty="0"/>
-              <a:t> </a:t>
-            </a:r>
+              <a:t>Spatial Similarity Experiment</a:t>
+            </a:r>
+          </a:p>
+        </p:txBody>
+      </p:sp>
+      <p:sp>
+        <p:nvSpPr>
+          <p:cNvPr id="3" name="Subtitle 2">
+            <a:extLst>
+              <a:ext uri="{FF2B5EF4-FFF2-40B4-BE49-F238E27FC236}">
+                <a16:creationId xmlns:a16="http://schemas.microsoft.com/office/drawing/2014/main" id="{BCD969F9-439D-4577-BFC8-D25B0D25970B}"/>
+              </a:ext>
+            </a:extLst>
+          </p:cNvPr>
+          <p:cNvSpPr>
+            <a:spLocks noGrp="1"/>
+          </p:cNvSpPr>
+          <p:nvPr>
+            <p:ph type="subTitle" idx="1"/>
+          </p:nvPr>
+        </p:nvSpPr>
+        <p:spPr/>
+        <p:txBody>
+          <a:bodyPr/>
+          <a:lstStyle/>
+          <a:p>
+            <a:pPr marL="342900" indent="-342900" algn="l">
+              <a:buFont typeface="Arial" panose="020B0604020202020204" pitchFamily="34" charset="0"/>
+              <a:buChar char="•"/>
+            </a:pPr>
             <a:r>
               <a:rPr lang="en-IN" dirty="0" err="1"/>
-              <a:t>LocalAreaDensity</a:t>
+              <a:t>Inout</a:t>
             </a:r>
             <a:r>
               <a:rPr lang="en-IN" dirty="0"/>
-              <a:t> = 0.5, </a:t>
-            </a:r>
-            <a:r>
-              <a:rPr lang="en-IN" dirty="0" err="1"/>
-              <a:t>PotentialRadius</a:t>
-            </a:r>
+              <a:t> and SDR</a:t>
+            </a:r>
+          </a:p>
+          <a:p>
+            <a:pPr marL="342900" indent="-342900" algn="l">
+              <a:buFont typeface="Arial" panose="020B0604020202020204" pitchFamily="34" charset="0"/>
+              <a:buChar char="•"/>
+            </a:pPr>
             <a:r>
               <a:rPr lang="en-IN" dirty="0"/>
-              <a:t>= 56</a:t>
-            </a:r>
-          </a:p>
-        </p:txBody>
-      </p:sp>
-      <p:sp>
-        <p:nvSpPr>
-          <p:cNvPr id="3" name="Subtitle 2">
-            <a:extLst>
-              <a:ext uri="{FF2B5EF4-FFF2-40B4-BE49-F238E27FC236}">
-                <a16:creationId xmlns:a16="http://schemas.microsoft.com/office/drawing/2014/main" id="{BCD969F9-439D-4577-BFC8-D25B0D25970B}"/>
-              </a:ext>
-            </a:extLst>
-          </p:cNvPr>
-          <p:cNvSpPr>
-            <a:spLocks noGrp="1"/>
-          </p:cNvSpPr>
-          <p:nvPr>
-            <p:ph type="subTitle" idx="1"/>
-          </p:nvPr>
-        </p:nvSpPr>
-        <p:spPr/>
-        <p:txBody>
-          <a:bodyPr/>
-          <a:lstStyle/>
-          <a:p>
-            <a:endParaRPr lang="en-IN"/>
+              <a:t>Similarity table and graphs</a:t>
+            </a:r>
           </a:p>
         </p:txBody>
       </p:sp>
@@ -3433,7 +3450,7 @@
 </p:sld>
 </file>
 
-<file path=ppt/slides/slide2.xml><?xml version="1.0" encoding="utf-8"?>
+<file path=ppt/slides/slide10.xml><?xml version="1.0" encoding="utf-8"?>
 <p:sld xmlns:a="http://schemas.openxmlformats.org/drawingml/2006/main" xmlns:r="http://schemas.openxmlformats.org/officeDocument/2006/relationships" xmlns:p="http://schemas.openxmlformats.org/presentationml/2006/main">
   <p:cSld>
     <p:bg>
@@ -3458,12 +3475,12 @@
           <a:chExt cx="0" cy="0"/>
         </a:xfrm>
       </p:grpSpPr>
-      <p:sp>
-        <p:nvSpPr>
-          <p:cNvPr id="30" name="Down Arrow 7">
-            <a:extLst>
-              <a:ext uri="{FF2B5EF4-FFF2-40B4-BE49-F238E27FC236}">
-                <a16:creationId xmlns:a16="http://schemas.microsoft.com/office/drawing/2014/main" id="{73DE2CFE-42F2-48F0-8706-5264E012B10C}"/>
+      <p:sp useBgFill="1">
+        <p:nvSpPr>
+          <p:cNvPr id="72" name="Rectangle 71">
+            <a:extLst>
+              <a:ext uri="{FF2B5EF4-FFF2-40B4-BE49-F238E27FC236}">
+                <a16:creationId xmlns:a16="http://schemas.microsoft.com/office/drawing/2014/main" id="{385E1BDC-A9B0-4A87-82E3-F3187F69A802}"/>
               </a:ext>
               <a:ext uri="{C183D7F6-B498-43B3-948B-1728B52AA6E4}">
                 <adec:decorative xmlns:adec="http://schemas.microsoft.com/office/drawing/2017/decorative" val="1"/>
@@ -3482,20 +3499,14 @@
           </p:nvPr>
         </p:nvSpPr>
         <p:spPr>
-          <a:xfrm rot="16200000">
-            <a:off x="5662795" y="-3745097"/>
-            <a:ext cx="1354979" cy="10750169"/>
-          </a:xfrm>
-          <a:prstGeom prst="downArrow">
-            <a:avLst>
-              <a:gd name="adj1" fmla="val 100000"/>
-              <a:gd name="adj2" fmla="val 22582"/>
-            </a:avLst>
+          <a:xfrm>
+            <a:off x="0" y="0"/>
+            <a:ext cx="12192000" cy="6858000"/>
+          </a:xfrm>
+          <a:prstGeom prst="rect">
+            <a:avLst/>
           </a:prstGeom>
-          <a:solidFill>
-            <a:srgbClr val="404040"/>
-          </a:solidFill>
-          <a:ln w="53975">
+          <a:ln>
             <a:noFill/>
           </a:ln>
         </p:spPr>
@@ -3519,7 +3530,77 @@
           <a:bodyPr rtlCol="0" anchor="ctr"/>
           <a:lstStyle/>
           <a:p>
-            <a:pPr marL="0" marR="0" lvl="0" indent="0" algn="ctr" defTabSz="457200" rtl="0" eaLnBrk="1" fontAlgn="auto" latinLnBrk="0" hangingPunct="1">
+            <a:pPr algn="ctr"/>
+            <a:endParaRPr lang="en-US"/>
+          </a:p>
+        </p:txBody>
+      </p:sp>
+      <p:sp useBgFill="1">
+        <p:nvSpPr>
+          <p:cNvPr id="74" name="Rectangle 73">
+            <a:extLst>
+              <a:ext uri="{FF2B5EF4-FFF2-40B4-BE49-F238E27FC236}">
+                <a16:creationId xmlns:a16="http://schemas.microsoft.com/office/drawing/2014/main" id="{0990C621-3B8B-4820-8328-D47EF7CE823C}"/>
+              </a:ext>
+              <a:ext uri="{C183D7F6-B498-43B3-948B-1728B52AA6E4}">
+                <adec:decorative xmlns:adec="http://schemas.microsoft.com/office/drawing/2017/decorative" val="1"/>
+              </a:ext>
+            </a:extLst>
+          </p:cNvPr>
+          <p:cNvSpPr>
+            <a:spLocks noGrp="1" noRot="1" noChangeAspect="1" noMove="1" noResize="1" noEditPoints="1" noAdjustHandles="1" noChangeArrowheads="1" noChangeShapeType="1" noTextEdit="1"/>
+          </p:cNvSpPr>
+          <p:nvPr>
+            <p:extLst>
+              <p:ext uri="{386F3935-93C4-4BCD-93E2-E3B085C9AB24}">
+                <p16:designElem xmlns:p16="http://schemas.microsoft.com/office/powerpoint/2015/main" val="1"/>
+              </p:ext>
+            </p:extLst>
+          </p:nvPr>
+        </p:nvSpPr>
+        <p:spPr>
+          <a:xfrm>
+            <a:off x="554416" y="365125"/>
+            <a:ext cx="11167447" cy="2089317"/>
+          </a:xfrm>
+          <a:prstGeom prst="rect">
+            <a:avLst/>
+          </a:prstGeom>
+          <a:ln w="12700">
+            <a:solidFill>
+              <a:srgbClr val="DEDEDE"/>
+            </a:solidFill>
+          </a:ln>
+          <a:effectLst>
+            <a:outerShdw blurRad="50800" dist="38100" dir="2700000" algn="tl" rotWithShape="0">
+              <a:schemeClr val="bg2">
+                <a:lumMod val="85000"/>
+                <a:alpha val="50000"/>
+              </a:schemeClr>
+            </a:outerShdw>
+          </a:effectLst>
+        </p:spPr>
+        <p:style>
+          <a:lnRef idx="2">
+            <a:schemeClr val="accent1">
+              <a:shade val="50000"/>
+            </a:schemeClr>
+          </a:lnRef>
+          <a:fillRef idx="1">
+            <a:schemeClr val="accent1"/>
+          </a:fillRef>
+          <a:effectRef idx="0">
+            <a:schemeClr val="accent1"/>
+          </a:effectRef>
+          <a:fontRef idx="minor">
+            <a:schemeClr val="lt1"/>
+          </a:fontRef>
+        </p:style>
+        <p:txBody>
+          <a:bodyPr rtlCol="0" anchor="ctr"/>
+          <a:lstStyle/>
+          <a:p>
+            <a:pPr marL="0" marR="0" lvl="0" indent="0" algn="ctr" defTabSz="914400" rtl="0" eaLnBrk="1" fontAlgn="auto" latinLnBrk="0" hangingPunct="1">
               <a:lnSpc>
                 <a:spcPct val="100000"/>
               </a:lnSpc>
@@ -3553,418 +3634,4588 @@
           </a:p>
         </p:txBody>
       </p:sp>
+      <p:sp>
+        <p:nvSpPr>
+          <p:cNvPr id="2" name="Title 1">
+            <a:extLst>
+              <a:ext uri="{FF2B5EF4-FFF2-40B4-BE49-F238E27FC236}">
+                <a16:creationId xmlns:a16="http://schemas.microsoft.com/office/drawing/2014/main" id="{F0930F5B-3286-4E47-8439-29E016EE6E27}"/>
+              </a:ext>
+            </a:extLst>
+          </p:cNvPr>
+          <p:cNvSpPr>
+            <a:spLocks noGrp="1"/>
+          </p:cNvSpPr>
+          <p:nvPr>
+            <p:ph type="title"/>
+          </p:nvPr>
+        </p:nvSpPr>
+        <p:spPr>
+          <a:xfrm>
+            <a:off x="1051560" y="586822"/>
+            <a:ext cx="3657600" cy="1645920"/>
+          </a:xfrm>
+        </p:spPr>
+        <p:txBody>
+          <a:bodyPr>
+            <a:normAutofit/>
+          </a:bodyPr>
+          <a:lstStyle/>
+          <a:p>
+            <a:r>
+              <a:rPr lang="en-IN" sz="3200"/>
+              <a:t>Similarity table and graph</a:t>
+            </a:r>
+          </a:p>
+        </p:txBody>
+      </p:sp>
+      <p:sp>
+        <p:nvSpPr>
+          <p:cNvPr id="76" name="Rectangle 75">
+            <a:extLst>
+              <a:ext uri="{FF2B5EF4-FFF2-40B4-BE49-F238E27FC236}">
+                <a16:creationId xmlns:a16="http://schemas.microsoft.com/office/drawing/2014/main" id="{C1A2385B-1D2A-4E17-84FA-6CB7F0AAE473}"/>
+              </a:ext>
+              <a:ext uri="{C183D7F6-B498-43B3-948B-1728B52AA6E4}">
+                <adec:decorative xmlns:adec="http://schemas.microsoft.com/office/drawing/2017/decorative" val="1"/>
+              </a:ext>
+            </a:extLst>
+          </p:cNvPr>
+          <p:cNvSpPr>
+            <a:spLocks noGrp="1" noRot="1" noChangeAspect="1" noMove="1" noResize="1" noEditPoints="1" noAdjustHandles="1" noChangeArrowheads="1" noChangeShapeType="1" noTextEdit="1"/>
+          </p:cNvSpPr>
+          <p:nvPr>
+            <p:extLst>
+              <p:ext uri="{386F3935-93C4-4BCD-93E2-E3B085C9AB24}">
+                <p16:designElem xmlns:p16="http://schemas.microsoft.com/office/powerpoint/2015/main" val="1"/>
+              </p:ext>
+            </p:extLst>
+          </p:nvPr>
+        </p:nvSpPr>
+        <p:spPr>
+          <a:xfrm>
+            <a:off x="490408" y="1057739"/>
+            <a:ext cx="128016" cy="704088"/>
+          </a:xfrm>
+          <a:prstGeom prst="rect">
+            <a:avLst/>
+          </a:prstGeom>
+          <a:solidFill>
+            <a:schemeClr val="accent2"/>
+          </a:solidFill>
+          <a:ln>
+            <a:noFill/>
+          </a:ln>
+        </p:spPr>
+        <p:style>
+          <a:lnRef idx="2">
+            <a:schemeClr val="accent1">
+              <a:shade val="50000"/>
+            </a:schemeClr>
+          </a:lnRef>
+          <a:fillRef idx="1">
+            <a:schemeClr val="accent1"/>
+          </a:fillRef>
+          <a:effectRef idx="0">
+            <a:schemeClr val="accent1"/>
+          </a:effectRef>
+          <a:fontRef idx="minor">
+            <a:schemeClr val="lt1"/>
+          </a:fontRef>
+        </p:style>
+        <p:txBody>
+          <a:bodyPr rtlCol="0" anchor="ctr"/>
+          <a:lstStyle/>
+          <a:p>
+            <a:pPr algn="ctr"/>
+            <a:endParaRPr lang="en-US" dirty="0">
+              <a:solidFill>
+                <a:prstClr val="white"/>
+              </a:solidFill>
+              <a:latin typeface="Calibri" panose="020F0502020204030204"/>
+            </a:endParaRPr>
+          </a:p>
+        </p:txBody>
+      </p:sp>
+      <p:sp>
+        <p:nvSpPr>
+          <p:cNvPr id="78" name="Rectangle 77">
+            <a:extLst>
+              <a:ext uri="{FF2B5EF4-FFF2-40B4-BE49-F238E27FC236}">
+                <a16:creationId xmlns:a16="http://schemas.microsoft.com/office/drawing/2014/main" id="{5E791F2F-79DB-4CC0-9FA1-001E3E91E8B7}"/>
+              </a:ext>
+              <a:ext uri="{C183D7F6-B498-43B3-948B-1728B52AA6E4}">
+                <adec:decorative xmlns:adec="http://schemas.microsoft.com/office/drawing/2017/decorative" val="1"/>
+              </a:ext>
+            </a:extLst>
+          </p:cNvPr>
+          <p:cNvSpPr>
+            <a:spLocks noGrp="1" noRot="1" noChangeAspect="1" noMove="1" noResize="1" noEditPoints="1" noAdjustHandles="1" noChangeArrowheads="1" noChangeShapeType="1" noTextEdit="1"/>
+          </p:cNvSpPr>
+          <p:nvPr>
+            <p:extLst>
+              <p:ext uri="{386F3935-93C4-4BCD-93E2-E3B085C9AB24}">
+                <p16:designElem xmlns:p16="http://schemas.microsoft.com/office/powerpoint/2015/main" val="1"/>
+              </p:ext>
+            </p:extLst>
+          </p:nvPr>
+        </p:nvSpPr>
+        <p:spPr>
+          <a:xfrm rot="5400000">
+            <a:off x="4243541" y="1400638"/>
+            <a:ext cx="1463040" cy="18288"/>
+          </a:xfrm>
+          <a:prstGeom prst="rect">
+            <a:avLst/>
+          </a:prstGeom>
+          <a:solidFill>
+            <a:srgbClr val="D5D5D5"/>
+          </a:solidFill>
+          <a:ln w="3175">
+            <a:noFill/>
+          </a:ln>
+          <a:effectLst/>
+        </p:spPr>
+        <p:style>
+          <a:lnRef idx="2">
+            <a:schemeClr val="accent1">
+              <a:shade val="50000"/>
+            </a:schemeClr>
+          </a:lnRef>
+          <a:fillRef idx="1">
+            <a:schemeClr val="accent1"/>
+          </a:fillRef>
+          <a:effectRef idx="0">
+            <a:schemeClr val="accent1"/>
+          </a:effectRef>
+          <a:fontRef idx="minor">
+            <a:schemeClr val="lt1"/>
+          </a:fontRef>
+        </p:style>
+        <p:txBody>
+          <a:bodyPr rtlCol="0" anchor="ctr"/>
+          <a:lstStyle/>
+          <a:p>
+            <a:pPr marL="0" marR="0" lvl="0" indent="0" algn="ctr" defTabSz="914400" rtl="0" eaLnBrk="1" fontAlgn="auto" latinLnBrk="0" hangingPunct="1">
+              <a:lnSpc>
+                <a:spcPct val="100000"/>
+              </a:lnSpc>
+              <a:spcBef>
+                <a:spcPts val="0"/>
+              </a:spcBef>
+              <a:spcAft>
+                <a:spcPts val="0"/>
+              </a:spcAft>
+              <a:buClrTx/>
+              <a:buSzTx/>
+              <a:buFontTx/>
+              <a:buNone/>
+              <a:tabLst/>
+              <a:defRPr/>
+            </a:pPr>
+            <a:endParaRPr kumimoji="0" lang="en-US" sz="1800" b="0" i="0" u="none" strike="noStrike" kern="1200" cap="none" spc="0" normalizeH="0" baseline="0" noProof="0">
+              <a:ln>
+                <a:noFill/>
+              </a:ln>
+              <a:solidFill>
+                <a:prstClr val="white"/>
+              </a:solidFill>
+              <a:effectLst/>
+              <a:uLnTx/>
+              <a:uFillTx/>
+              <a:latin typeface="Calibri" panose="020F0502020204030204"/>
+              <a:ea typeface="+mn-ea"/>
+              <a:cs typeface="+mn-cs"/>
+            </a:endParaRPr>
+          </a:p>
+        </p:txBody>
+      </p:sp>
+      <p:sp>
+        <p:nvSpPr>
+          <p:cNvPr id="3" name="Content Placeholder 2">
+            <a:extLst>
+              <a:ext uri="{FF2B5EF4-FFF2-40B4-BE49-F238E27FC236}">
+                <a16:creationId xmlns:a16="http://schemas.microsoft.com/office/drawing/2014/main" id="{BA98E673-9CE2-41B1-9843-DFD318EBF06F}"/>
+              </a:ext>
+            </a:extLst>
+          </p:cNvPr>
+          <p:cNvSpPr>
+            <a:spLocks noGrp="1"/>
+          </p:cNvSpPr>
+          <p:nvPr>
+            <p:ph idx="1"/>
+          </p:nvPr>
+        </p:nvSpPr>
+        <p:spPr>
+          <a:xfrm>
+            <a:off x="5250106" y="586822"/>
+            <a:ext cx="6106742" cy="1645920"/>
+          </a:xfrm>
+        </p:spPr>
+        <p:txBody>
+          <a:bodyPr anchor="ctr">
+            <a:normAutofit/>
+          </a:bodyPr>
+          <a:lstStyle/>
+          <a:p>
+            <a:r>
+              <a:rPr lang="en-IN" sz="1800" dirty="0"/>
+              <a:t>Similarity table and graph for input image </a:t>
+            </a:r>
+            <a:r>
+              <a:rPr lang="en-IN" sz="1800" dirty="0">
+                <a:solidFill>
+                  <a:srgbClr val="C00000"/>
+                </a:solidFill>
+              </a:rPr>
+              <a:t>I-02</a:t>
+            </a:r>
+            <a:r>
+              <a:rPr lang="en-IN" sz="1800" dirty="0"/>
+              <a:t> with other images (I-00 to I-09)</a:t>
+            </a:r>
+          </a:p>
+          <a:p>
+            <a:r>
+              <a:rPr lang="en-IN" sz="1800" dirty="0"/>
+              <a:t>From the similarity percentage which is in the table, I have drawn a graph for better understanding.</a:t>
+            </a:r>
+          </a:p>
+        </p:txBody>
+      </p:sp>
       <p:pic>
         <p:nvPicPr>
-          <p:cNvPr id="5" name="Content Placeholder 4">
-            <a:extLst>
-              <a:ext uri="{FF2B5EF4-FFF2-40B4-BE49-F238E27FC236}">
-                <a16:creationId xmlns:a16="http://schemas.microsoft.com/office/drawing/2014/main" id="{969FF7BB-33E4-48AC-B726-694AD8980BF2}"/>
+          <p:cNvPr id="4099" name="Picture 1">
+            <a:extLst>
+              <a:ext uri="{FF2B5EF4-FFF2-40B4-BE49-F238E27FC236}">
+                <a16:creationId xmlns:a16="http://schemas.microsoft.com/office/drawing/2014/main" id="{F5D46D47-8D5B-46FC-BBA9-65C36379702B}"/>
               </a:ext>
             </a:extLst>
           </p:cNvPr>
           <p:cNvPicPr>
-            <a:picLocks noChangeAspect="1"/>
+            <a:picLocks noChangeAspect="1" noChangeArrowheads="1"/>
           </p:cNvPicPr>
           <p:nvPr/>
         </p:nvPicPr>
         <p:blipFill>
-          <a:blip r:embed="rId2"/>
+          <a:blip r:embed="rId2">
+            <a:extLst>
+              <a:ext uri="{28A0092B-C50C-407E-A947-70E740481C1C}">
+                <a14:useLocalDpi xmlns:a14="http://schemas.microsoft.com/office/drawing/2010/main" val="0"/>
+              </a:ext>
+            </a:extLst>
+          </a:blip>
           <a:stretch>
             <a:fillRect/>
           </a:stretch>
         </p:blipFill>
-        <p:spPr>
-          <a:xfrm>
-            <a:off x="1287463" y="3392488"/>
-            <a:ext cx="1989138" cy="931863"/>
+        <p:spPr bwMode="auto">
+          <a:xfrm>
+            <a:off x="6240354" y="2724847"/>
+            <a:ext cx="5481509" cy="3357424"/>
           </a:xfrm>
           <a:prstGeom prst="rect">
             <a:avLst/>
           </a:prstGeom>
+          <a:noFill/>
+          <a:extLst>
+            <a:ext uri="{909E8E84-426E-40DD-AFC4-6F175D3DCCD1}">
+              <a14:hiddenFill xmlns:a14="http://schemas.microsoft.com/office/drawing/2010/main">
+                <a:solidFill>
+                  <a:srgbClr val="FFFFFF"/>
+                </a:solidFill>
+              </a14:hiddenFill>
+            </a:ext>
+            <a:ext uri="{91240B29-F687-4F45-9708-019B960494DF}">
+              <a14:hiddenLine xmlns:a14="http://schemas.microsoft.com/office/drawing/2010/main" w="9525">
+                <a:solidFill>
+                  <a:srgbClr val="000000"/>
+                </a:solidFill>
+                <a:miter lim="800000"/>
+                <a:headEnd/>
+                <a:tailEnd/>
+              </a14:hiddenLine>
+            </a:ext>
+          </a:extLst>
         </p:spPr>
       </p:pic>
       <p:pic>
         <p:nvPicPr>
-          <p:cNvPr id="23" name="Picture 22">
-            <a:extLst>
-              <a:ext uri="{FF2B5EF4-FFF2-40B4-BE49-F238E27FC236}">
-                <a16:creationId xmlns:a16="http://schemas.microsoft.com/office/drawing/2014/main" id="{59583A37-AA64-4C89-9979-B7432B046481}"/>
+          <p:cNvPr id="4098" name="Picture 51" descr="Table&#10;&#10;Description automatically generated">
+            <a:extLst>
+              <a:ext uri="{FF2B5EF4-FFF2-40B4-BE49-F238E27FC236}">
+                <a16:creationId xmlns:a16="http://schemas.microsoft.com/office/drawing/2014/main" id="{DB7D6B91-20A3-4D7C-AC9B-A2B1E3572BEB}"/>
               </a:ext>
             </a:extLst>
           </p:cNvPr>
           <p:cNvPicPr>
-            <a:picLocks noChangeAspect="1"/>
+            <a:picLocks noChangeAspect="1" noChangeArrowheads="1"/>
           </p:cNvPicPr>
           <p:nvPr/>
         </p:nvPicPr>
         <p:blipFill>
-          <a:blip r:embed="rId3"/>
+          <a:blip r:embed="rId3">
+            <a:extLst>
+              <a:ext uri="{28A0092B-C50C-407E-A947-70E740481C1C}">
+                <a14:useLocalDpi xmlns:a14="http://schemas.microsoft.com/office/drawing/2010/main" val="0"/>
+              </a:ext>
+            </a:extLst>
+          </a:blip>
           <a:stretch>
             <a:fillRect/>
           </a:stretch>
         </p:blipFill>
-        <p:spPr>
-          <a:xfrm>
-            <a:off x="7315001" y="4368129"/>
-            <a:ext cx="1989138" cy="957263"/>
+        <p:spPr bwMode="auto">
+          <a:xfrm>
+            <a:off x="490408" y="2925356"/>
+            <a:ext cx="5523082" cy="3028005"/>
           </a:xfrm>
           <a:prstGeom prst="rect">
             <a:avLst/>
           </a:prstGeom>
+          <a:noFill/>
+          <a:extLst>
+            <a:ext uri="{909E8E84-426E-40DD-AFC4-6F175D3DCCD1}">
+              <a14:hiddenFill xmlns:a14="http://schemas.microsoft.com/office/drawing/2010/main">
+                <a:solidFill>
+                  <a:srgbClr val="FFFFFF"/>
+                </a:solidFill>
+              </a14:hiddenFill>
+            </a:ext>
+            <a:ext uri="{91240B29-F687-4F45-9708-019B960494DF}">
+              <a14:hiddenLine xmlns:a14="http://schemas.microsoft.com/office/drawing/2010/main" w="9525">
+                <a:solidFill>
+                  <a:srgbClr val="000000"/>
+                </a:solidFill>
+                <a:miter lim="800000"/>
+                <a:headEnd/>
+                <a:tailEnd/>
+              </a14:hiddenLine>
+            </a:ext>
+          </a:extLst>
         </p:spPr>
       </p:pic>
+    </p:spTree>
+    <p:extLst>
+      <p:ext uri="{BB962C8B-B14F-4D97-AF65-F5344CB8AC3E}">
+        <p14:creationId xmlns:p14="http://schemas.microsoft.com/office/powerpoint/2010/main" val="1133422464"/>
+      </p:ext>
+    </p:extLst>
+  </p:cSld>
+  <p:clrMapOvr>
+    <a:masterClrMapping/>
+  </p:clrMapOvr>
+</p:sld>
+</file>
+
+<file path=ppt/slides/slide11.xml><?xml version="1.0" encoding="utf-8"?>
+<p:sld xmlns:a="http://schemas.openxmlformats.org/drawingml/2006/main" xmlns:r="http://schemas.openxmlformats.org/officeDocument/2006/relationships" xmlns:p="http://schemas.openxmlformats.org/presentationml/2006/main">
+  <p:cSld>
+    <p:bg>
+      <p:bgPr>
+        <a:solidFill>
+          <a:schemeClr val="bg1"/>
+        </a:solidFill>
+        <a:effectLst/>
+      </p:bgPr>
+    </p:bg>
+    <p:spTree>
+      <p:nvGrpSpPr>
+        <p:cNvPr id="1" name=""/>
+        <p:cNvGrpSpPr/>
+        <p:nvPr/>
+      </p:nvGrpSpPr>
+      <p:grpSpPr>
+        <a:xfrm>
+          <a:off x="0" y="0"/>
+          <a:ext cx="0" cy="0"/>
+          <a:chOff x="0" y="0"/>
+          <a:chExt cx="0" cy="0"/>
+        </a:xfrm>
+      </p:grpSpPr>
+      <p:sp useBgFill="1">
+        <p:nvSpPr>
+          <p:cNvPr id="72" name="Rectangle 71">
+            <a:extLst>
+              <a:ext uri="{FF2B5EF4-FFF2-40B4-BE49-F238E27FC236}">
+                <a16:creationId xmlns:a16="http://schemas.microsoft.com/office/drawing/2014/main" id="{385E1BDC-A9B0-4A87-82E3-F3187F69A802}"/>
+              </a:ext>
+              <a:ext uri="{C183D7F6-B498-43B3-948B-1728B52AA6E4}">
+                <adec:decorative xmlns:adec="http://schemas.microsoft.com/office/drawing/2017/decorative" val="1"/>
+              </a:ext>
+            </a:extLst>
+          </p:cNvPr>
+          <p:cNvSpPr>
+            <a:spLocks noGrp="1" noRot="1" noChangeAspect="1" noMove="1" noResize="1" noEditPoints="1" noAdjustHandles="1" noChangeArrowheads="1" noChangeShapeType="1" noTextEdit="1"/>
+          </p:cNvSpPr>
+          <p:nvPr>
+            <p:extLst>
+              <p:ext uri="{386F3935-93C4-4BCD-93E2-E3B085C9AB24}">
+                <p16:designElem xmlns:p16="http://schemas.microsoft.com/office/powerpoint/2015/main" val="1"/>
+              </p:ext>
+            </p:extLst>
+          </p:nvPr>
+        </p:nvSpPr>
+        <p:spPr>
+          <a:xfrm>
+            <a:off x="0" y="0"/>
+            <a:ext cx="12192000" cy="6858000"/>
+          </a:xfrm>
+          <a:prstGeom prst="rect">
+            <a:avLst/>
+          </a:prstGeom>
+          <a:ln>
+            <a:noFill/>
+          </a:ln>
+        </p:spPr>
+        <p:style>
+          <a:lnRef idx="2">
+            <a:schemeClr val="accent1">
+              <a:shade val="50000"/>
+            </a:schemeClr>
+          </a:lnRef>
+          <a:fillRef idx="1">
+            <a:schemeClr val="accent1"/>
+          </a:fillRef>
+          <a:effectRef idx="0">
+            <a:schemeClr val="accent1"/>
+          </a:effectRef>
+          <a:fontRef idx="minor">
+            <a:schemeClr val="lt1"/>
+          </a:fontRef>
+        </p:style>
+        <p:txBody>
+          <a:bodyPr rtlCol="0" anchor="ctr"/>
+          <a:lstStyle/>
+          <a:p>
+            <a:pPr algn="ctr"/>
+            <a:endParaRPr lang="en-US"/>
+          </a:p>
+        </p:txBody>
+      </p:sp>
+      <p:sp useBgFill="1">
+        <p:nvSpPr>
+          <p:cNvPr id="74" name="Rectangle 73">
+            <a:extLst>
+              <a:ext uri="{FF2B5EF4-FFF2-40B4-BE49-F238E27FC236}">
+                <a16:creationId xmlns:a16="http://schemas.microsoft.com/office/drawing/2014/main" id="{0990C621-3B8B-4820-8328-D47EF7CE823C}"/>
+              </a:ext>
+              <a:ext uri="{C183D7F6-B498-43B3-948B-1728B52AA6E4}">
+                <adec:decorative xmlns:adec="http://schemas.microsoft.com/office/drawing/2017/decorative" val="1"/>
+              </a:ext>
+            </a:extLst>
+          </p:cNvPr>
+          <p:cNvSpPr>
+            <a:spLocks noGrp="1" noRot="1" noChangeAspect="1" noMove="1" noResize="1" noEditPoints="1" noAdjustHandles="1" noChangeArrowheads="1" noChangeShapeType="1" noTextEdit="1"/>
+          </p:cNvSpPr>
+          <p:nvPr>
+            <p:extLst>
+              <p:ext uri="{386F3935-93C4-4BCD-93E2-E3B085C9AB24}">
+                <p16:designElem xmlns:p16="http://schemas.microsoft.com/office/powerpoint/2015/main" val="1"/>
+              </p:ext>
+            </p:extLst>
+          </p:nvPr>
+        </p:nvSpPr>
+        <p:spPr>
+          <a:xfrm>
+            <a:off x="554416" y="365125"/>
+            <a:ext cx="11167447" cy="2089317"/>
+          </a:xfrm>
+          <a:prstGeom prst="rect">
+            <a:avLst/>
+          </a:prstGeom>
+          <a:ln w="12700">
+            <a:solidFill>
+              <a:srgbClr val="DEDEDE"/>
+            </a:solidFill>
+          </a:ln>
+          <a:effectLst>
+            <a:outerShdw blurRad="50800" dist="38100" dir="2700000" algn="tl" rotWithShape="0">
+              <a:schemeClr val="bg2">
+                <a:lumMod val="85000"/>
+                <a:alpha val="50000"/>
+              </a:schemeClr>
+            </a:outerShdw>
+          </a:effectLst>
+        </p:spPr>
+        <p:style>
+          <a:lnRef idx="2">
+            <a:schemeClr val="accent1">
+              <a:shade val="50000"/>
+            </a:schemeClr>
+          </a:lnRef>
+          <a:fillRef idx="1">
+            <a:schemeClr val="accent1"/>
+          </a:fillRef>
+          <a:effectRef idx="0">
+            <a:schemeClr val="accent1"/>
+          </a:effectRef>
+          <a:fontRef idx="minor">
+            <a:schemeClr val="lt1"/>
+          </a:fontRef>
+        </p:style>
+        <p:txBody>
+          <a:bodyPr rtlCol="0" anchor="ctr"/>
+          <a:lstStyle/>
+          <a:p>
+            <a:pPr marL="0" marR="0" lvl="0" indent="0" algn="ctr" defTabSz="914400" rtl="0" eaLnBrk="1" fontAlgn="auto" latinLnBrk="0" hangingPunct="1">
+              <a:lnSpc>
+                <a:spcPct val="100000"/>
+              </a:lnSpc>
+              <a:spcBef>
+                <a:spcPts val="0"/>
+              </a:spcBef>
+              <a:spcAft>
+                <a:spcPts val="0"/>
+              </a:spcAft>
+              <a:buClrTx/>
+              <a:buSzTx/>
+              <a:buFontTx/>
+              <a:buNone/>
+              <a:tabLst/>
+              <a:defRPr/>
+            </a:pPr>
+            <a:endParaRPr kumimoji="0" lang="en-US" sz="1800" b="0" i="0" u="none" strike="noStrike" kern="1200" cap="none" spc="0" normalizeH="0" baseline="0" noProof="0">
+              <a:ln>
+                <a:noFill/>
+              </a:ln>
+              <a:solidFill>
+                <a:prstClr val="white"/>
+              </a:solidFill>
+              <a:effectLst/>
+              <a:uLnTx/>
+              <a:uFillTx/>
+              <a:latin typeface="Calibri" panose="020F0502020204030204"/>
+              <a:ea typeface="+mn-ea"/>
+              <a:cs typeface="+mn-cs"/>
+            </a:endParaRPr>
+          </a:p>
+        </p:txBody>
+      </p:sp>
+      <p:sp>
+        <p:nvSpPr>
+          <p:cNvPr id="2" name="Title 1">
+            <a:extLst>
+              <a:ext uri="{FF2B5EF4-FFF2-40B4-BE49-F238E27FC236}">
+                <a16:creationId xmlns:a16="http://schemas.microsoft.com/office/drawing/2014/main" id="{3B944726-894C-440D-AC1C-CA6720681125}"/>
+              </a:ext>
+            </a:extLst>
+          </p:cNvPr>
+          <p:cNvSpPr>
+            <a:spLocks noGrp="1"/>
+          </p:cNvSpPr>
+          <p:nvPr>
+            <p:ph type="title"/>
+          </p:nvPr>
+        </p:nvSpPr>
+        <p:spPr>
+          <a:xfrm>
+            <a:off x="1051560" y="586822"/>
+            <a:ext cx="3657600" cy="1645920"/>
+          </a:xfrm>
+        </p:spPr>
+        <p:txBody>
+          <a:bodyPr>
+            <a:normAutofit/>
+          </a:bodyPr>
+          <a:lstStyle/>
+          <a:p>
+            <a:r>
+              <a:rPr lang="en-IN" sz="3200"/>
+              <a:t>Similarity table and graph</a:t>
+            </a:r>
+          </a:p>
+        </p:txBody>
+      </p:sp>
+      <p:sp>
+        <p:nvSpPr>
+          <p:cNvPr id="76" name="Rectangle 75">
+            <a:extLst>
+              <a:ext uri="{FF2B5EF4-FFF2-40B4-BE49-F238E27FC236}">
+                <a16:creationId xmlns:a16="http://schemas.microsoft.com/office/drawing/2014/main" id="{C1A2385B-1D2A-4E17-84FA-6CB7F0AAE473}"/>
+              </a:ext>
+              <a:ext uri="{C183D7F6-B498-43B3-948B-1728B52AA6E4}">
+                <adec:decorative xmlns:adec="http://schemas.microsoft.com/office/drawing/2017/decorative" val="1"/>
+              </a:ext>
+            </a:extLst>
+          </p:cNvPr>
+          <p:cNvSpPr>
+            <a:spLocks noGrp="1" noRot="1" noChangeAspect="1" noMove="1" noResize="1" noEditPoints="1" noAdjustHandles="1" noChangeArrowheads="1" noChangeShapeType="1" noTextEdit="1"/>
+          </p:cNvSpPr>
+          <p:nvPr>
+            <p:extLst>
+              <p:ext uri="{386F3935-93C4-4BCD-93E2-E3B085C9AB24}">
+                <p16:designElem xmlns:p16="http://schemas.microsoft.com/office/powerpoint/2015/main" val="1"/>
+              </p:ext>
+            </p:extLst>
+          </p:nvPr>
+        </p:nvSpPr>
+        <p:spPr>
+          <a:xfrm>
+            <a:off x="490408" y="1057739"/>
+            <a:ext cx="128016" cy="704088"/>
+          </a:xfrm>
+          <a:prstGeom prst="rect">
+            <a:avLst/>
+          </a:prstGeom>
+          <a:solidFill>
+            <a:schemeClr val="accent2"/>
+          </a:solidFill>
+          <a:ln>
+            <a:noFill/>
+          </a:ln>
+        </p:spPr>
+        <p:style>
+          <a:lnRef idx="2">
+            <a:schemeClr val="accent1">
+              <a:shade val="50000"/>
+            </a:schemeClr>
+          </a:lnRef>
+          <a:fillRef idx="1">
+            <a:schemeClr val="accent1"/>
+          </a:fillRef>
+          <a:effectRef idx="0">
+            <a:schemeClr val="accent1"/>
+          </a:effectRef>
+          <a:fontRef idx="minor">
+            <a:schemeClr val="lt1"/>
+          </a:fontRef>
+        </p:style>
+        <p:txBody>
+          <a:bodyPr rtlCol="0" anchor="ctr"/>
+          <a:lstStyle/>
+          <a:p>
+            <a:pPr algn="ctr"/>
+            <a:endParaRPr lang="en-US" dirty="0">
+              <a:solidFill>
+                <a:prstClr val="white"/>
+              </a:solidFill>
+              <a:latin typeface="Calibri" panose="020F0502020204030204"/>
+            </a:endParaRPr>
+          </a:p>
+        </p:txBody>
+      </p:sp>
+      <p:sp>
+        <p:nvSpPr>
+          <p:cNvPr id="78" name="Rectangle 77">
+            <a:extLst>
+              <a:ext uri="{FF2B5EF4-FFF2-40B4-BE49-F238E27FC236}">
+                <a16:creationId xmlns:a16="http://schemas.microsoft.com/office/drawing/2014/main" id="{5E791F2F-79DB-4CC0-9FA1-001E3E91E8B7}"/>
+              </a:ext>
+              <a:ext uri="{C183D7F6-B498-43B3-948B-1728B52AA6E4}">
+                <adec:decorative xmlns:adec="http://schemas.microsoft.com/office/drawing/2017/decorative" val="1"/>
+              </a:ext>
+            </a:extLst>
+          </p:cNvPr>
+          <p:cNvSpPr>
+            <a:spLocks noGrp="1" noRot="1" noChangeAspect="1" noMove="1" noResize="1" noEditPoints="1" noAdjustHandles="1" noChangeArrowheads="1" noChangeShapeType="1" noTextEdit="1"/>
+          </p:cNvSpPr>
+          <p:nvPr>
+            <p:extLst>
+              <p:ext uri="{386F3935-93C4-4BCD-93E2-E3B085C9AB24}">
+                <p16:designElem xmlns:p16="http://schemas.microsoft.com/office/powerpoint/2015/main" val="1"/>
+              </p:ext>
+            </p:extLst>
+          </p:nvPr>
+        </p:nvSpPr>
+        <p:spPr>
+          <a:xfrm rot="5400000">
+            <a:off x="4243541" y="1400638"/>
+            <a:ext cx="1463040" cy="18288"/>
+          </a:xfrm>
+          <a:prstGeom prst="rect">
+            <a:avLst/>
+          </a:prstGeom>
+          <a:solidFill>
+            <a:srgbClr val="D5D5D5"/>
+          </a:solidFill>
+          <a:ln w="3175">
+            <a:noFill/>
+          </a:ln>
+          <a:effectLst/>
+        </p:spPr>
+        <p:style>
+          <a:lnRef idx="2">
+            <a:schemeClr val="accent1">
+              <a:shade val="50000"/>
+            </a:schemeClr>
+          </a:lnRef>
+          <a:fillRef idx="1">
+            <a:schemeClr val="accent1"/>
+          </a:fillRef>
+          <a:effectRef idx="0">
+            <a:schemeClr val="accent1"/>
+          </a:effectRef>
+          <a:fontRef idx="minor">
+            <a:schemeClr val="lt1"/>
+          </a:fontRef>
+        </p:style>
+        <p:txBody>
+          <a:bodyPr rtlCol="0" anchor="ctr"/>
+          <a:lstStyle/>
+          <a:p>
+            <a:pPr marL="0" marR="0" lvl="0" indent="0" algn="ctr" defTabSz="914400" rtl="0" eaLnBrk="1" fontAlgn="auto" latinLnBrk="0" hangingPunct="1">
+              <a:lnSpc>
+                <a:spcPct val="100000"/>
+              </a:lnSpc>
+              <a:spcBef>
+                <a:spcPts val="0"/>
+              </a:spcBef>
+              <a:spcAft>
+                <a:spcPts val="0"/>
+              </a:spcAft>
+              <a:buClrTx/>
+              <a:buSzTx/>
+              <a:buFontTx/>
+              <a:buNone/>
+              <a:tabLst/>
+              <a:defRPr/>
+            </a:pPr>
+            <a:endParaRPr kumimoji="0" lang="en-US" sz="1800" b="0" i="0" u="none" strike="noStrike" kern="1200" cap="none" spc="0" normalizeH="0" baseline="0" noProof="0">
+              <a:ln>
+                <a:noFill/>
+              </a:ln>
+              <a:solidFill>
+                <a:prstClr val="white"/>
+              </a:solidFill>
+              <a:effectLst/>
+              <a:uLnTx/>
+              <a:uFillTx/>
+              <a:latin typeface="Calibri" panose="020F0502020204030204"/>
+              <a:ea typeface="+mn-ea"/>
+              <a:cs typeface="+mn-cs"/>
+            </a:endParaRPr>
+          </a:p>
+        </p:txBody>
+      </p:sp>
+      <p:sp>
+        <p:nvSpPr>
+          <p:cNvPr id="3" name="Content Placeholder 2">
+            <a:extLst>
+              <a:ext uri="{FF2B5EF4-FFF2-40B4-BE49-F238E27FC236}">
+                <a16:creationId xmlns:a16="http://schemas.microsoft.com/office/drawing/2014/main" id="{1B4D1363-B938-4D35-AC12-6DDD741CBE15}"/>
+              </a:ext>
+            </a:extLst>
+          </p:cNvPr>
+          <p:cNvSpPr>
+            <a:spLocks noGrp="1"/>
+          </p:cNvSpPr>
+          <p:nvPr>
+            <p:ph idx="1"/>
+          </p:nvPr>
+        </p:nvSpPr>
+        <p:spPr>
+          <a:xfrm>
+            <a:off x="5250106" y="586822"/>
+            <a:ext cx="6106742" cy="1645920"/>
+          </a:xfrm>
+        </p:spPr>
+        <p:txBody>
+          <a:bodyPr anchor="ctr">
+            <a:normAutofit/>
+          </a:bodyPr>
+          <a:lstStyle/>
+          <a:p>
+            <a:r>
+              <a:rPr lang="en-IN" sz="1800" dirty="0"/>
+              <a:t>Similarity table and graph for input image </a:t>
+            </a:r>
+            <a:r>
+              <a:rPr lang="en-IN" sz="1800" dirty="0">
+                <a:solidFill>
+                  <a:srgbClr val="C00000"/>
+                </a:solidFill>
+              </a:rPr>
+              <a:t>I-03</a:t>
+            </a:r>
+            <a:r>
+              <a:rPr lang="en-IN" sz="1800" dirty="0"/>
+              <a:t> with other images (I-00 to I-09)</a:t>
+            </a:r>
+          </a:p>
+          <a:p>
+            <a:r>
+              <a:rPr lang="en-IN" sz="1800" dirty="0"/>
+              <a:t>From the similarity percentage which is in the table, I have drawn a graph for better understanding.</a:t>
+            </a:r>
+          </a:p>
+        </p:txBody>
+      </p:sp>
       <p:pic>
         <p:nvPicPr>
-          <p:cNvPr id="9" name="Content Placeholder 8">
-            <a:extLst>
-              <a:ext uri="{FF2B5EF4-FFF2-40B4-BE49-F238E27FC236}">
-                <a16:creationId xmlns:a16="http://schemas.microsoft.com/office/drawing/2014/main" id="{A600DD58-D0F1-4DD1-890F-E83F678DF984}"/>
+          <p:cNvPr id="5123" name="Picture 1">
+            <a:extLst>
+              <a:ext uri="{FF2B5EF4-FFF2-40B4-BE49-F238E27FC236}">
+                <a16:creationId xmlns:a16="http://schemas.microsoft.com/office/drawing/2014/main" id="{816A75EF-2D7E-453C-BB50-245BDA472869}"/>
               </a:ext>
             </a:extLst>
           </p:cNvPr>
           <p:cNvPicPr>
-            <a:picLocks noGrp="1" noChangeAspect="1"/>
+            <a:picLocks noChangeAspect="1" noChangeArrowheads="1"/>
           </p:cNvPicPr>
-          <p:nvPr>
-            <p:ph idx="1"/>
-          </p:nvPr>
+          <p:nvPr/>
         </p:nvPicPr>
         <p:blipFill>
-          <a:blip r:embed="rId4"/>
+          <a:blip r:embed="rId2">
+            <a:extLst>
+              <a:ext uri="{28A0092B-C50C-407E-A947-70E740481C1C}">
+                <a14:useLocalDpi xmlns:a14="http://schemas.microsoft.com/office/drawing/2010/main" val="0"/>
+              </a:ext>
+            </a:extLst>
+          </a:blip>
           <a:stretch>
             <a:fillRect/>
           </a:stretch>
         </p:blipFill>
-        <p:spPr>
-          <a:xfrm>
-            <a:off x="3343275" y="3392488"/>
-            <a:ext cx="1946275" cy="947738"/>
-          </a:xfrm>
+        <p:spPr bwMode="auto">
+          <a:xfrm>
+            <a:off x="6240354" y="2819567"/>
+            <a:ext cx="5481509" cy="3343719"/>
+          </a:xfrm>
+          <a:prstGeom prst="rect">
+            <a:avLst/>
+          </a:prstGeom>
+          <a:noFill/>
+          <a:extLst>
+            <a:ext uri="{909E8E84-426E-40DD-AFC4-6F175D3DCCD1}">
+              <a14:hiddenFill xmlns:a14="http://schemas.microsoft.com/office/drawing/2010/main">
+                <a:solidFill>
+                  <a:srgbClr val="FFFFFF"/>
+                </a:solidFill>
+              </a14:hiddenFill>
+            </a:ext>
+            <a:ext uri="{91240B29-F687-4F45-9708-019B960494DF}">
+              <a14:hiddenLine xmlns:a14="http://schemas.microsoft.com/office/drawing/2010/main" w="9525">
+                <a:solidFill>
+                  <a:srgbClr val="000000"/>
+                </a:solidFill>
+                <a:miter lim="800000"/>
+                <a:headEnd/>
+                <a:tailEnd/>
+              </a14:hiddenLine>
+            </a:ext>
+          </a:extLst>
         </p:spPr>
       </p:pic>
       <p:pic>
         <p:nvPicPr>
-          <p:cNvPr id="21" name="Picture 20">
-            <a:extLst>
-              <a:ext uri="{FF2B5EF4-FFF2-40B4-BE49-F238E27FC236}">
-                <a16:creationId xmlns:a16="http://schemas.microsoft.com/office/drawing/2014/main" id="{9CE34434-7184-4623-9EB5-AD7AA9560556}"/>
+          <p:cNvPr id="5122" name="Picture 52" descr="Table&#10;&#10;Description automatically generated">
+            <a:extLst>
+              <a:ext uri="{FF2B5EF4-FFF2-40B4-BE49-F238E27FC236}">
+                <a16:creationId xmlns:a16="http://schemas.microsoft.com/office/drawing/2014/main" id="{FBAFE43F-4502-4FD4-9FDD-9989FD846868}"/>
               </a:ext>
             </a:extLst>
           </p:cNvPr>
           <p:cNvPicPr>
-            <a:picLocks noChangeAspect="1"/>
+            <a:picLocks noChangeAspect="1" noChangeArrowheads="1"/>
           </p:cNvPicPr>
           <p:nvPr/>
         </p:nvPicPr>
         <p:blipFill>
-          <a:blip r:embed="rId5"/>
+          <a:blip r:embed="rId3">
+            <a:extLst>
+              <a:ext uri="{28A0092B-C50C-407E-A947-70E740481C1C}">
+                <a14:useLocalDpi xmlns:a14="http://schemas.microsoft.com/office/drawing/2010/main" val="0"/>
+              </a:ext>
+            </a:extLst>
+          </a:blip>
           <a:stretch>
             <a:fillRect/>
           </a:stretch>
         </p:blipFill>
-        <p:spPr>
-          <a:xfrm>
-            <a:off x="5325493" y="4371975"/>
-            <a:ext cx="1946275" cy="941388"/>
+        <p:spPr bwMode="auto">
+          <a:xfrm>
+            <a:off x="466620" y="2983479"/>
+            <a:ext cx="5523082" cy="3015893"/>
           </a:xfrm>
           <a:prstGeom prst="rect">
             <a:avLst/>
           </a:prstGeom>
+          <a:noFill/>
+          <a:extLst>
+            <a:ext uri="{909E8E84-426E-40DD-AFC4-6F175D3DCCD1}">
+              <a14:hiddenFill xmlns:a14="http://schemas.microsoft.com/office/drawing/2010/main">
+                <a:solidFill>
+                  <a:srgbClr val="FFFFFF"/>
+                </a:solidFill>
+              </a14:hiddenFill>
+            </a:ext>
+            <a:ext uri="{91240B29-F687-4F45-9708-019B960494DF}">
+              <a14:hiddenLine xmlns:a14="http://schemas.microsoft.com/office/drawing/2010/main" w="9525">
+                <a:solidFill>
+                  <a:srgbClr val="000000"/>
+                </a:solidFill>
+                <a:miter lim="800000"/>
+                <a:headEnd/>
+                <a:tailEnd/>
+              </a14:hiddenLine>
+            </a:ext>
+          </a:extLst>
         </p:spPr>
       </p:pic>
+    </p:spTree>
+    <p:extLst>
+      <p:ext uri="{BB962C8B-B14F-4D97-AF65-F5344CB8AC3E}">
+        <p14:creationId xmlns:p14="http://schemas.microsoft.com/office/powerpoint/2010/main" val="1531945644"/>
+      </p:ext>
+    </p:extLst>
+  </p:cSld>
+  <p:clrMapOvr>
+    <a:masterClrMapping/>
+  </p:clrMapOvr>
+</p:sld>
+</file>
+
+<file path=ppt/slides/slide12.xml><?xml version="1.0" encoding="utf-8"?>
+<p:sld xmlns:a="http://schemas.openxmlformats.org/drawingml/2006/main" xmlns:r="http://schemas.openxmlformats.org/officeDocument/2006/relationships" xmlns:p="http://schemas.openxmlformats.org/presentationml/2006/main">
+  <p:cSld>
+    <p:bg>
+      <p:bgPr>
+        <a:solidFill>
+          <a:schemeClr val="bg1"/>
+        </a:solidFill>
+        <a:effectLst/>
+      </p:bgPr>
+    </p:bg>
+    <p:spTree>
+      <p:nvGrpSpPr>
+        <p:cNvPr id="1" name=""/>
+        <p:cNvGrpSpPr/>
+        <p:nvPr/>
+      </p:nvGrpSpPr>
+      <p:grpSpPr>
+        <a:xfrm>
+          <a:off x="0" y="0"/>
+          <a:ext cx="0" cy="0"/>
+          <a:chOff x="0" y="0"/>
+          <a:chExt cx="0" cy="0"/>
+        </a:xfrm>
+      </p:grpSpPr>
+      <p:sp useBgFill="1">
+        <p:nvSpPr>
+          <p:cNvPr id="72" name="Rectangle 71">
+            <a:extLst>
+              <a:ext uri="{FF2B5EF4-FFF2-40B4-BE49-F238E27FC236}">
+                <a16:creationId xmlns:a16="http://schemas.microsoft.com/office/drawing/2014/main" id="{385E1BDC-A9B0-4A87-82E3-F3187F69A802}"/>
+              </a:ext>
+              <a:ext uri="{C183D7F6-B498-43B3-948B-1728B52AA6E4}">
+                <adec:decorative xmlns:adec="http://schemas.microsoft.com/office/drawing/2017/decorative" val="1"/>
+              </a:ext>
+            </a:extLst>
+          </p:cNvPr>
+          <p:cNvSpPr>
+            <a:spLocks noGrp="1" noRot="1" noChangeAspect="1" noMove="1" noResize="1" noEditPoints="1" noAdjustHandles="1" noChangeArrowheads="1" noChangeShapeType="1" noTextEdit="1"/>
+          </p:cNvSpPr>
+          <p:nvPr>
+            <p:extLst>
+              <p:ext uri="{386F3935-93C4-4BCD-93E2-E3B085C9AB24}">
+                <p16:designElem xmlns:p16="http://schemas.microsoft.com/office/powerpoint/2015/main" val="1"/>
+              </p:ext>
+            </p:extLst>
+          </p:nvPr>
+        </p:nvSpPr>
+        <p:spPr>
+          <a:xfrm>
+            <a:off x="0" y="0"/>
+            <a:ext cx="12192000" cy="6858000"/>
+          </a:xfrm>
+          <a:prstGeom prst="rect">
+            <a:avLst/>
+          </a:prstGeom>
+          <a:ln>
+            <a:noFill/>
+          </a:ln>
+        </p:spPr>
+        <p:style>
+          <a:lnRef idx="2">
+            <a:schemeClr val="accent1">
+              <a:shade val="50000"/>
+            </a:schemeClr>
+          </a:lnRef>
+          <a:fillRef idx="1">
+            <a:schemeClr val="accent1"/>
+          </a:fillRef>
+          <a:effectRef idx="0">
+            <a:schemeClr val="accent1"/>
+          </a:effectRef>
+          <a:fontRef idx="minor">
+            <a:schemeClr val="lt1"/>
+          </a:fontRef>
+        </p:style>
+        <p:txBody>
+          <a:bodyPr rtlCol="0" anchor="ctr"/>
+          <a:lstStyle/>
+          <a:p>
+            <a:pPr algn="ctr"/>
+            <a:endParaRPr lang="en-US"/>
+          </a:p>
+        </p:txBody>
+      </p:sp>
+      <p:sp useBgFill="1">
+        <p:nvSpPr>
+          <p:cNvPr id="74" name="Rectangle 73">
+            <a:extLst>
+              <a:ext uri="{FF2B5EF4-FFF2-40B4-BE49-F238E27FC236}">
+                <a16:creationId xmlns:a16="http://schemas.microsoft.com/office/drawing/2014/main" id="{0990C621-3B8B-4820-8328-D47EF7CE823C}"/>
+              </a:ext>
+              <a:ext uri="{C183D7F6-B498-43B3-948B-1728B52AA6E4}">
+                <adec:decorative xmlns:adec="http://schemas.microsoft.com/office/drawing/2017/decorative" val="1"/>
+              </a:ext>
+            </a:extLst>
+          </p:cNvPr>
+          <p:cNvSpPr>
+            <a:spLocks noGrp="1" noRot="1" noChangeAspect="1" noMove="1" noResize="1" noEditPoints="1" noAdjustHandles="1" noChangeArrowheads="1" noChangeShapeType="1" noTextEdit="1"/>
+          </p:cNvSpPr>
+          <p:nvPr>
+            <p:extLst>
+              <p:ext uri="{386F3935-93C4-4BCD-93E2-E3B085C9AB24}">
+                <p16:designElem xmlns:p16="http://schemas.microsoft.com/office/powerpoint/2015/main" val="1"/>
+              </p:ext>
+            </p:extLst>
+          </p:nvPr>
+        </p:nvSpPr>
+        <p:spPr>
+          <a:xfrm>
+            <a:off x="554416" y="365125"/>
+            <a:ext cx="11167447" cy="2089317"/>
+          </a:xfrm>
+          <a:prstGeom prst="rect">
+            <a:avLst/>
+          </a:prstGeom>
+          <a:ln w="12700">
+            <a:solidFill>
+              <a:srgbClr val="DEDEDE"/>
+            </a:solidFill>
+          </a:ln>
+          <a:effectLst>
+            <a:outerShdw blurRad="50800" dist="38100" dir="2700000" algn="tl" rotWithShape="0">
+              <a:schemeClr val="bg2">
+                <a:lumMod val="85000"/>
+                <a:alpha val="50000"/>
+              </a:schemeClr>
+            </a:outerShdw>
+          </a:effectLst>
+        </p:spPr>
+        <p:style>
+          <a:lnRef idx="2">
+            <a:schemeClr val="accent1">
+              <a:shade val="50000"/>
+            </a:schemeClr>
+          </a:lnRef>
+          <a:fillRef idx="1">
+            <a:schemeClr val="accent1"/>
+          </a:fillRef>
+          <a:effectRef idx="0">
+            <a:schemeClr val="accent1"/>
+          </a:effectRef>
+          <a:fontRef idx="minor">
+            <a:schemeClr val="lt1"/>
+          </a:fontRef>
+        </p:style>
+        <p:txBody>
+          <a:bodyPr rtlCol="0" anchor="ctr"/>
+          <a:lstStyle/>
+          <a:p>
+            <a:pPr marL="0" marR="0" lvl="0" indent="0" algn="ctr" defTabSz="914400" rtl="0" eaLnBrk="1" fontAlgn="auto" latinLnBrk="0" hangingPunct="1">
+              <a:lnSpc>
+                <a:spcPct val="100000"/>
+              </a:lnSpc>
+              <a:spcBef>
+                <a:spcPts val="0"/>
+              </a:spcBef>
+              <a:spcAft>
+                <a:spcPts val="0"/>
+              </a:spcAft>
+              <a:buClrTx/>
+              <a:buSzTx/>
+              <a:buFontTx/>
+              <a:buNone/>
+              <a:tabLst/>
+              <a:defRPr/>
+            </a:pPr>
+            <a:endParaRPr kumimoji="0" lang="en-US" sz="1800" b="0" i="0" u="none" strike="noStrike" kern="1200" cap="none" spc="0" normalizeH="0" baseline="0" noProof="0">
+              <a:ln>
+                <a:noFill/>
+              </a:ln>
+              <a:solidFill>
+                <a:prstClr val="white"/>
+              </a:solidFill>
+              <a:effectLst/>
+              <a:uLnTx/>
+              <a:uFillTx/>
+              <a:latin typeface="Calibri" panose="020F0502020204030204"/>
+              <a:ea typeface="+mn-ea"/>
+              <a:cs typeface="+mn-cs"/>
+            </a:endParaRPr>
+          </a:p>
+        </p:txBody>
+      </p:sp>
+      <p:sp>
+        <p:nvSpPr>
+          <p:cNvPr id="2" name="Title 1">
+            <a:extLst>
+              <a:ext uri="{FF2B5EF4-FFF2-40B4-BE49-F238E27FC236}">
+                <a16:creationId xmlns:a16="http://schemas.microsoft.com/office/drawing/2014/main" id="{FC12688C-DD87-4F7B-BEE2-7E26CDE3667E}"/>
+              </a:ext>
+            </a:extLst>
+          </p:cNvPr>
+          <p:cNvSpPr>
+            <a:spLocks noGrp="1"/>
+          </p:cNvSpPr>
+          <p:nvPr>
+            <p:ph type="title"/>
+          </p:nvPr>
+        </p:nvSpPr>
+        <p:spPr>
+          <a:xfrm>
+            <a:off x="1051560" y="586822"/>
+            <a:ext cx="3657600" cy="1645920"/>
+          </a:xfrm>
+        </p:spPr>
+        <p:txBody>
+          <a:bodyPr>
+            <a:normAutofit/>
+          </a:bodyPr>
+          <a:lstStyle/>
+          <a:p>
+            <a:r>
+              <a:rPr lang="en-IN" sz="3200"/>
+              <a:t>Similarity table and graph</a:t>
+            </a:r>
+          </a:p>
+        </p:txBody>
+      </p:sp>
+      <p:sp>
+        <p:nvSpPr>
+          <p:cNvPr id="76" name="Rectangle 75">
+            <a:extLst>
+              <a:ext uri="{FF2B5EF4-FFF2-40B4-BE49-F238E27FC236}">
+                <a16:creationId xmlns:a16="http://schemas.microsoft.com/office/drawing/2014/main" id="{C1A2385B-1D2A-4E17-84FA-6CB7F0AAE473}"/>
+              </a:ext>
+              <a:ext uri="{C183D7F6-B498-43B3-948B-1728B52AA6E4}">
+                <adec:decorative xmlns:adec="http://schemas.microsoft.com/office/drawing/2017/decorative" val="1"/>
+              </a:ext>
+            </a:extLst>
+          </p:cNvPr>
+          <p:cNvSpPr>
+            <a:spLocks noGrp="1" noRot="1" noChangeAspect="1" noMove="1" noResize="1" noEditPoints="1" noAdjustHandles="1" noChangeArrowheads="1" noChangeShapeType="1" noTextEdit="1"/>
+          </p:cNvSpPr>
+          <p:nvPr>
+            <p:extLst>
+              <p:ext uri="{386F3935-93C4-4BCD-93E2-E3B085C9AB24}">
+                <p16:designElem xmlns:p16="http://schemas.microsoft.com/office/powerpoint/2015/main" val="1"/>
+              </p:ext>
+            </p:extLst>
+          </p:nvPr>
+        </p:nvSpPr>
+        <p:spPr>
+          <a:xfrm>
+            <a:off x="490408" y="1057739"/>
+            <a:ext cx="128016" cy="704088"/>
+          </a:xfrm>
+          <a:prstGeom prst="rect">
+            <a:avLst/>
+          </a:prstGeom>
+          <a:solidFill>
+            <a:schemeClr val="accent2"/>
+          </a:solidFill>
+          <a:ln>
+            <a:noFill/>
+          </a:ln>
+        </p:spPr>
+        <p:style>
+          <a:lnRef idx="2">
+            <a:schemeClr val="accent1">
+              <a:shade val="50000"/>
+            </a:schemeClr>
+          </a:lnRef>
+          <a:fillRef idx="1">
+            <a:schemeClr val="accent1"/>
+          </a:fillRef>
+          <a:effectRef idx="0">
+            <a:schemeClr val="accent1"/>
+          </a:effectRef>
+          <a:fontRef idx="minor">
+            <a:schemeClr val="lt1"/>
+          </a:fontRef>
+        </p:style>
+        <p:txBody>
+          <a:bodyPr rtlCol="0" anchor="ctr"/>
+          <a:lstStyle/>
+          <a:p>
+            <a:pPr algn="ctr"/>
+            <a:endParaRPr lang="en-US" dirty="0">
+              <a:solidFill>
+                <a:prstClr val="white"/>
+              </a:solidFill>
+              <a:latin typeface="Calibri" panose="020F0502020204030204"/>
+            </a:endParaRPr>
+          </a:p>
+        </p:txBody>
+      </p:sp>
+      <p:sp>
+        <p:nvSpPr>
+          <p:cNvPr id="78" name="Rectangle 77">
+            <a:extLst>
+              <a:ext uri="{FF2B5EF4-FFF2-40B4-BE49-F238E27FC236}">
+                <a16:creationId xmlns:a16="http://schemas.microsoft.com/office/drawing/2014/main" id="{5E791F2F-79DB-4CC0-9FA1-001E3E91E8B7}"/>
+              </a:ext>
+              <a:ext uri="{C183D7F6-B498-43B3-948B-1728B52AA6E4}">
+                <adec:decorative xmlns:adec="http://schemas.microsoft.com/office/drawing/2017/decorative" val="1"/>
+              </a:ext>
+            </a:extLst>
+          </p:cNvPr>
+          <p:cNvSpPr>
+            <a:spLocks noGrp="1" noRot="1" noChangeAspect="1" noMove="1" noResize="1" noEditPoints="1" noAdjustHandles="1" noChangeArrowheads="1" noChangeShapeType="1" noTextEdit="1"/>
+          </p:cNvSpPr>
+          <p:nvPr>
+            <p:extLst>
+              <p:ext uri="{386F3935-93C4-4BCD-93E2-E3B085C9AB24}">
+                <p16:designElem xmlns:p16="http://schemas.microsoft.com/office/powerpoint/2015/main" val="1"/>
+              </p:ext>
+            </p:extLst>
+          </p:nvPr>
+        </p:nvSpPr>
+        <p:spPr>
+          <a:xfrm rot="5400000">
+            <a:off x="4243541" y="1400638"/>
+            <a:ext cx="1463040" cy="18288"/>
+          </a:xfrm>
+          <a:prstGeom prst="rect">
+            <a:avLst/>
+          </a:prstGeom>
+          <a:solidFill>
+            <a:srgbClr val="D5D5D5"/>
+          </a:solidFill>
+          <a:ln w="3175">
+            <a:noFill/>
+          </a:ln>
+          <a:effectLst/>
+        </p:spPr>
+        <p:style>
+          <a:lnRef idx="2">
+            <a:schemeClr val="accent1">
+              <a:shade val="50000"/>
+            </a:schemeClr>
+          </a:lnRef>
+          <a:fillRef idx="1">
+            <a:schemeClr val="accent1"/>
+          </a:fillRef>
+          <a:effectRef idx="0">
+            <a:schemeClr val="accent1"/>
+          </a:effectRef>
+          <a:fontRef idx="minor">
+            <a:schemeClr val="lt1"/>
+          </a:fontRef>
+        </p:style>
+        <p:txBody>
+          <a:bodyPr rtlCol="0" anchor="ctr"/>
+          <a:lstStyle/>
+          <a:p>
+            <a:pPr marL="0" marR="0" lvl="0" indent="0" algn="ctr" defTabSz="914400" rtl="0" eaLnBrk="1" fontAlgn="auto" latinLnBrk="0" hangingPunct="1">
+              <a:lnSpc>
+                <a:spcPct val="100000"/>
+              </a:lnSpc>
+              <a:spcBef>
+                <a:spcPts val="0"/>
+              </a:spcBef>
+              <a:spcAft>
+                <a:spcPts val="0"/>
+              </a:spcAft>
+              <a:buClrTx/>
+              <a:buSzTx/>
+              <a:buFontTx/>
+              <a:buNone/>
+              <a:tabLst/>
+              <a:defRPr/>
+            </a:pPr>
+            <a:endParaRPr kumimoji="0" lang="en-US" sz="1800" b="0" i="0" u="none" strike="noStrike" kern="1200" cap="none" spc="0" normalizeH="0" baseline="0" noProof="0">
+              <a:ln>
+                <a:noFill/>
+              </a:ln>
+              <a:solidFill>
+                <a:prstClr val="white"/>
+              </a:solidFill>
+              <a:effectLst/>
+              <a:uLnTx/>
+              <a:uFillTx/>
+              <a:latin typeface="Calibri" panose="020F0502020204030204"/>
+              <a:ea typeface="+mn-ea"/>
+              <a:cs typeface="+mn-cs"/>
+            </a:endParaRPr>
+          </a:p>
+        </p:txBody>
+      </p:sp>
+      <p:sp>
+        <p:nvSpPr>
+          <p:cNvPr id="3" name="Content Placeholder 2">
+            <a:extLst>
+              <a:ext uri="{FF2B5EF4-FFF2-40B4-BE49-F238E27FC236}">
+                <a16:creationId xmlns:a16="http://schemas.microsoft.com/office/drawing/2014/main" id="{94384043-BF57-4752-BDA4-9CD655589C26}"/>
+              </a:ext>
+            </a:extLst>
+          </p:cNvPr>
+          <p:cNvSpPr>
+            <a:spLocks noGrp="1"/>
+          </p:cNvSpPr>
+          <p:nvPr>
+            <p:ph idx="1"/>
+          </p:nvPr>
+        </p:nvSpPr>
+        <p:spPr>
+          <a:xfrm>
+            <a:off x="5250106" y="586822"/>
+            <a:ext cx="6106742" cy="1645920"/>
+          </a:xfrm>
+        </p:spPr>
+        <p:txBody>
+          <a:bodyPr anchor="ctr">
+            <a:normAutofit/>
+          </a:bodyPr>
+          <a:lstStyle/>
+          <a:p>
+            <a:r>
+              <a:rPr lang="en-IN" sz="1800" dirty="0"/>
+              <a:t>Similarity table and graph for input image </a:t>
+            </a:r>
+            <a:r>
+              <a:rPr lang="en-IN" sz="1800" dirty="0">
+                <a:solidFill>
+                  <a:srgbClr val="C00000"/>
+                </a:solidFill>
+              </a:rPr>
+              <a:t>I-04</a:t>
+            </a:r>
+            <a:r>
+              <a:rPr lang="en-IN" sz="1800" dirty="0"/>
+              <a:t> with other images (I-00 to I-09)</a:t>
+            </a:r>
+          </a:p>
+          <a:p>
+            <a:r>
+              <a:rPr lang="en-IN" sz="1800" dirty="0"/>
+              <a:t>From the similarity percentage which is in the table, I have drawn a graph for better understanding.</a:t>
+            </a:r>
+          </a:p>
+        </p:txBody>
+      </p:sp>
       <p:pic>
         <p:nvPicPr>
-          <p:cNvPr id="19" name="Picture 18">
-            <a:extLst>
-              <a:ext uri="{FF2B5EF4-FFF2-40B4-BE49-F238E27FC236}">
-                <a16:creationId xmlns:a16="http://schemas.microsoft.com/office/drawing/2014/main" id="{C9100F73-D94C-466C-A057-26AED255A573}"/>
+          <p:cNvPr id="6147" name="Picture 1">
+            <a:extLst>
+              <a:ext uri="{FF2B5EF4-FFF2-40B4-BE49-F238E27FC236}">
+                <a16:creationId xmlns:a16="http://schemas.microsoft.com/office/drawing/2014/main" id="{7D7E0E7C-87F3-49D7-911E-4E15240A0E90}"/>
               </a:ext>
             </a:extLst>
           </p:cNvPr>
           <p:cNvPicPr>
-            <a:picLocks noChangeAspect="1"/>
+            <a:picLocks noChangeAspect="1" noChangeArrowheads="1"/>
           </p:cNvPicPr>
           <p:nvPr/>
         </p:nvPicPr>
         <p:blipFill>
-          <a:blip r:embed="rId6"/>
+          <a:blip r:embed="rId2">
+            <a:extLst>
+              <a:ext uri="{28A0092B-C50C-407E-A947-70E740481C1C}">
+                <a14:useLocalDpi xmlns:a14="http://schemas.microsoft.com/office/drawing/2010/main" val="0"/>
+              </a:ext>
+            </a:extLst>
+          </a:blip>
           <a:stretch>
             <a:fillRect/>
           </a:stretch>
         </p:blipFill>
-        <p:spPr>
-          <a:xfrm>
-            <a:off x="3342335" y="4359275"/>
-            <a:ext cx="1939925" cy="954088"/>
+        <p:spPr bwMode="auto">
+          <a:xfrm>
+            <a:off x="6240354" y="2731699"/>
+            <a:ext cx="5481509" cy="3343719"/>
           </a:xfrm>
           <a:prstGeom prst="rect">
             <a:avLst/>
           </a:prstGeom>
+          <a:noFill/>
+          <a:extLst>
+            <a:ext uri="{909E8E84-426E-40DD-AFC4-6F175D3DCCD1}">
+              <a14:hiddenFill xmlns:a14="http://schemas.microsoft.com/office/drawing/2010/main">
+                <a:solidFill>
+                  <a:srgbClr val="FFFFFF"/>
+                </a:solidFill>
+              </a14:hiddenFill>
+            </a:ext>
+            <a:ext uri="{91240B29-F687-4F45-9708-019B960494DF}">
+              <a14:hiddenLine xmlns:a14="http://schemas.microsoft.com/office/drawing/2010/main" w="9525">
+                <a:solidFill>
+                  <a:srgbClr val="000000"/>
+                </a:solidFill>
+                <a:miter lim="800000"/>
+                <a:headEnd/>
+                <a:tailEnd/>
+              </a14:hiddenLine>
+            </a:ext>
+          </a:extLst>
         </p:spPr>
       </p:pic>
       <p:pic>
         <p:nvPicPr>
-          <p:cNvPr id="15" name="Picture 14">
-            <a:extLst>
-              <a:ext uri="{FF2B5EF4-FFF2-40B4-BE49-F238E27FC236}">
-                <a16:creationId xmlns:a16="http://schemas.microsoft.com/office/drawing/2014/main" id="{37D899A8-F18D-4B28-A1B7-88A9F06BB850}"/>
+          <p:cNvPr id="6146" name="Picture 53" descr="Table&#10;&#10;Description automatically generated">
+            <a:extLst>
+              <a:ext uri="{FF2B5EF4-FFF2-40B4-BE49-F238E27FC236}">
+                <a16:creationId xmlns:a16="http://schemas.microsoft.com/office/drawing/2014/main" id="{70BD5B6F-6BAF-43F3-893F-E2614042D925}"/>
               </a:ext>
             </a:extLst>
           </p:cNvPr>
           <p:cNvPicPr>
-            <a:picLocks noChangeAspect="1"/>
+            <a:picLocks noChangeAspect="1" noChangeArrowheads="1"/>
           </p:cNvPicPr>
           <p:nvPr/>
         </p:nvPicPr>
         <p:blipFill>
-          <a:blip r:embed="rId7"/>
+          <a:blip r:embed="rId3">
+            <a:extLst>
+              <a:ext uri="{28A0092B-C50C-407E-A947-70E740481C1C}">
+                <a14:useLocalDpi xmlns:a14="http://schemas.microsoft.com/office/drawing/2010/main" val="0"/>
+              </a:ext>
+            </a:extLst>
+          </a:blip>
           <a:stretch>
             <a:fillRect/>
           </a:stretch>
         </p:blipFill>
-        <p:spPr>
-          <a:xfrm>
-            <a:off x="9304139" y="3390900"/>
-            <a:ext cx="1939925" cy="935038"/>
+        <p:spPr bwMode="auto">
+          <a:xfrm>
+            <a:off x="554416" y="2892868"/>
+            <a:ext cx="5523082" cy="3021379"/>
           </a:xfrm>
           <a:prstGeom prst="rect">
             <a:avLst/>
           </a:prstGeom>
+          <a:noFill/>
+          <a:extLst>
+            <a:ext uri="{909E8E84-426E-40DD-AFC4-6F175D3DCCD1}">
+              <a14:hiddenFill xmlns:a14="http://schemas.microsoft.com/office/drawing/2010/main">
+                <a:solidFill>
+                  <a:srgbClr val="FFFFFF"/>
+                </a:solidFill>
+              </a14:hiddenFill>
+            </a:ext>
+            <a:ext uri="{91240B29-F687-4F45-9708-019B960494DF}">
+              <a14:hiddenLine xmlns:a14="http://schemas.microsoft.com/office/drawing/2010/main" w="9525">
+                <a:solidFill>
+                  <a:srgbClr val="000000"/>
+                </a:solidFill>
+                <a:miter lim="800000"/>
+                <a:headEnd/>
+                <a:tailEnd/>
+              </a14:hiddenLine>
+            </a:ext>
+          </a:extLst>
         </p:spPr>
       </p:pic>
+    </p:spTree>
+    <p:extLst>
+      <p:ext uri="{BB962C8B-B14F-4D97-AF65-F5344CB8AC3E}">
+        <p14:creationId xmlns:p14="http://schemas.microsoft.com/office/powerpoint/2010/main" val="2634640737"/>
+      </p:ext>
+    </p:extLst>
+  </p:cSld>
+  <p:clrMapOvr>
+    <a:masterClrMapping/>
+  </p:clrMapOvr>
+</p:sld>
+</file>
+
+<file path=ppt/slides/slide13.xml><?xml version="1.0" encoding="utf-8"?>
+<p:sld xmlns:a="http://schemas.openxmlformats.org/drawingml/2006/main" xmlns:r="http://schemas.openxmlformats.org/officeDocument/2006/relationships" xmlns:p="http://schemas.openxmlformats.org/presentationml/2006/main">
+  <p:cSld>
+    <p:bg>
+      <p:bgPr>
+        <a:solidFill>
+          <a:schemeClr val="bg1"/>
+        </a:solidFill>
+        <a:effectLst/>
+      </p:bgPr>
+    </p:bg>
+    <p:spTree>
+      <p:nvGrpSpPr>
+        <p:cNvPr id="1" name=""/>
+        <p:cNvGrpSpPr/>
+        <p:nvPr/>
+      </p:nvGrpSpPr>
+      <p:grpSpPr>
+        <a:xfrm>
+          <a:off x="0" y="0"/>
+          <a:ext cx="0" cy="0"/>
+          <a:chOff x="0" y="0"/>
+          <a:chExt cx="0" cy="0"/>
+        </a:xfrm>
+      </p:grpSpPr>
+      <p:sp useBgFill="1">
+        <p:nvSpPr>
+          <p:cNvPr id="72" name="Rectangle 71">
+            <a:extLst>
+              <a:ext uri="{FF2B5EF4-FFF2-40B4-BE49-F238E27FC236}">
+                <a16:creationId xmlns:a16="http://schemas.microsoft.com/office/drawing/2014/main" id="{385E1BDC-A9B0-4A87-82E3-F3187F69A802}"/>
+              </a:ext>
+              <a:ext uri="{C183D7F6-B498-43B3-948B-1728B52AA6E4}">
+                <adec:decorative xmlns:adec="http://schemas.microsoft.com/office/drawing/2017/decorative" val="1"/>
+              </a:ext>
+            </a:extLst>
+          </p:cNvPr>
+          <p:cNvSpPr>
+            <a:spLocks noGrp="1" noRot="1" noChangeAspect="1" noMove="1" noResize="1" noEditPoints="1" noAdjustHandles="1" noChangeArrowheads="1" noChangeShapeType="1" noTextEdit="1"/>
+          </p:cNvSpPr>
+          <p:nvPr>
+            <p:extLst>
+              <p:ext uri="{386F3935-93C4-4BCD-93E2-E3B085C9AB24}">
+                <p16:designElem xmlns:p16="http://schemas.microsoft.com/office/powerpoint/2015/main" val="1"/>
+              </p:ext>
+            </p:extLst>
+          </p:nvPr>
+        </p:nvSpPr>
+        <p:spPr>
+          <a:xfrm>
+            <a:off x="0" y="0"/>
+            <a:ext cx="12192000" cy="6858000"/>
+          </a:xfrm>
+          <a:prstGeom prst="rect">
+            <a:avLst/>
+          </a:prstGeom>
+          <a:ln>
+            <a:noFill/>
+          </a:ln>
+        </p:spPr>
+        <p:style>
+          <a:lnRef idx="2">
+            <a:schemeClr val="accent1">
+              <a:shade val="50000"/>
+            </a:schemeClr>
+          </a:lnRef>
+          <a:fillRef idx="1">
+            <a:schemeClr val="accent1"/>
+          </a:fillRef>
+          <a:effectRef idx="0">
+            <a:schemeClr val="accent1"/>
+          </a:effectRef>
+          <a:fontRef idx="minor">
+            <a:schemeClr val="lt1"/>
+          </a:fontRef>
+        </p:style>
+        <p:txBody>
+          <a:bodyPr rtlCol="0" anchor="ctr"/>
+          <a:lstStyle/>
+          <a:p>
+            <a:pPr algn="ctr"/>
+            <a:endParaRPr lang="en-US"/>
+          </a:p>
+        </p:txBody>
+      </p:sp>
+      <p:sp useBgFill="1">
+        <p:nvSpPr>
+          <p:cNvPr id="74" name="Rectangle 73">
+            <a:extLst>
+              <a:ext uri="{FF2B5EF4-FFF2-40B4-BE49-F238E27FC236}">
+                <a16:creationId xmlns:a16="http://schemas.microsoft.com/office/drawing/2014/main" id="{0990C621-3B8B-4820-8328-D47EF7CE823C}"/>
+              </a:ext>
+              <a:ext uri="{C183D7F6-B498-43B3-948B-1728B52AA6E4}">
+                <adec:decorative xmlns:adec="http://schemas.microsoft.com/office/drawing/2017/decorative" val="1"/>
+              </a:ext>
+            </a:extLst>
+          </p:cNvPr>
+          <p:cNvSpPr>
+            <a:spLocks noGrp="1" noRot="1" noChangeAspect="1" noMove="1" noResize="1" noEditPoints="1" noAdjustHandles="1" noChangeArrowheads="1" noChangeShapeType="1" noTextEdit="1"/>
+          </p:cNvSpPr>
+          <p:nvPr>
+            <p:extLst>
+              <p:ext uri="{386F3935-93C4-4BCD-93E2-E3B085C9AB24}">
+                <p16:designElem xmlns:p16="http://schemas.microsoft.com/office/powerpoint/2015/main" val="1"/>
+              </p:ext>
+            </p:extLst>
+          </p:nvPr>
+        </p:nvSpPr>
+        <p:spPr>
+          <a:xfrm>
+            <a:off x="554416" y="365125"/>
+            <a:ext cx="11167447" cy="2089317"/>
+          </a:xfrm>
+          <a:prstGeom prst="rect">
+            <a:avLst/>
+          </a:prstGeom>
+          <a:ln w="12700">
+            <a:solidFill>
+              <a:srgbClr val="DEDEDE"/>
+            </a:solidFill>
+          </a:ln>
+          <a:effectLst>
+            <a:outerShdw blurRad="50800" dist="38100" dir="2700000" algn="tl" rotWithShape="0">
+              <a:schemeClr val="bg2">
+                <a:lumMod val="85000"/>
+                <a:alpha val="50000"/>
+              </a:schemeClr>
+            </a:outerShdw>
+          </a:effectLst>
+        </p:spPr>
+        <p:style>
+          <a:lnRef idx="2">
+            <a:schemeClr val="accent1">
+              <a:shade val="50000"/>
+            </a:schemeClr>
+          </a:lnRef>
+          <a:fillRef idx="1">
+            <a:schemeClr val="accent1"/>
+          </a:fillRef>
+          <a:effectRef idx="0">
+            <a:schemeClr val="accent1"/>
+          </a:effectRef>
+          <a:fontRef idx="minor">
+            <a:schemeClr val="lt1"/>
+          </a:fontRef>
+        </p:style>
+        <p:txBody>
+          <a:bodyPr rtlCol="0" anchor="ctr"/>
+          <a:lstStyle/>
+          <a:p>
+            <a:pPr marL="0" marR="0" lvl="0" indent="0" algn="ctr" defTabSz="914400" rtl="0" eaLnBrk="1" fontAlgn="auto" latinLnBrk="0" hangingPunct="1">
+              <a:lnSpc>
+                <a:spcPct val="100000"/>
+              </a:lnSpc>
+              <a:spcBef>
+                <a:spcPts val="0"/>
+              </a:spcBef>
+              <a:spcAft>
+                <a:spcPts val="0"/>
+              </a:spcAft>
+              <a:buClrTx/>
+              <a:buSzTx/>
+              <a:buFontTx/>
+              <a:buNone/>
+              <a:tabLst/>
+              <a:defRPr/>
+            </a:pPr>
+            <a:endParaRPr kumimoji="0" lang="en-US" sz="1800" b="0" i="0" u="none" strike="noStrike" kern="1200" cap="none" spc="0" normalizeH="0" baseline="0" noProof="0">
+              <a:ln>
+                <a:noFill/>
+              </a:ln>
+              <a:solidFill>
+                <a:prstClr val="white"/>
+              </a:solidFill>
+              <a:effectLst/>
+              <a:uLnTx/>
+              <a:uFillTx/>
+              <a:latin typeface="Calibri" panose="020F0502020204030204"/>
+              <a:ea typeface="+mn-ea"/>
+              <a:cs typeface="+mn-cs"/>
+            </a:endParaRPr>
+          </a:p>
+        </p:txBody>
+      </p:sp>
+      <p:sp>
+        <p:nvSpPr>
+          <p:cNvPr id="2" name="Title 1">
+            <a:extLst>
+              <a:ext uri="{FF2B5EF4-FFF2-40B4-BE49-F238E27FC236}">
+                <a16:creationId xmlns:a16="http://schemas.microsoft.com/office/drawing/2014/main" id="{4A5760E2-96C3-4747-BFC2-B6B14F839F7E}"/>
+              </a:ext>
+            </a:extLst>
+          </p:cNvPr>
+          <p:cNvSpPr>
+            <a:spLocks noGrp="1"/>
+          </p:cNvSpPr>
+          <p:nvPr>
+            <p:ph type="title"/>
+          </p:nvPr>
+        </p:nvSpPr>
+        <p:spPr>
+          <a:xfrm>
+            <a:off x="1051560" y="586822"/>
+            <a:ext cx="3657600" cy="1645920"/>
+          </a:xfrm>
+        </p:spPr>
+        <p:txBody>
+          <a:bodyPr>
+            <a:normAutofit/>
+          </a:bodyPr>
+          <a:lstStyle/>
+          <a:p>
+            <a:r>
+              <a:rPr lang="en-IN" sz="3200"/>
+              <a:t>Similarity table and graph</a:t>
+            </a:r>
+          </a:p>
+        </p:txBody>
+      </p:sp>
+      <p:sp>
+        <p:nvSpPr>
+          <p:cNvPr id="76" name="Rectangle 75">
+            <a:extLst>
+              <a:ext uri="{FF2B5EF4-FFF2-40B4-BE49-F238E27FC236}">
+                <a16:creationId xmlns:a16="http://schemas.microsoft.com/office/drawing/2014/main" id="{C1A2385B-1D2A-4E17-84FA-6CB7F0AAE473}"/>
+              </a:ext>
+              <a:ext uri="{C183D7F6-B498-43B3-948B-1728B52AA6E4}">
+                <adec:decorative xmlns:adec="http://schemas.microsoft.com/office/drawing/2017/decorative" val="1"/>
+              </a:ext>
+            </a:extLst>
+          </p:cNvPr>
+          <p:cNvSpPr>
+            <a:spLocks noGrp="1" noRot="1" noChangeAspect="1" noMove="1" noResize="1" noEditPoints="1" noAdjustHandles="1" noChangeArrowheads="1" noChangeShapeType="1" noTextEdit="1"/>
+          </p:cNvSpPr>
+          <p:nvPr>
+            <p:extLst>
+              <p:ext uri="{386F3935-93C4-4BCD-93E2-E3B085C9AB24}">
+                <p16:designElem xmlns:p16="http://schemas.microsoft.com/office/powerpoint/2015/main" val="1"/>
+              </p:ext>
+            </p:extLst>
+          </p:nvPr>
+        </p:nvSpPr>
+        <p:spPr>
+          <a:xfrm>
+            <a:off x="490408" y="1057739"/>
+            <a:ext cx="128016" cy="704088"/>
+          </a:xfrm>
+          <a:prstGeom prst="rect">
+            <a:avLst/>
+          </a:prstGeom>
+          <a:solidFill>
+            <a:schemeClr val="accent2"/>
+          </a:solidFill>
+          <a:ln>
+            <a:noFill/>
+          </a:ln>
+        </p:spPr>
+        <p:style>
+          <a:lnRef idx="2">
+            <a:schemeClr val="accent1">
+              <a:shade val="50000"/>
+            </a:schemeClr>
+          </a:lnRef>
+          <a:fillRef idx="1">
+            <a:schemeClr val="accent1"/>
+          </a:fillRef>
+          <a:effectRef idx="0">
+            <a:schemeClr val="accent1"/>
+          </a:effectRef>
+          <a:fontRef idx="minor">
+            <a:schemeClr val="lt1"/>
+          </a:fontRef>
+        </p:style>
+        <p:txBody>
+          <a:bodyPr rtlCol="0" anchor="ctr"/>
+          <a:lstStyle/>
+          <a:p>
+            <a:pPr algn="ctr"/>
+            <a:endParaRPr lang="en-US" dirty="0">
+              <a:solidFill>
+                <a:prstClr val="white"/>
+              </a:solidFill>
+              <a:latin typeface="Calibri" panose="020F0502020204030204"/>
+            </a:endParaRPr>
+          </a:p>
+        </p:txBody>
+      </p:sp>
+      <p:sp>
+        <p:nvSpPr>
+          <p:cNvPr id="78" name="Rectangle 77">
+            <a:extLst>
+              <a:ext uri="{FF2B5EF4-FFF2-40B4-BE49-F238E27FC236}">
+                <a16:creationId xmlns:a16="http://schemas.microsoft.com/office/drawing/2014/main" id="{5E791F2F-79DB-4CC0-9FA1-001E3E91E8B7}"/>
+              </a:ext>
+              <a:ext uri="{C183D7F6-B498-43B3-948B-1728B52AA6E4}">
+                <adec:decorative xmlns:adec="http://schemas.microsoft.com/office/drawing/2017/decorative" val="1"/>
+              </a:ext>
+            </a:extLst>
+          </p:cNvPr>
+          <p:cNvSpPr>
+            <a:spLocks noGrp="1" noRot="1" noChangeAspect="1" noMove="1" noResize="1" noEditPoints="1" noAdjustHandles="1" noChangeArrowheads="1" noChangeShapeType="1" noTextEdit="1"/>
+          </p:cNvSpPr>
+          <p:nvPr>
+            <p:extLst>
+              <p:ext uri="{386F3935-93C4-4BCD-93E2-E3B085C9AB24}">
+                <p16:designElem xmlns:p16="http://schemas.microsoft.com/office/powerpoint/2015/main" val="1"/>
+              </p:ext>
+            </p:extLst>
+          </p:nvPr>
+        </p:nvSpPr>
+        <p:spPr>
+          <a:xfrm rot="5400000">
+            <a:off x="4243541" y="1400638"/>
+            <a:ext cx="1463040" cy="18288"/>
+          </a:xfrm>
+          <a:prstGeom prst="rect">
+            <a:avLst/>
+          </a:prstGeom>
+          <a:solidFill>
+            <a:srgbClr val="D5D5D5"/>
+          </a:solidFill>
+          <a:ln w="3175">
+            <a:noFill/>
+          </a:ln>
+          <a:effectLst/>
+        </p:spPr>
+        <p:style>
+          <a:lnRef idx="2">
+            <a:schemeClr val="accent1">
+              <a:shade val="50000"/>
+            </a:schemeClr>
+          </a:lnRef>
+          <a:fillRef idx="1">
+            <a:schemeClr val="accent1"/>
+          </a:fillRef>
+          <a:effectRef idx="0">
+            <a:schemeClr val="accent1"/>
+          </a:effectRef>
+          <a:fontRef idx="minor">
+            <a:schemeClr val="lt1"/>
+          </a:fontRef>
+        </p:style>
+        <p:txBody>
+          <a:bodyPr rtlCol="0" anchor="ctr"/>
+          <a:lstStyle/>
+          <a:p>
+            <a:pPr marL="0" marR="0" lvl="0" indent="0" algn="ctr" defTabSz="914400" rtl="0" eaLnBrk="1" fontAlgn="auto" latinLnBrk="0" hangingPunct="1">
+              <a:lnSpc>
+                <a:spcPct val="100000"/>
+              </a:lnSpc>
+              <a:spcBef>
+                <a:spcPts val="0"/>
+              </a:spcBef>
+              <a:spcAft>
+                <a:spcPts val="0"/>
+              </a:spcAft>
+              <a:buClrTx/>
+              <a:buSzTx/>
+              <a:buFontTx/>
+              <a:buNone/>
+              <a:tabLst/>
+              <a:defRPr/>
+            </a:pPr>
+            <a:endParaRPr kumimoji="0" lang="en-US" sz="1800" b="0" i="0" u="none" strike="noStrike" kern="1200" cap="none" spc="0" normalizeH="0" baseline="0" noProof="0">
+              <a:ln>
+                <a:noFill/>
+              </a:ln>
+              <a:solidFill>
+                <a:prstClr val="white"/>
+              </a:solidFill>
+              <a:effectLst/>
+              <a:uLnTx/>
+              <a:uFillTx/>
+              <a:latin typeface="Calibri" panose="020F0502020204030204"/>
+              <a:ea typeface="+mn-ea"/>
+              <a:cs typeface="+mn-cs"/>
+            </a:endParaRPr>
+          </a:p>
+        </p:txBody>
+      </p:sp>
+      <p:sp>
+        <p:nvSpPr>
+          <p:cNvPr id="3" name="Content Placeholder 2">
+            <a:extLst>
+              <a:ext uri="{FF2B5EF4-FFF2-40B4-BE49-F238E27FC236}">
+                <a16:creationId xmlns:a16="http://schemas.microsoft.com/office/drawing/2014/main" id="{ECEF01E5-A891-4B4B-AD2A-ABD501138902}"/>
+              </a:ext>
+            </a:extLst>
+          </p:cNvPr>
+          <p:cNvSpPr>
+            <a:spLocks noGrp="1"/>
+          </p:cNvSpPr>
+          <p:nvPr>
+            <p:ph idx="1"/>
+          </p:nvPr>
+        </p:nvSpPr>
+        <p:spPr>
+          <a:xfrm>
+            <a:off x="5250106" y="586822"/>
+            <a:ext cx="6106742" cy="1645920"/>
+          </a:xfrm>
+        </p:spPr>
+        <p:txBody>
+          <a:bodyPr anchor="ctr">
+            <a:normAutofit/>
+          </a:bodyPr>
+          <a:lstStyle/>
+          <a:p>
+            <a:r>
+              <a:rPr lang="en-IN" sz="1800" dirty="0"/>
+              <a:t>Similarity table and graph for input image</a:t>
+            </a:r>
+            <a:r>
+              <a:rPr lang="en-IN" sz="1800" dirty="0">
+                <a:solidFill>
+                  <a:srgbClr val="C00000"/>
+                </a:solidFill>
+              </a:rPr>
+              <a:t> I-05 </a:t>
+            </a:r>
+            <a:r>
+              <a:rPr lang="en-IN" sz="1800" dirty="0"/>
+              <a:t>with other images (I-00 to I-09)</a:t>
+            </a:r>
+          </a:p>
+          <a:p>
+            <a:r>
+              <a:rPr lang="en-IN" sz="1800" dirty="0"/>
+              <a:t>From the similarity percentage which is in the table, I have drawn a graph for better understanding.</a:t>
+            </a:r>
+          </a:p>
+        </p:txBody>
+      </p:sp>
       <p:pic>
         <p:nvPicPr>
-          <p:cNvPr id="25" name="Picture 24">
-            <a:extLst>
-              <a:ext uri="{FF2B5EF4-FFF2-40B4-BE49-F238E27FC236}">
-                <a16:creationId xmlns:a16="http://schemas.microsoft.com/office/drawing/2014/main" id="{4E455D19-8D79-4F9E-A97E-88256B1940EB}"/>
+          <p:cNvPr id="7171" name="Picture 1">
+            <a:extLst>
+              <a:ext uri="{FF2B5EF4-FFF2-40B4-BE49-F238E27FC236}">
+                <a16:creationId xmlns:a16="http://schemas.microsoft.com/office/drawing/2014/main" id="{AFAAD5CC-D46A-415E-9D5E-2EA6C7C9725D}"/>
               </a:ext>
             </a:extLst>
           </p:cNvPr>
           <p:cNvPicPr>
-            <a:picLocks noChangeAspect="1"/>
+            <a:picLocks noChangeAspect="1" noChangeArrowheads="1"/>
           </p:cNvPicPr>
           <p:nvPr/>
         </p:nvPicPr>
         <p:blipFill>
-          <a:blip r:embed="rId8"/>
+          <a:blip r:embed="rId2">
+            <a:extLst>
+              <a:ext uri="{28A0092B-C50C-407E-A947-70E740481C1C}">
+                <a14:useLocalDpi xmlns:a14="http://schemas.microsoft.com/office/drawing/2010/main" val="0"/>
+              </a:ext>
+            </a:extLst>
+          </a:blip>
           <a:stretch>
             <a:fillRect/>
           </a:stretch>
         </p:blipFill>
-        <p:spPr>
-          <a:xfrm>
-            <a:off x="9347372" y="4384261"/>
-            <a:ext cx="1965325" cy="944563"/>
+        <p:spPr bwMode="auto">
+          <a:xfrm>
+            <a:off x="6240354" y="2900051"/>
+            <a:ext cx="5481509" cy="3371127"/>
           </a:xfrm>
           <a:prstGeom prst="rect">
             <a:avLst/>
           </a:prstGeom>
+          <a:noFill/>
+          <a:extLst>
+            <a:ext uri="{909E8E84-426E-40DD-AFC4-6F175D3DCCD1}">
+              <a14:hiddenFill xmlns:a14="http://schemas.microsoft.com/office/drawing/2010/main">
+                <a:solidFill>
+                  <a:srgbClr val="FFFFFF"/>
+                </a:solidFill>
+              </a14:hiddenFill>
+            </a:ext>
+            <a:ext uri="{91240B29-F687-4F45-9708-019B960494DF}">
+              <a14:hiddenLine xmlns:a14="http://schemas.microsoft.com/office/drawing/2010/main" w="9525">
+                <a:solidFill>
+                  <a:srgbClr val="000000"/>
+                </a:solidFill>
+                <a:miter lim="800000"/>
+                <a:headEnd/>
+                <a:tailEnd/>
+              </a14:hiddenLine>
+            </a:ext>
+          </a:extLst>
         </p:spPr>
       </p:pic>
       <p:pic>
         <p:nvPicPr>
-          <p:cNvPr id="13" name="Picture 12">
-            <a:extLst>
-              <a:ext uri="{FF2B5EF4-FFF2-40B4-BE49-F238E27FC236}">
-                <a16:creationId xmlns:a16="http://schemas.microsoft.com/office/drawing/2014/main" id="{BBA01666-BA86-4C9A-B407-FDCA01B65ED5}"/>
+          <p:cNvPr id="7170" name="Picture 1">
+            <a:extLst>
+              <a:ext uri="{FF2B5EF4-FFF2-40B4-BE49-F238E27FC236}">
+                <a16:creationId xmlns:a16="http://schemas.microsoft.com/office/drawing/2014/main" id="{8B56FF0D-4D59-4914-95B5-5B328A6C87A7}"/>
               </a:ext>
             </a:extLst>
           </p:cNvPr>
           <p:cNvPicPr>
-            <a:picLocks noChangeAspect="1"/>
+            <a:picLocks noChangeAspect="1" noChangeArrowheads="1"/>
           </p:cNvPicPr>
           <p:nvPr/>
         </p:nvPicPr>
         <p:blipFill>
-          <a:blip r:embed="rId9"/>
+          <a:blip r:embed="rId3">
+            <a:extLst>
+              <a:ext uri="{28A0092B-C50C-407E-A947-70E740481C1C}">
+                <a14:useLocalDpi xmlns:a14="http://schemas.microsoft.com/office/drawing/2010/main" val="0"/>
+              </a:ext>
+            </a:extLst>
+          </a:blip>
           <a:stretch>
             <a:fillRect/>
           </a:stretch>
         </p:blipFill>
-        <p:spPr>
-          <a:xfrm>
-            <a:off x="7315001" y="3395663"/>
-            <a:ext cx="1965325" cy="944563"/>
+        <p:spPr bwMode="auto">
+          <a:xfrm>
+            <a:off x="470137" y="3071611"/>
+            <a:ext cx="5523082" cy="3028005"/>
           </a:xfrm>
           <a:prstGeom prst="rect">
             <a:avLst/>
           </a:prstGeom>
+          <a:noFill/>
+          <a:extLst>
+            <a:ext uri="{909E8E84-426E-40DD-AFC4-6F175D3DCCD1}">
+              <a14:hiddenFill xmlns:a14="http://schemas.microsoft.com/office/drawing/2010/main">
+                <a:solidFill>
+                  <a:srgbClr val="FFFFFF"/>
+                </a:solidFill>
+              </a14:hiddenFill>
+            </a:ext>
+            <a:ext uri="{91240B29-F687-4F45-9708-019B960494DF}">
+              <a14:hiddenLine xmlns:a14="http://schemas.microsoft.com/office/drawing/2010/main" w="9525">
+                <a:solidFill>
+                  <a:srgbClr val="000000"/>
+                </a:solidFill>
+                <a:miter lim="800000"/>
+                <a:headEnd/>
+                <a:tailEnd/>
+              </a14:hiddenLine>
+            </a:ext>
+          </a:extLst>
         </p:spPr>
       </p:pic>
+    </p:spTree>
+    <p:extLst>
+      <p:ext uri="{BB962C8B-B14F-4D97-AF65-F5344CB8AC3E}">
+        <p14:creationId xmlns:p14="http://schemas.microsoft.com/office/powerpoint/2010/main" val="3830216401"/>
+      </p:ext>
+    </p:extLst>
+  </p:cSld>
+  <p:clrMapOvr>
+    <a:masterClrMapping/>
+  </p:clrMapOvr>
+</p:sld>
+</file>
+
+<file path=ppt/slides/slide14.xml><?xml version="1.0" encoding="utf-8"?>
+<p:sld xmlns:a="http://schemas.openxmlformats.org/drawingml/2006/main" xmlns:r="http://schemas.openxmlformats.org/officeDocument/2006/relationships" xmlns:p="http://schemas.openxmlformats.org/presentationml/2006/main">
+  <p:cSld>
+    <p:bg>
+      <p:bgPr>
+        <a:solidFill>
+          <a:schemeClr val="bg1"/>
+        </a:solidFill>
+        <a:effectLst/>
+      </p:bgPr>
+    </p:bg>
+    <p:spTree>
+      <p:nvGrpSpPr>
+        <p:cNvPr id="1" name=""/>
+        <p:cNvGrpSpPr/>
+        <p:nvPr/>
+      </p:nvGrpSpPr>
+      <p:grpSpPr>
+        <a:xfrm>
+          <a:off x="0" y="0"/>
+          <a:ext cx="0" cy="0"/>
+          <a:chOff x="0" y="0"/>
+          <a:chExt cx="0" cy="0"/>
+        </a:xfrm>
+      </p:grpSpPr>
+      <p:sp useBgFill="1">
+        <p:nvSpPr>
+          <p:cNvPr id="72" name="Rectangle 71">
+            <a:extLst>
+              <a:ext uri="{FF2B5EF4-FFF2-40B4-BE49-F238E27FC236}">
+                <a16:creationId xmlns:a16="http://schemas.microsoft.com/office/drawing/2014/main" id="{385E1BDC-A9B0-4A87-82E3-F3187F69A802}"/>
+              </a:ext>
+              <a:ext uri="{C183D7F6-B498-43B3-948B-1728B52AA6E4}">
+                <adec:decorative xmlns:adec="http://schemas.microsoft.com/office/drawing/2017/decorative" val="1"/>
+              </a:ext>
+            </a:extLst>
+          </p:cNvPr>
+          <p:cNvSpPr>
+            <a:spLocks noGrp="1" noRot="1" noChangeAspect="1" noMove="1" noResize="1" noEditPoints="1" noAdjustHandles="1" noChangeArrowheads="1" noChangeShapeType="1" noTextEdit="1"/>
+          </p:cNvSpPr>
+          <p:nvPr>
+            <p:extLst>
+              <p:ext uri="{386F3935-93C4-4BCD-93E2-E3B085C9AB24}">
+                <p16:designElem xmlns:p16="http://schemas.microsoft.com/office/powerpoint/2015/main" val="1"/>
+              </p:ext>
+            </p:extLst>
+          </p:nvPr>
+        </p:nvSpPr>
+        <p:spPr>
+          <a:xfrm>
+            <a:off x="0" y="0"/>
+            <a:ext cx="12192000" cy="6858000"/>
+          </a:xfrm>
+          <a:prstGeom prst="rect">
+            <a:avLst/>
+          </a:prstGeom>
+          <a:ln>
+            <a:noFill/>
+          </a:ln>
+        </p:spPr>
+        <p:style>
+          <a:lnRef idx="2">
+            <a:schemeClr val="accent1">
+              <a:shade val="50000"/>
+            </a:schemeClr>
+          </a:lnRef>
+          <a:fillRef idx="1">
+            <a:schemeClr val="accent1"/>
+          </a:fillRef>
+          <a:effectRef idx="0">
+            <a:schemeClr val="accent1"/>
+          </a:effectRef>
+          <a:fontRef idx="minor">
+            <a:schemeClr val="lt1"/>
+          </a:fontRef>
+        </p:style>
+        <p:txBody>
+          <a:bodyPr rtlCol="0" anchor="ctr"/>
+          <a:lstStyle/>
+          <a:p>
+            <a:pPr algn="ctr"/>
+            <a:endParaRPr lang="en-US"/>
+          </a:p>
+        </p:txBody>
+      </p:sp>
+      <p:sp useBgFill="1">
+        <p:nvSpPr>
+          <p:cNvPr id="74" name="Rectangle 73">
+            <a:extLst>
+              <a:ext uri="{FF2B5EF4-FFF2-40B4-BE49-F238E27FC236}">
+                <a16:creationId xmlns:a16="http://schemas.microsoft.com/office/drawing/2014/main" id="{0990C621-3B8B-4820-8328-D47EF7CE823C}"/>
+              </a:ext>
+              <a:ext uri="{C183D7F6-B498-43B3-948B-1728B52AA6E4}">
+                <adec:decorative xmlns:adec="http://schemas.microsoft.com/office/drawing/2017/decorative" val="1"/>
+              </a:ext>
+            </a:extLst>
+          </p:cNvPr>
+          <p:cNvSpPr>
+            <a:spLocks noGrp="1" noRot="1" noChangeAspect="1" noMove="1" noResize="1" noEditPoints="1" noAdjustHandles="1" noChangeArrowheads="1" noChangeShapeType="1" noTextEdit="1"/>
+          </p:cNvSpPr>
+          <p:nvPr>
+            <p:extLst>
+              <p:ext uri="{386F3935-93C4-4BCD-93E2-E3B085C9AB24}">
+                <p16:designElem xmlns:p16="http://schemas.microsoft.com/office/powerpoint/2015/main" val="1"/>
+              </p:ext>
+            </p:extLst>
+          </p:nvPr>
+        </p:nvSpPr>
+        <p:spPr>
+          <a:xfrm>
+            <a:off x="554416" y="365125"/>
+            <a:ext cx="11167447" cy="2089317"/>
+          </a:xfrm>
+          <a:prstGeom prst="rect">
+            <a:avLst/>
+          </a:prstGeom>
+          <a:ln w="12700">
+            <a:solidFill>
+              <a:srgbClr val="DEDEDE"/>
+            </a:solidFill>
+          </a:ln>
+          <a:effectLst>
+            <a:outerShdw blurRad="50800" dist="38100" dir="2700000" algn="tl" rotWithShape="0">
+              <a:schemeClr val="bg2">
+                <a:lumMod val="85000"/>
+                <a:alpha val="50000"/>
+              </a:schemeClr>
+            </a:outerShdw>
+          </a:effectLst>
+        </p:spPr>
+        <p:style>
+          <a:lnRef idx="2">
+            <a:schemeClr val="accent1">
+              <a:shade val="50000"/>
+            </a:schemeClr>
+          </a:lnRef>
+          <a:fillRef idx="1">
+            <a:schemeClr val="accent1"/>
+          </a:fillRef>
+          <a:effectRef idx="0">
+            <a:schemeClr val="accent1"/>
+          </a:effectRef>
+          <a:fontRef idx="minor">
+            <a:schemeClr val="lt1"/>
+          </a:fontRef>
+        </p:style>
+        <p:txBody>
+          <a:bodyPr rtlCol="0" anchor="ctr"/>
+          <a:lstStyle/>
+          <a:p>
+            <a:pPr marL="0" marR="0" lvl="0" indent="0" algn="ctr" defTabSz="914400" rtl="0" eaLnBrk="1" fontAlgn="auto" latinLnBrk="0" hangingPunct="1">
+              <a:lnSpc>
+                <a:spcPct val="100000"/>
+              </a:lnSpc>
+              <a:spcBef>
+                <a:spcPts val="0"/>
+              </a:spcBef>
+              <a:spcAft>
+                <a:spcPts val="0"/>
+              </a:spcAft>
+              <a:buClrTx/>
+              <a:buSzTx/>
+              <a:buFontTx/>
+              <a:buNone/>
+              <a:tabLst/>
+              <a:defRPr/>
+            </a:pPr>
+            <a:endParaRPr kumimoji="0" lang="en-US" sz="1800" b="0" i="0" u="none" strike="noStrike" kern="1200" cap="none" spc="0" normalizeH="0" baseline="0" noProof="0">
+              <a:ln>
+                <a:noFill/>
+              </a:ln>
+              <a:solidFill>
+                <a:prstClr val="white"/>
+              </a:solidFill>
+              <a:effectLst/>
+              <a:uLnTx/>
+              <a:uFillTx/>
+              <a:latin typeface="Calibri" panose="020F0502020204030204"/>
+              <a:ea typeface="+mn-ea"/>
+              <a:cs typeface="+mn-cs"/>
+            </a:endParaRPr>
+          </a:p>
+        </p:txBody>
+      </p:sp>
+      <p:sp>
+        <p:nvSpPr>
+          <p:cNvPr id="2" name="Title 1">
+            <a:extLst>
+              <a:ext uri="{FF2B5EF4-FFF2-40B4-BE49-F238E27FC236}">
+                <a16:creationId xmlns:a16="http://schemas.microsoft.com/office/drawing/2014/main" id="{90498D05-9C13-4B02-8237-AFA8FA8AC3F4}"/>
+              </a:ext>
+            </a:extLst>
+          </p:cNvPr>
+          <p:cNvSpPr>
+            <a:spLocks noGrp="1"/>
+          </p:cNvSpPr>
+          <p:nvPr>
+            <p:ph type="title"/>
+          </p:nvPr>
+        </p:nvSpPr>
+        <p:spPr>
+          <a:xfrm>
+            <a:off x="1051560" y="586822"/>
+            <a:ext cx="3657600" cy="1645920"/>
+          </a:xfrm>
+        </p:spPr>
+        <p:txBody>
+          <a:bodyPr>
+            <a:normAutofit/>
+          </a:bodyPr>
+          <a:lstStyle/>
+          <a:p>
+            <a:r>
+              <a:rPr lang="en-IN" sz="3200"/>
+              <a:t>Similarity table and graph</a:t>
+            </a:r>
+          </a:p>
+        </p:txBody>
+      </p:sp>
+      <p:sp>
+        <p:nvSpPr>
+          <p:cNvPr id="76" name="Rectangle 75">
+            <a:extLst>
+              <a:ext uri="{FF2B5EF4-FFF2-40B4-BE49-F238E27FC236}">
+                <a16:creationId xmlns:a16="http://schemas.microsoft.com/office/drawing/2014/main" id="{C1A2385B-1D2A-4E17-84FA-6CB7F0AAE473}"/>
+              </a:ext>
+              <a:ext uri="{C183D7F6-B498-43B3-948B-1728B52AA6E4}">
+                <adec:decorative xmlns:adec="http://schemas.microsoft.com/office/drawing/2017/decorative" val="1"/>
+              </a:ext>
+            </a:extLst>
+          </p:cNvPr>
+          <p:cNvSpPr>
+            <a:spLocks noGrp="1" noRot="1" noChangeAspect="1" noMove="1" noResize="1" noEditPoints="1" noAdjustHandles="1" noChangeArrowheads="1" noChangeShapeType="1" noTextEdit="1"/>
+          </p:cNvSpPr>
+          <p:nvPr>
+            <p:extLst>
+              <p:ext uri="{386F3935-93C4-4BCD-93E2-E3B085C9AB24}">
+                <p16:designElem xmlns:p16="http://schemas.microsoft.com/office/powerpoint/2015/main" val="1"/>
+              </p:ext>
+            </p:extLst>
+          </p:nvPr>
+        </p:nvSpPr>
+        <p:spPr>
+          <a:xfrm>
+            <a:off x="490408" y="1057739"/>
+            <a:ext cx="128016" cy="704088"/>
+          </a:xfrm>
+          <a:prstGeom prst="rect">
+            <a:avLst/>
+          </a:prstGeom>
+          <a:solidFill>
+            <a:schemeClr val="accent2"/>
+          </a:solidFill>
+          <a:ln>
+            <a:noFill/>
+          </a:ln>
+        </p:spPr>
+        <p:style>
+          <a:lnRef idx="2">
+            <a:schemeClr val="accent1">
+              <a:shade val="50000"/>
+            </a:schemeClr>
+          </a:lnRef>
+          <a:fillRef idx="1">
+            <a:schemeClr val="accent1"/>
+          </a:fillRef>
+          <a:effectRef idx="0">
+            <a:schemeClr val="accent1"/>
+          </a:effectRef>
+          <a:fontRef idx="minor">
+            <a:schemeClr val="lt1"/>
+          </a:fontRef>
+        </p:style>
+        <p:txBody>
+          <a:bodyPr rtlCol="0" anchor="ctr"/>
+          <a:lstStyle/>
+          <a:p>
+            <a:pPr algn="ctr"/>
+            <a:endParaRPr lang="en-US" dirty="0">
+              <a:solidFill>
+                <a:prstClr val="white"/>
+              </a:solidFill>
+              <a:latin typeface="Calibri" panose="020F0502020204030204"/>
+            </a:endParaRPr>
+          </a:p>
+        </p:txBody>
+      </p:sp>
+      <p:sp>
+        <p:nvSpPr>
+          <p:cNvPr id="78" name="Rectangle 77">
+            <a:extLst>
+              <a:ext uri="{FF2B5EF4-FFF2-40B4-BE49-F238E27FC236}">
+                <a16:creationId xmlns:a16="http://schemas.microsoft.com/office/drawing/2014/main" id="{5E791F2F-79DB-4CC0-9FA1-001E3E91E8B7}"/>
+              </a:ext>
+              <a:ext uri="{C183D7F6-B498-43B3-948B-1728B52AA6E4}">
+                <adec:decorative xmlns:adec="http://schemas.microsoft.com/office/drawing/2017/decorative" val="1"/>
+              </a:ext>
+            </a:extLst>
+          </p:cNvPr>
+          <p:cNvSpPr>
+            <a:spLocks noGrp="1" noRot="1" noChangeAspect="1" noMove="1" noResize="1" noEditPoints="1" noAdjustHandles="1" noChangeArrowheads="1" noChangeShapeType="1" noTextEdit="1"/>
+          </p:cNvSpPr>
+          <p:nvPr>
+            <p:extLst>
+              <p:ext uri="{386F3935-93C4-4BCD-93E2-E3B085C9AB24}">
+                <p16:designElem xmlns:p16="http://schemas.microsoft.com/office/powerpoint/2015/main" val="1"/>
+              </p:ext>
+            </p:extLst>
+          </p:nvPr>
+        </p:nvSpPr>
+        <p:spPr>
+          <a:xfrm rot="5400000">
+            <a:off x="4243541" y="1400638"/>
+            <a:ext cx="1463040" cy="18288"/>
+          </a:xfrm>
+          <a:prstGeom prst="rect">
+            <a:avLst/>
+          </a:prstGeom>
+          <a:solidFill>
+            <a:srgbClr val="D5D5D5"/>
+          </a:solidFill>
+          <a:ln w="3175">
+            <a:noFill/>
+          </a:ln>
+          <a:effectLst/>
+        </p:spPr>
+        <p:style>
+          <a:lnRef idx="2">
+            <a:schemeClr val="accent1">
+              <a:shade val="50000"/>
+            </a:schemeClr>
+          </a:lnRef>
+          <a:fillRef idx="1">
+            <a:schemeClr val="accent1"/>
+          </a:fillRef>
+          <a:effectRef idx="0">
+            <a:schemeClr val="accent1"/>
+          </a:effectRef>
+          <a:fontRef idx="minor">
+            <a:schemeClr val="lt1"/>
+          </a:fontRef>
+        </p:style>
+        <p:txBody>
+          <a:bodyPr rtlCol="0" anchor="ctr"/>
+          <a:lstStyle/>
+          <a:p>
+            <a:pPr marL="0" marR="0" lvl="0" indent="0" algn="ctr" defTabSz="914400" rtl="0" eaLnBrk="1" fontAlgn="auto" latinLnBrk="0" hangingPunct="1">
+              <a:lnSpc>
+                <a:spcPct val="100000"/>
+              </a:lnSpc>
+              <a:spcBef>
+                <a:spcPts val="0"/>
+              </a:spcBef>
+              <a:spcAft>
+                <a:spcPts val="0"/>
+              </a:spcAft>
+              <a:buClrTx/>
+              <a:buSzTx/>
+              <a:buFontTx/>
+              <a:buNone/>
+              <a:tabLst/>
+              <a:defRPr/>
+            </a:pPr>
+            <a:endParaRPr kumimoji="0" lang="en-US" sz="1800" b="0" i="0" u="none" strike="noStrike" kern="1200" cap="none" spc="0" normalizeH="0" baseline="0" noProof="0">
+              <a:ln>
+                <a:noFill/>
+              </a:ln>
+              <a:solidFill>
+                <a:prstClr val="white"/>
+              </a:solidFill>
+              <a:effectLst/>
+              <a:uLnTx/>
+              <a:uFillTx/>
+              <a:latin typeface="Calibri" panose="020F0502020204030204"/>
+              <a:ea typeface="+mn-ea"/>
+              <a:cs typeface="+mn-cs"/>
+            </a:endParaRPr>
+          </a:p>
+        </p:txBody>
+      </p:sp>
+      <p:sp>
+        <p:nvSpPr>
+          <p:cNvPr id="3" name="Content Placeholder 2">
+            <a:extLst>
+              <a:ext uri="{FF2B5EF4-FFF2-40B4-BE49-F238E27FC236}">
+                <a16:creationId xmlns:a16="http://schemas.microsoft.com/office/drawing/2014/main" id="{E66FE1EC-2A0C-4A92-A993-7F32B27AE527}"/>
+              </a:ext>
+            </a:extLst>
+          </p:cNvPr>
+          <p:cNvSpPr>
+            <a:spLocks noGrp="1"/>
+          </p:cNvSpPr>
+          <p:nvPr>
+            <p:ph idx="1"/>
+          </p:nvPr>
+        </p:nvSpPr>
+        <p:spPr>
+          <a:xfrm>
+            <a:off x="5250106" y="586822"/>
+            <a:ext cx="6106742" cy="1645920"/>
+          </a:xfrm>
+        </p:spPr>
+        <p:txBody>
+          <a:bodyPr anchor="ctr">
+            <a:normAutofit/>
+          </a:bodyPr>
+          <a:lstStyle/>
+          <a:p>
+            <a:r>
+              <a:rPr lang="en-IN" sz="1800" dirty="0"/>
+              <a:t>Similarity table and graph for input image</a:t>
+            </a:r>
+            <a:r>
+              <a:rPr lang="en-IN" sz="1800" dirty="0">
+                <a:solidFill>
+                  <a:srgbClr val="C00000"/>
+                </a:solidFill>
+              </a:rPr>
+              <a:t> I-06 </a:t>
+            </a:r>
+            <a:r>
+              <a:rPr lang="en-IN" sz="1800" dirty="0"/>
+              <a:t>with other images (I-00 to I-09)</a:t>
+            </a:r>
+          </a:p>
+          <a:p>
+            <a:r>
+              <a:rPr lang="en-IN" sz="1800" dirty="0"/>
+              <a:t>From the similarity percentage which is in the table, I have drawn a graph for better understanding.</a:t>
+            </a:r>
+          </a:p>
+        </p:txBody>
+      </p:sp>
       <p:pic>
         <p:nvPicPr>
-          <p:cNvPr id="17" name="Picture 16">
-            <a:extLst>
-              <a:ext uri="{FF2B5EF4-FFF2-40B4-BE49-F238E27FC236}">
-                <a16:creationId xmlns:a16="http://schemas.microsoft.com/office/drawing/2014/main" id="{516BFB3D-E8E9-4CCE-B3C9-F8D6450E498F}"/>
+          <p:cNvPr id="8195" name="Picture 1">
+            <a:extLst>
+              <a:ext uri="{FF2B5EF4-FFF2-40B4-BE49-F238E27FC236}">
+                <a16:creationId xmlns:a16="http://schemas.microsoft.com/office/drawing/2014/main" id="{D8248CCE-EA6C-4A95-ADDD-9279627CFCEA}"/>
               </a:ext>
             </a:extLst>
           </p:cNvPr>
           <p:cNvPicPr>
-            <a:picLocks noChangeAspect="1"/>
+            <a:picLocks noChangeAspect="1" noChangeArrowheads="1"/>
           </p:cNvPicPr>
           <p:nvPr/>
         </p:nvPicPr>
         <p:blipFill>
-          <a:blip r:embed="rId10"/>
+          <a:blip r:embed="rId2">
+            <a:extLst>
+              <a:ext uri="{28A0092B-C50C-407E-A947-70E740481C1C}">
+                <a14:useLocalDpi xmlns:a14="http://schemas.microsoft.com/office/drawing/2010/main" val="0"/>
+              </a:ext>
+            </a:extLst>
+          </a:blip>
           <a:stretch>
             <a:fillRect/>
           </a:stretch>
         </p:blipFill>
-        <p:spPr>
-          <a:xfrm>
-            <a:off x="1306513" y="4359275"/>
-            <a:ext cx="1951038" cy="939800"/>
+        <p:spPr bwMode="auto">
+          <a:xfrm>
+            <a:off x="6240354" y="2830118"/>
+            <a:ext cx="5481509" cy="3342932"/>
           </a:xfrm>
           <a:prstGeom prst="rect">
             <a:avLst/>
           </a:prstGeom>
+          <a:noFill/>
+          <a:extLst>
+            <a:ext uri="{909E8E84-426E-40DD-AFC4-6F175D3DCCD1}">
+              <a14:hiddenFill xmlns:a14="http://schemas.microsoft.com/office/drawing/2010/main">
+                <a:solidFill>
+                  <a:srgbClr val="FFFFFF"/>
+                </a:solidFill>
+              </a14:hiddenFill>
+            </a:ext>
+            <a:ext uri="{91240B29-F687-4F45-9708-019B960494DF}">
+              <a14:hiddenLine xmlns:a14="http://schemas.microsoft.com/office/drawing/2010/main" w="9525">
+                <a:solidFill>
+                  <a:srgbClr val="000000"/>
+                </a:solidFill>
+                <a:miter lim="800000"/>
+                <a:headEnd/>
+                <a:tailEnd/>
+              </a14:hiddenLine>
+            </a:ext>
+          </a:extLst>
         </p:spPr>
       </p:pic>
       <p:pic>
         <p:nvPicPr>
-          <p:cNvPr id="11" name="Picture 10">
-            <a:extLst>
-              <a:ext uri="{FF2B5EF4-FFF2-40B4-BE49-F238E27FC236}">
-                <a16:creationId xmlns:a16="http://schemas.microsoft.com/office/drawing/2014/main" id="{69ED78DE-BC23-4587-9D96-A4FA45C16B26}"/>
+          <p:cNvPr id="8194" name="Picture 1">
+            <a:extLst>
+              <a:ext uri="{FF2B5EF4-FFF2-40B4-BE49-F238E27FC236}">
+                <a16:creationId xmlns:a16="http://schemas.microsoft.com/office/drawing/2014/main" id="{3012C216-8849-4EB6-A03D-E8D8EFFEE797}"/>
               </a:ext>
             </a:extLst>
           </p:cNvPr>
           <p:cNvPicPr>
-            <a:picLocks noChangeAspect="1"/>
+            <a:picLocks noChangeAspect="1" noChangeArrowheads="1"/>
           </p:cNvPicPr>
           <p:nvPr/>
         </p:nvPicPr>
         <p:blipFill>
-          <a:blip r:embed="rId11"/>
+          <a:blip r:embed="rId3">
+            <a:extLst>
+              <a:ext uri="{28A0092B-C50C-407E-A947-70E740481C1C}">
+                <a14:useLocalDpi xmlns:a14="http://schemas.microsoft.com/office/drawing/2010/main" val="0"/>
+              </a:ext>
+            </a:extLst>
+          </a:blip>
           <a:stretch>
             <a:fillRect/>
           </a:stretch>
         </p:blipFill>
-        <p:spPr>
-          <a:xfrm>
-            <a:off x="5338220" y="3409950"/>
-            <a:ext cx="1951038" cy="949325"/>
-          </a:xfrm>
-          <a:prstGeom prst="rect">
-            <a:avLst/>
-          </a:prstGeom>
-        </p:spPr>
-      </p:pic>
-      <p:sp>
-        <p:nvSpPr>
-          <p:cNvPr id="2" name="Title 1">
-            <a:extLst>
-              <a:ext uri="{FF2B5EF4-FFF2-40B4-BE49-F238E27FC236}">
-                <a16:creationId xmlns:a16="http://schemas.microsoft.com/office/drawing/2014/main" id="{9B547BDA-8E33-4A46-A9D8-D632C2B992DF}"/>
-              </a:ext>
-            </a:extLst>
-          </p:cNvPr>
-          <p:cNvSpPr>
-            <a:spLocks noGrp="1"/>
-          </p:cNvSpPr>
-          <p:nvPr>
-            <p:ph type="title"/>
-          </p:nvPr>
-        </p:nvSpPr>
-        <p:spPr>
-          <a:xfrm>
-            <a:off x="1286932" y="1204109"/>
-            <a:ext cx="10023398" cy="857894"/>
-          </a:xfrm>
-        </p:spPr>
-        <p:txBody>
-          <a:bodyPr>
-            <a:normAutofit/>
-          </a:bodyPr>
-          <a:lstStyle/>
-          <a:p>
-            <a:r>
-              <a:rPr lang="en-IN" sz="4000">
-                <a:solidFill>
-                  <a:srgbClr val="FFFFFF"/>
-                </a:solidFill>
-              </a:rPr>
-              <a:t> LocalAreaDensity = 0.5, PotentialRadius= 56</a:t>
-            </a:r>
-          </a:p>
-        </p:txBody>
-      </p:sp>
-      <p:sp>
-        <p:nvSpPr>
-          <p:cNvPr id="16" name="TextBox 15">
-            <a:extLst>
-              <a:ext uri="{FF2B5EF4-FFF2-40B4-BE49-F238E27FC236}">
-                <a16:creationId xmlns:a16="http://schemas.microsoft.com/office/drawing/2014/main" id="{E99C2703-60C5-4842-A5DC-66BC1A1429C2}"/>
-              </a:ext>
-            </a:extLst>
-          </p:cNvPr>
-          <p:cNvSpPr txBox="1"/>
-          <p:nvPr/>
-        </p:nvSpPr>
-        <p:spPr>
-          <a:xfrm>
-            <a:off x="2177256" y="2846428"/>
-            <a:ext cx="8727281" cy="369332"/>
+        <p:spPr bwMode="auto">
+          <a:xfrm>
+            <a:off x="470137" y="2925356"/>
+            <a:ext cx="5523082" cy="3022521"/>
           </a:xfrm>
           <a:prstGeom prst="rect">
             <a:avLst/>
           </a:prstGeom>
           <a:noFill/>
-        </p:spPr>
-        <p:txBody>
-          <a:bodyPr wrap="square">
-            <a:spAutoFit/>
+          <a:extLst>
+            <a:ext uri="{909E8E84-426E-40DD-AFC4-6F175D3DCCD1}">
+              <a14:hiddenFill xmlns:a14="http://schemas.microsoft.com/office/drawing/2010/main">
+                <a:solidFill>
+                  <a:srgbClr val="FFFFFF"/>
+                </a:solidFill>
+              </a14:hiddenFill>
+            </a:ext>
+            <a:ext uri="{91240B29-F687-4F45-9708-019B960494DF}">
+              <a14:hiddenLine xmlns:a14="http://schemas.microsoft.com/office/drawing/2010/main" w="9525">
+                <a:solidFill>
+                  <a:srgbClr val="000000"/>
+                </a:solidFill>
+                <a:miter lim="800000"/>
+                <a:headEnd/>
+                <a:tailEnd/>
+              </a14:hiddenLine>
+            </a:ext>
+          </a:extLst>
+        </p:spPr>
+      </p:pic>
+    </p:spTree>
+    <p:extLst>
+      <p:ext uri="{BB962C8B-B14F-4D97-AF65-F5344CB8AC3E}">
+        <p14:creationId xmlns:p14="http://schemas.microsoft.com/office/powerpoint/2010/main" val="2196975674"/>
+      </p:ext>
+    </p:extLst>
+  </p:cSld>
+  <p:clrMapOvr>
+    <a:masterClrMapping/>
+  </p:clrMapOvr>
+</p:sld>
+</file>
+
+<file path=ppt/slides/slide15.xml><?xml version="1.0" encoding="utf-8"?>
+<p:sld xmlns:a="http://schemas.openxmlformats.org/drawingml/2006/main" xmlns:r="http://schemas.openxmlformats.org/officeDocument/2006/relationships" xmlns:p="http://schemas.openxmlformats.org/presentationml/2006/main">
+  <p:cSld>
+    <p:bg>
+      <p:bgPr>
+        <a:solidFill>
+          <a:schemeClr val="bg1"/>
+        </a:solidFill>
+        <a:effectLst/>
+      </p:bgPr>
+    </p:bg>
+    <p:spTree>
+      <p:nvGrpSpPr>
+        <p:cNvPr id="1" name=""/>
+        <p:cNvGrpSpPr/>
+        <p:nvPr/>
+      </p:nvGrpSpPr>
+      <p:grpSpPr>
+        <a:xfrm>
+          <a:off x="0" y="0"/>
+          <a:ext cx="0" cy="0"/>
+          <a:chOff x="0" y="0"/>
+          <a:chExt cx="0" cy="0"/>
+        </a:xfrm>
+      </p:grpSpPr>
+      <p:sp useBgFill="1">
+        <p:nvSpPr>
+          <p:cNvPr id="72" name="Rectangle 71">
+            <a:extLst>
+              <a:ext uri="{FF2B5EF4-FFF2-40B4-BE49-F238E27FC236}">
+                <a16:creationId xmlns:a16="http://schemas.microsoft.com/office/drawing/2014/main" id="{385E1BDC-A9B0-4A87-82E3-F3187F69A802}"/>
+              </a:ext>
+              <a:ext uri="{C183D7F6-B498-43B3-948B-1728B52AA6E4}">
+                <adec:decorative xmlns:adec="http://schemas.microsoft.com/office/drawing/2017/decorative" val="1"/>
+              </a:ext>
+            </a:extLst>
+          </p:cNvPr>
+          <p:cNvSpPr>
+            <a:spLocks noGrp="1" noRot="1" noChangeAspect="1" noMove="1" noResize="1" noEditPoints="1" noAdjustHandles="1" noChangeArrowheads="1" noChangeShapeType="1" noTextEdit="1"/>
+          </p:cNvSpPr>
+          <p:nvPr>
+            <p:extLst>
+              <p:ext uri="{386F3935-93C4-4BCD-93E2-E3B085C9AB24}">
+                <p16:designElem xmlns:p16="http://schemas.microsoft.com/office/powerpoint/2015/main" val="1"/>
+              </p:ext>
+            </p:extLst>
+          </p:nvPr>
+        </p:nvSpPr>
+        <p:spPr>
+          <a:xfrm>
+            <a:off x="0" y="0"/>
+            <a:ext cx="12192000" cy="6858000"/>
+          </a:xfrm>
+          <a:prstGeom prst="rect">
+            <a:avLst/>
+          </a:prstGeom>
+          <a:ln>
+            <a:noFill/>
+          </a:ln>
+        </p:spPr>
+        <p:style>
+          <a:lnRef idx="2">
+            <a:schemeClr val="accent1">
+              <a:shade val="50000"/>
+            </a:schemeClr>
+          </a:lnRef>
+          <a:fillRef idx="1">
+            <a:schemeClr val="accent1"/>
+          </a:fillRef>
+          <a:effectRef idx="0">
+            <a:schemeClr val="accent1"/>
+          </a:effectRef>
+          <a:fontRef idx="minor">
+            <a:schemeClr val="lt1"/>
+          </a:fontRef>
+        </p:style>
+        <p:txBody>
+          <a:bodyPr rtlCol="0" anchor="ctr"/>
+          <a:lstStyle/>
+          <a:p>
+            <a:pPr algn="ctr"/>
+            <a:endParaRPr lang="en-US"/>
+          </a:p>
+        </p:txBody>
+      </p:sp>
+      <p:sp useBgFill="1">
+        <p:nvSpPr>
+          <p:cNvPr id="74" name="Rectangle 73">
+            <a:extLst>
+              <a:ext uri="{FF2B5EF4-FFF2-40B4-BE49-F238E27FC236}">
+                <a16:creationId xmlns:a16="http://schemas.microsoft.com/office/drawing/2014/main" id="{0990C621-3B8B-4820-8328-D47EF7CE823C}"/>
+              </a:ext>
+              <a:ext uri="{C183D7F6-B498-43B3-948B-1728B52AA6E4}">
+                <adec:decorative xmlns:adec="http://schemas.microsoft.com/office/drawing/2017/decorative" val="1"/>
+              </a:ext>
+            </a:extLst>
+          </p:cNvPr>
+          <p:cNvSpPr>
+            <a:spLocks noGrp="1" noRot="1" noChangeAspect="1" noMove="1" noResize="1" noEditPoints="1" noAdjustHandles="1" noChangeArrowheads="1" noChangeShapeType="1" noTextEdit="1"/>
+          </p:cNvSpPr>
+          <p:nvPr>
+            <p:extLst>
+              <p:ext uri="{386F3935-93C4-4BCD-93E2-E3B085C9AB24}">
+                <p16:designElem xmlns:p16="http://schemas.microsoft.com/office/powerpoint/2015/main" val="1"/>
+              </p:ext>
+            </p:extLst>
+          </p:nvPr>
+        </p:nvSpPr>
+        <p:spPr>
+          <a:xfrm>
+            <a:off x="554416" y="365125"/>
+            <a:ext cx="11167447" cy="2089317"/>
+          </a:xfrm>
+          <a:prstGeom prst="rect">
+            <a:avLst/>
+          </a:prstGeom>
+          <a:ln w="12700">
+            <a:solidFill>
+              <a:srgbClr val="DEDEDE"/>
+            </a:solidFill>
+          </a:ln>
+          <a:effectLst>
+            <a:outerShdw blurRad="50800" dist="38100" dir="2700000" algn="tl" rotWithShape="0">
+              <a:schemeClr val="bg2">
+                <a:lumMod val="85000"/>
+                <a:alpha val="50000"/>
+              </a:schemeClr>
+            </a:outerShdw>
+          </a:effectLst>
+        </p:spPr>
+        <p:style>
+          <a:lnRef idx="2">
+            <a:schemeClr val="accent1">
+              <a:shade val="50000"/>
+            </a:schemeClr>
+          </a:lnRef>
+          <a:fillRef idx="1">
+            <a:schemeClr val="accent1"/>
+          </a:fillRef>
+          <a:effectRef idx="0">
+            <a:schemeClr val="accent1"/>
+          </a:effectRef>
+          <a:fontRef idx="minor">
+            <a:schemeClr val="lt1"/>
+          </a:fontRef>
+        </p:style>
+        <p:txBody>
+          <a:bodyPr rtlCol="0" anchor="ctr"/>
+          <a:lstStyle/>
+          <a:p>
+            <a:pPr marL="0" marR="0" lvl="0" indent="0" algn="ctr" defTabSz="914400" rtl="0" eaLnBrk="1" fontAlgn="auto" latinLnBrk="0" hangingPunct="1">
+              <a:lnSpc>
+                <a:spcPct val="100000"/>
+              </a:lnSpc>
+              <a:spcBef>
+                <a:spcPts val="0"/>
+              </a:spcBef>
+              <a:spcAft>
+                <a:spcPts val="0"/>
+              </a:spcAft>
+              <a:buClrTx/>
+              <a:buSzTx/>
+              <a:buFontTx/>
+              <a:buNone/>
+              <a:tabLst/>
+              <a:defRPr/>
+            </a:pPr>
+            <a:endParaRPr kumimoji="0" lang="en-US" sz="1800" b="0" i="0" u="none" strike="noStrike" kern="1200" cap="none" spc="0" normalizeH="0" baseline="0" noProof="0">
+              <a:ln>
+                <a:noFill/>
+              </a:ln>
+              <a:solidFill>
+                <a:prstClr val="white"/>
+              </a:solidFill>
+              <a:effectLst/>
+              <a:uLnTx/>
+              <a:uFillTx/>
+              <a:latin typeface="Calibri" panose="020F0502020204030204"/>
+              <a:ea typeface="+mn-ea"/>
+              <a:cs typeface="+mn-cs"/>
+            </a:endParaRPr>
+          </a:p>
+        </p:txBody>
+      </p:sp>
+      <p:sp>
+        <p:nvSpPr>
+          <p:cNvPr id="2" name="Title 1">
+            <a:extLst>
+              <a:ext uri="{FF2B5EF4-FFF2-40B4-BE49-F238E27FC236}">
+                <a16:creationId xmlns:a16="http://schemas.microsoft.com/office/drawing/2014/main" id="{2E03661C-B892-4073-9EEE-366C91A35513}"/>
+              </a:ext>
+            </a:extLst>
+          </p:cNvPr>
+          <p:cNvSpPr>
+            <a:spLocks noGrp="1"/>
+          </p:cNvSpPr>
+          <p:nvPr>
+            <p:ph type="title"/>
+          </p:nvPr>
+        </p:nvSpPr>
+        <p:spPr>
+          <a:xfrm>
+            <a:off x="1051560" y="586822"/>
+            <a:ext cx="3657600" cy="1645920"/>
+          </a:xfrm>
+        </p:spPr>
+        <p:txBody>
+          <a:bodyPr>
+            <a:normAutofit/>
           </a:bodyPr>
           <a:lstStyle/>
           <a:p>
             <a:r>
-              <a:rPr lang="en-IN" dirty="0"/>
-              <a:t>I-00                           I-01                               I-02                              I-03                             I-04</a:t>
-            </a:r>
-          </a:p>
-        </p:txBody>
-      </p:sp>
-      <p:sp>
-        <p:nvSpPr>
-          <p:cNvPr id="18" name="TextBox 17">
-            <a:extLst>
-              <a:ext uri="{FF2B5EF4-FFF2-40B4-BE49-F238E27FC236}">
-                <a16:creationId xmlns:a16="http://schemas.microsoft.com/office/drawing/2014/main" id="{0B1B4AA0-ACC2-4DAF-AC46-2D1CE96B63E0}"/>
-              </a:ext>
-            </a:extLst>
-          </p:cNvPr>
-          <p:cNvSpPr txBox="1"/>
+              <a:rPr lang="en-IN" sz="3200"/>
+              <a:t>Similarity table and graph</a:t>
+            </a:r>
+          </a:p>
+        </p:txBody>
+      </p:sp>
+      <p:sp>
+        <p:nvSpPr>
+          <p:cNvPr id="76" name="Rectangle 75">
+            <a:extLst>
+              <a:ext uri="{FF2B5EF4-FFF2-40B4-BE49-F238E27FC236}">
+                <a16:creationId xmlns:a16="http://schemas.microsoft.com/office/drawing/2014/main" id="{C1A2385B-1D2A-4E17-84FA-6CB7F0AAE473}"/>
+              </a:ext>
+              <a:ext uri="{C183D7F6-B498-43B3-948B-1728B52AA6E4}">
+                <adec:decorative xmlns:adec="http://schemas.microsoft.com/office/drawing/2017/decorative" val="1"/>
+              </a:ext>
+            </a:extLst>
+          </p:cNvPr>
+          <p:cNvSpPr>
+            <a:spLocks noGrp="1" noRot="1" noChangeAspect="1" noMove="1" noResize="1" noEditPoints="1" noAdjustHandles="1" noChangeArrowheads="1" noChangeShapeType="1" noTextEdit="1"/>
+          </p:cNvSpPr>
+          <p:nvPr>
+            <p:extLst>
+              <p:ext uri="{386F3935-93C4-4BCD-93E2-E3B085C9AB24}">
+                <p16:designElem xmlns:p16="http://schemas.microsoft.com/office/powerpoint/2015/main" val="1"/>
+              </p:ext>
+            </p:extLst>
+          </p:nvPr>
+        </p:nvSpPr>
+        <p:spPr>
+          <a:xfrm>
+            <a:off x="490408" y="1057739"/>
+            <a:ext cx="128016" cy="704088"/>
+          </a:xfrm>
+          <a:prstGeom prst="rect">
+            <a:avLst/>
+          </a:prstGeom>
+          <a:solidFill>
+            <a:schemeClr val="accent2"/>
+          </a:solidFill>
+          <a:ln>
+            <a:noFill/>
+          </a:ln>
+        </p:spPr>
+        <p:style>
+          <a:lnRef idx="2">
+            <a:schemeClr val="accent1">
+              <a:shade val="50000"/>
+            </a:schemeClr>
+          </a:lnRef>
+          <a:fillRef idx="1">
+            <a:schemeClr val="accent1"/>
+          </a:fillRef>
+          <a:effectRef idx="0">
+            <a:schemeClr val="accent1"/>
+          </a:effectRef>
+          <a:fontRef idx="minor">
+            <a:schemeClr val="lt1"/>
+          </a:fontRef>
+        </p:style>
+        <p:txBody>
+          <a:bodyPr rtlCol="0" anchor="ctr"/>
+          <a:lstStyle/>
+          <a:p>
+            <a:pPr algn="ctr"/>
+            <a:endParaRPr lang="en-US" dirty="0">
+              <a:solidFill>
+                <a:prstClr val="white"/>
+              </a:solidFill>
+              <a:latin typeface="Calibri" panose="020F0502020204030204"/>
+            </a:endParaRPr>
+          </a:p>
+        </p:txBody>
+      </p:sp>
+      <p:sp>
+        <p:nvSpPr>
+          <p:cNvPr id="78" name="Rectangle 77">
+            <a:extLst>
+              <a:ext uri="{FF2B5EF4-FFF2-40B4-BE49-F238E27FC236}">
+                <a16:creationId xmlns:a16="http://schemas.microsoft.com/office/drawing/2014/main" id="{5E791F2F-79DB-4CC0-9FA1-001E3E91E8B7}"/>
+              </a:ext>
+              <a:ext uri="{C183D7F6-B498-43B3-948B-1728B52AA6E4}">
+                <adec:decorative xmlns:adec="http://schemas.microsoft.com/office/drawing/2017/decorative" val="1"/>
+              </a:ext>
+            </a:extLst>
+          </p:cNvPr>
+          <p:cNvSpPr>
+            <a:spLocks noGrp="1" noRot="1" noChangeAspect="1" noMove="1" noResize="1" noEditPoints="1" noAdjustHandles="1" noChangeArrowheads="1" noChangeShapeType="1" noTextEdit="1"/>
+          </p:cNvSpPr>
+          <p:nvPr>
+            <p:extLst>
+              <p:ext uri="{386F3935-93C4-4BCD-93E2-E3B085C9AB24}">
+                <p16:designElem xmlns:p16="http://schemas.microsoft.com/office/powerpoint/2015/main" val="1"/>
+              </p:ext>
+            </p:extLst>
+          </p:nvPr>
+        </p:nvSpPr>
+        <p:spPr>
+          <a:xfrm rot="5400000">
+            <a:off x="4243541" y="1400638"/>
+            <a:ext cx="1463040" cy="18288"/>
+          </a:xfrm>
+          <a:prstGeom prst="rect">
+            <a:avLst/>
+          </a:prstGeom>
+          <a:solidFill>
+            <a:srgbClr val="D5D5D5"/>
+          </a:solidFill>
+          <a:ln w="3175">
+            <a:noFill/>
+          </a:ln>
+          <a:effectLst/>
+        </p:spPr>
+        <p:style>
+          <a:lnRef idx="2">
+            <a:schemeClr val="accent1">
+              <a:shade val="50000"/>
+            </a:schemeClr>
+          </a:lnRef>
+          <a:fillRef idx="1">
+            <a:schemeClr val="accent1"/>
+          </a:fillRef>
+          <a:effectRef idx="0">
+            <a:schemeClr val="accent1"/>
+          </a:effectRef>
+          <a:fontRef idx="minor">
+            <a:schemeClr val="lt1"/>
+          </a:fontRef>
+        </p:style>
+        <p:txBody>
+          <a:bodyPr rtlCol="0" anchor="ctr"/>
+          <a:lstStyle/>
+          <a:p>
+            <a:pPr marL="0" marR="0" lvl="0" indent="0" algn="ctr" defTabSz="914400" rtl="0" eaLnBrk="1" fontAlgn="auto" latinLnBrk="0" hangingPunct="1">
+              <a:lnSpc>
+                <a:spcPct val="100000"/>
+              </a:lnSpc>
+              <a:spcBef>
+                <a:spcPts val="0"/>
+              </a:spcBef>
+              <a:spcAft>
+                <a:spcPts val="0"/>
+              </a:spcAft>
+              <a:buClrTx/>
+              <a:buSzTx/>
+              <a:buFontTx/>
+              <a:buNone/>
+              <a:tabLst/>
+              <a:defRPr/>
+            </a:pPr>
+            <a:endParaRPr kumimoji="0" lang="en-US" sz="1800" b="0" i="0" u="none" strike="noStrike" kern="1200" cap="none" spc="0" normalizeH="0" baseline="0" noProof="0">
+              <a:ln>
+                <a:noFill/>
+              </a:ln>
+              <a:solidFill>
+                <a:prstClr val="white"/>
+              </a:solidFill>
+              <a:effectLst/>
+              <a:uLnTx/>
+              <a:uFillTx/>
+              <a:latin typeface="Calibri" panose="020F0502020204030204"/>
+              <a:ea typeface="+mn-ea"/>
+              <a:cs typeface="+mn-cs"/>
+            </a:endParaRPr>
+          </a:p>
+        </p:txBody>
+      </p:sp>
+      <p:sp>
+        <p:nvSpPr>
+          <p:cNvPr id="3" name="Content Placeholder 2">
+            <a:extLst>
+              <a:ext uri="{FF2B5EF4-FFF2-40B4-BE49-F238E27FC236}">
+                <a16:creationId xmlns:a16="http://schemas.microsoft.com/office/drawing/2014/main" id="{C4F07A3E-F357-4A39-8B1D-F0B070607CE6}"/>
+              </a:ext>
+            </a:extLst>
+          </p:cNvPr>
+          <p:cNvSpPr>
+            <a:spLocks noGrp="1"/>
+          </p:cNvSpPr>
+          <p:nvPr>
+            <p:ph idx="1"/>
+          </p:nvPr>
+        </p:nvSpPr>
+        <p:spPr>
+          <a:xfrm>
+            <a:off x="5250106" y="586822"/>
+            <a:ext cx="6106742" cy="1645920"/>
+          </a:xfrm>
+        </p:spPr>
+        <p:txBody>
+          <a:bodyPr anchor="ctr">
+            <a:normAutofit/>
+          </a:bodyPr>
+          <a:lstStyle/>
+          <a:p>
+            <a:r>
+              <a:rPr lang="en-IN" sz="1800" dirty="0"/>
+              <a:t>Similarity table and graph for input image </a:t>
+            </a:r>
+            <a:r>
+              <a:rPr lang="en-IN" sz="1800" dirty="0">
+                <a:solidFill>
+                  <a:srgbClr val="C00000"/>
+                </a:solidFill>
+              </a:rPr>
+              <a:t>I-07</a:t>
+            </a:r>
+            <a:r>
+              <a:rPr lang="en-IN" sz="1800" dirty="0"/>
+              <a:t> with other images (I-00 to I-09)</a:t>
+            </a:r>
+          </a:p>
+          <a:p>
+            <a:r>
+              <a:rPr lang="en-IN" sz="1800" dirty="0"/>
+              <a:t>From the similarity percentage which is in the table, I have drawn a graph for better understanding.</a:t>
+            </a:r>
+          </a:p>
+        </p:txBody>
+      </p:sp>
+      <p:pic>
+        <p:nvPicPr>
+          <p:cNvPr id="9219" name="Picture 1">
+            <a:extLst>
+              <a:ext uri="{FF2B5EF4-FFF2-40B4-BE49-F238E27FC236}">
+                <a16:creationId xmlns:a16="http://schemas.microsoft.com/office/drawing/2014/main" id="{6FFE43A7-DAF3-4A0A-B174-0D65B5DFA9D0}"/>
+              </a:ext>
+            </a:extLst>
+          </p:cNvPr>
+          <p:cNvPicPr>
+            <a:picLocks noChangeAspect="1" noChangeArrowheads="1"/>
+          </p:cNvPicPr>
           <p:nvPr/>
-        </p:nvSpPr>
-        <p:spPr>
-          <a:xfrm>
-            <a:off x="2027583" y="5367583"/>
-            <a:ext cx="8998226" cy="369332"/>
+        </p:nvPicPr>
+        <p:blipFill>
+          <a:blip r:embed="rId2">
+            <a:extLst>
+              <a:ext uri="{28A0092B-C50C-407E-A947-70E740481C1C}">
+                <a14:useLocalDpi xmlns:a14="http://schemas.microsoft.com/office/drawing/2010/main" val="0"/>
+              </a:ext>
+            </a:extLst>
+          </a:blip>
+          <a:stretch>
+            <a:fillRect/>
+          </a:stretch>
+        </p:blipFill>
+        <p:spPr bwMode="auto">
+          <a:xfrm>
+            <a:off x="6240354" y="2932646"/>
+            <a:ext cx="5481509" cy="3338532"/>
           </a:xfrm>
           <a:prstGeom prst="rect">
             <a:avLst/>
           </a:prstGeom>
           <a:noFill/>
-        </p:spPr>
-        <p:txBody>
-          <a:bodyPr wrap="square">
-            <a:spAutoFit/>
-          </a:bodyPr>
-          <a:lstStyle/>
-          <a:p>
-            <a:r>
-              <a:rPr lang="en-IN" dirty="0"/>
-              <a:t>I-05                               I-06                               I-07                             I-08                             I-09</a:t>
-            </a:r>
-          </a:p>
-        </p:txBody>
-      </p:sp>
+          <a:extLst>
+            <a:ext uri="{909E8E84-426E-40DD-AFC4-6F175D3DCCD1}">
+              <a14:hiddenFill xmlns:a14="http://schemas.microsoft.com/office/drawing/2010/main">
+                <a:solidFill>
+                  <a:srgbClr val="FFFFFF"/>
+                </a:solidFill>
+              </a14:hiddenFill>
+            </a:ext>
+            <a:ext uri="{91240B29-F687-4F45-9708-019B960494DF}">
+              <a14:hiddenLine xmlns:a14="http://schemas.microsoft.com/office/drawing/2010/main" w="9525">
+                <a:solidFill>
+                  <a:srgbClr val="000000"/>
+                </a:solidFill>
+                <a:miter lim="800000"/>
+                <a:headEnd/>
+                <a:tailEnd/>
+              </a14:hiddenLine>
+            </a:ext>
+          </a:extLst>
+        </p:spPr>
+      </p:pic>
+      <p:pic>
+        <p:nvPicPr>
+          <p:cNvPr id="9218" name="Picture 1">
+            <a:extLst>
+              <a:ext uri="{FF2B5EF4-FFF2-40B4-BE49-F238E27FC236}">
+                <a16:creationId xmlns:a16="http://schemas.microsoft.com/office/drawing/2014/main" id="{9DE98EC3-1693-47F4-9282-9D1939BF9F6C}"/>
+              </a:ext>
+            </a:extLst>
+          </p:cNvPr>
+          <p:cNvPicPr>
+            <a:picLocks noChangeAspect="1" noChangeArrowheads="1"/>
+          </p:cNvPicPr>
+          <p:nvPr/>
+        </p:nvPicPr>
+        <p:blipFill>
+          <a:blip r:embed="rId3">
+            <a:extLst>
+              <a:ext uri="{28A0092B-C50C-407E-A947-70E740481C1C}">
+                <a14:useLocalDpi xmlns:a14="http://schemas.microsoft.com/office/drawing/2010/main" val="0"/>
+              </a:ext>
+            </a:extLst>
+          </a:blip>
+          <a:stretch>
+            <a:fillRect/>
+          </a:stretch>
+        </p:blipFill>
+        <p:spPr bwMode="auto">
+          <a:xfrm>
+            <a:off x="470137" y="3091222"/>
+            <a:ext cx="5523082" cy="3021379"/>
+          </a:xfrm>
+          <a:prstGeom prst="rect">
+            <a:avLst/>
+          </a:prstGeom>
+          <a:noFill/>
+          <a:extLst>
+            <a:ext uri="{909E8E84-426E-40DD-AFC4-6F175D3DCCD1}">
+              <a14:hiddenFill xmlns:a14="http://schemas.microsoft.com/office/drawing/2010/main">
+                <a:solidFill>
+                  <a:srgbClr val="FFFFFF"/>
+                </a:solidFill>
+              </a14:hiddenFill>
+            </a:ext>
+            <a:ext uri="{91240B29-F687-4F45-9708-019B960494DF}">
+              <a14:hiddenLine xmlns:a14="http://schemas.microsoft.com/office/drawing/2010/main" w="9525">
+                <a:solidFill>
+                  <a:srgbClr val="000000"/>
+                </a:solidFill>
+                <a:miter lim="800000"/>
+                <a:headEnd/>
+                <a:tailEnd/>
+              </a14:hiddenLine>
+            </a:ext>
+          </a:extLst>
+        </p:spPr>
+      </p:pic>
     </p:spTree>
     <p:extLst>
       <p:ext uri="{BB962C8B-B14F-4D97-AF65-F5344CB8AC3E}">
-        <p14:creationId xmlns:p14="http://schemas.microsoft.com/office/powerpoint/2010/main" val="1388229698"/>
+        <p14:creationId xmlns:p14="http://schemas.microsoft.com/office/powerpoint/2010/main" val="186438289"/>
+      </p:ext>
+    </p:extLst>
+  </p:cSld>
+  <p:clrMapOvr>
+    <a:masterClrMapping/>
+  </p:clrMapOvr>
+</p:sld>
+</file>
+
+<file path=ppt/slides/slide16.xml><?xml version="1.0" encoding="utf-8"?>
+<p:sld xmlns:a="http://schemas.openxmlformats.org/drawingml/2006/main" xmlns:r="http://schemas.openxmlformats.org/officeDocument/2006/relationships" xmlns:p="http://schemas.openxmlformats.org/presentationml/2006/main">
+  <p:cSld>
+    <p:bg>
+      <p:bgPr>
+        <a:solidFill>
+          <a:schemeClr val="bg1"/>
+        </a:solidFill>
+        <a:effectLst/>
+      </p:bgPr>
+    </p:bg>
+    <p:spTree>
+      <p:nvGrpSpPr>
+        <p:cNvPr id="1" name=""/>
+        <p:cNvGrpSpPr/>
+        <p:nvPr/>
+      </p:nvGrpSpPr>
+      <p:grpSpPr>
+        <a:xfrm>
+          <a:off x="0" y="0"/>
+          <a:ext cx="0" cy="0"/>
+          <a:chOff x="0" y="0"/>
+          <a:chExt cx="0" cy="0"/>
+        </a:xfrm>
+      </p:grpSpPr>
+      <p:sp useBgFill="1">
+        <p:nvSpPr>
+          <p:cNvPr id="72" name="Rectangle 71">
+            <a:extLst>
+              <a:ext uri="{FF2B5EF4-FFF2-40B4-BE49-F238E27FC236}">
+                <a16:creationId xmlns:a16="http://schemas.microsoft.com/office/drawing/2014/main" id="{385E1BDC-A9B0-4A87-82E3-F3187F69A802}"/>
+              </a:ext>
+              <a:ext uri="{C183D7F6-B498-43B3-948B-1728B52AA6E4}">
+                <adec:decorative xmlns:adec="http://schemas.microsoft.com/office/drawing/2017/decorative" val="1"/>
+              </a:ext>
+            </a:extLst>
+          </p:cNvPr>
+          <p:cNvSpPr>
+            <a:spLocks noGrp="1" noRot="1" noChangeAspect="1" noMove="1" noResize="1" noEditPoints="1" noAdjustHandles="1" noChangeArrowheads="1" noChangeShapeType="1" noTextEdit="1"/>
+          </p:cNvSpPr>
+          <p:nvPr>
+            <p:extLst>
+              <p:ext uri="{386F3935-93C4-4BCD-93E2-E3B085C9AB24}">
+                <p16:designElem xmlns:p16="http://schemas.microsoft.com/office/powerpoint/2015/main" val="1"/>
+              </p:ext>
+            </p:extLst>
+          </p:nvPr>
+        </p:nvSpPr>
+        <p:spPr>
+          <a:xfrm>
+            <a:off x="0" y="0"/>
+            <a:ext cx="12192000" cy="6858000"/>
+          </a:xfrm>
+          <a:prstGeom prst="rect">
+            <a:avLst/>
+          </a:prstGeom>
+          <a:ln>
+            <a:noFill/>
+          </a:ln>
+        </p:spPr>
+        <p:style>
+          <a:lnRef idx="2">
+            <a:schemeClr val="accent1">
+              <a:shade val="50000"/>
+            </a:schemeClr>
+          </a:lnRef>
+          <a:fillRef idx="1">
+            <a:schemeClr val="accent1"/>
+          </a:fillRef>
+          <a:effectRef idx="0">
+            <a:schemeClr val="accent1"/>
+          </a:effectRef>
+          <a:fontRef idx="minor">
+            <a:schemeClr val="lt1"/>
+          </a:fontRef>
+        </p:style>
+        <p:txBody>
+          <a:bodyPr rtlCol="0" anchor="ctr"/>
+          <a:lstStyle/>
+          <a:p>
+            <a:pPr algn="ctr"/>
+            <a:endParaRPr lang="en-US"/>
+          </a:p>
+        </p:txBody>
+      </p:sp>
+      <p:sp useBgFill="1">
+        <p:nvSpPr>
+          <p:cNvPr id="74" name="Rectangle 73">
+            <a:extLst>
+              <a:ext uri="{FF2B5EF4-FFF2-40B4-BE49-F238E27FC236}">
+                <a16:creationId xmlns:a16="http://schemas.microsoft.com/office/drawing/2014/main" id="{0990C621-3B8B-4820-8328-D47EF7CE823C}"/>
+              </a:ext>
+              <a:ext uri="{C183D7F6-B498-43B3-948B-1728B52AA6E4}">
+                <adec:decorative xmlns:adec="http://schemas.microsoft.com/office/drawing/2017/decorative" val="1"/>
+              </a:ext>
+            </a:extLst>
+          </p:cNvPr>
+          <p:cNvSpPr>
+            <a:spLocks noGrp="1" noRot="1" noChangeAspect="1" noMove="1" noResize="1" noEditPoints="1" noAdjustHandles="1" noChangeArrowheads="1" noChangeShapeType="1" noTextEdit="1"/>
+          </p:cNvSpPr>
+          <p:nvPr>
+            <p:extLst>
+              <p:ext uri="{386F3935-93C4-4BCD-93E2-E3B085C9AB24}">
+                <p16:designElem xmlns:p16="http://schemas.microsoft.com/office/powerpoint/2015/main" val="1"/>
+              </p:ext>
+            </p:extLst>
+          </p:nvPr>
+        </p:nvSpPr>
+        <p:spPr>
+          <a:xfrm>
+            <a:off x="554416" y="365125"/>
+            <a:ext cx="11167447" cy="2089317"/>
+          </a:xfrm>
+          <a:prstGeom prst="rect">
+            <a:avLst/>
+          </a:prstGeom>
+          <a:ln w="12700">
+            <a:solidFill>
+              <a:srgbClr val="DEDEDE"/>
+            </a:solidFill>
+          </a:ln>
+          <a:effectLst>
+            <a:outerShdw blurRad="50800" dist="38100" dir="2700000" algn="tl" rotWithShape="0">
+              <a:schemeClr val="bg2">
+                <a:lumMod val="85000"/>
+                <a:alpha val="50000"/>
+              </a:schemeClr>
+            </a:outerShdw>
+          </a:effectLst>
+        </p:spPr>
+        <p:style>
+          <a:lnRef idx="2">
+            <a:schemeClr val="accent1">
+              <a:shade val="50000"/>
+            </a:schemeClr>
+          </a:lnRef>
+          <a:fillRef idx="1">
+            <a:schemeClr val="accent1"/>
+          </a:fillRef>
+          <a:effectRef idx="0">
+            <a:schemeClr val="accent1"/>
+          </a:effectRef>
+          <a:fontRef idx="minor">
+            <a:schemeClr val="lt1"/>
+          </a:fontRef>
+        </p:style>
+        <p:txBody>
+          <a:bodyPr rtlCol="0" anchor="ctr"/>
+          <a:lstStyle/>
+          <a:p>
+            <a:pPr marL="0" marR="0" lvl="0" indent="0" algn="ctr" defTabSz="914400" rtl="0" eaLnBrk="1" fontAlgn="auto" latinLnBrk="0" hangingPunct="1">
+              <a:lnSpc>
+                <a:spcPct val="100000"/>
+              </a:lnSpc>
+              <a:spcBef>
+                <a:spcPts val="0"/>
+              </a:spcBef>
+              <a:spcAft>
+                <a:spcPts val="0"/>
+              </a:spcAft>
+              <a:buClrTx/>
+              <a:buSzTx/>
+              <a:buFontTx/>
+              <a:buNone/>
+              <a:tabLst/>
+              <a:defRPr/>
+            </a:pPr>
+            <a:endParaRPr kumimoji="0" lang="en-US" sz="1800" b="0" i="0" u="none" strike="noStrike" kern="1200" cap="none" spc="0" normalizeH="0" baseline="0" noProof="0">
+              <a:ln>
+                <a:noFill/>
+              </a:ln>
+              <a:solidFill>
+                <a:prstClr val="white"/>
+              </a:solidFill>
+              <a:effectLst/>
+              <a:uLnTx/>
+              <a:uFillTx/>
+              <a:latin typeface="Calibri" panose="020F0502020204030204"/>
+              <a:ea typeface="+mn-ea"/>
+              <a:cs typeface="+mn-cs"/>
+            </a:endParaRPr>
+          </a:p>
+        </p:txBody>
+      </p:sp>
+      <p:sp>
+        <p:nvSpPr>
+          <p:cNvPr id="2" name="Title 1">
+            <a:extLst>
+              <a:ext uri="{FF2B5EF4-FFF2-40B4-BE49-F238E27FC236}">
+                <a16:creationId xmlns:a16="http://schemas.microsoft.com/office/drawing/2014/main" id="{691F0745-3959-4800-B71D-A1A769993350}"/>
+              </a:ext>
+            </a:extLst>
+          </p:cNvPr>
+          <p:cNvSpPr>
+            <a:spLocks noGrp="1"/>
+          </p:cNvSpPr>
+          <p:nvPr>
+            <p:ph type="title"/>
+          </p:nvPr>
+        </p:nvSpPr>
+        <p:spPr>
+          <a:xfrm>
+            <a:off x="1051560" y="586822"/>
+            <a:ext cx="3657600" cy="1645920"/>
+          </a:xfrm>
+        </p:spPr>
+        <p:txBody>
+          <a:bodyPr>
+            <a:normAutofit/>
+          </a:bodyPr>
+          <a:lstStyle/>
+          <a:p>
+            <a:r>
+              <a:rPr lang="en-IN" sz="3200"/>
+              <a:t>Similarity table and graph</a:t>
+            </a:r>
+          </a:p>
+        </p:txBody>
+      </p:sp>
+      <p:sp>
+        <p:nvSpPr>
+          <p:cNvPr id="76" name="Rectangle 75">
+            <a:extLst>
+              <a:ext uri="{FF2B5EF4-FFF2-40B4-BE49-F238E27FC236}">
+                <a16:creationId xmlns:a16="http://schemas.microsoft.com/office/drawing/2014/main" id="{C1A2385B-1D2A-4E17-84FA-6CB7F0AAE473}"/>
+              </a:ext>
+              <a:ext uri="{C183D7F6-B498-43B3-948B-1728B52AA6E4}">
+                <adec:decorative xmlns:adec="http://schemas.microsoft.com/office/drawing/2017/decorative" val="1"/>
+              </a:ext>
+            </a:extLst>
+          </p:cNvPr>
+          <p:cNvSpPr>
+            <a:spLocks noGrp="1" noRot="1" noChangeAspect="1" noMove="1" noResize="1" noEditPoints="1" noAdjustHandles="1" noChangeArrowheads="1" noChangeShapeType="1" noTextEdit="1"/>
+          </p:cNvSpPr>
+          <p:nvPr>
+            <p:extLst>
+              <p:ext uri="{386F3935-93C4-4BCD-93E2-E3B085C9AB24}">
+                <p16:designElem xmlns:p16="http://schemas.microsoft.com/office/powerpoint/2015/main" val="1"/>
+              </p:ext>
+            </p:extLst>
+          </p:nvPr>
+        </p:nvSpPr>
+        <p:spPr>
+          <a:xfrm>
+            <a:off x="490408" y="1057739"/>
+            <a:ext cx="128016" cy="704088"/>
+          </a:xfrm>
+          <a:prstGeom prst="rect">
+            <a:avLst/>
+          </a:prstGeom>
+          <a:solidFill>
+            <a:schemeClr val="accent2"/>
+          </a:solidFill>
+          <a:ln>
+            <a:noFill/>
+          </a:ln>
+        </p:spPr>
+        <p:style>
+          <a:lnRef idx="2">
+            <a:schemeClr val="accent1">
+              <a:shade val="50000"/>
+            </a:schemeClr>
+          </a:lnRef>
+          <a:fillRef idx="1">
+            <a:schemeClr val="accent1"/>
+          </a:fillRef>
+          <a:effectRef idx="0">
+            <a:schemeClr val="accent1"/>
+          </a:effectRef>
+          <a:fontRef idx="minor">
+            <a:schemeClr val="lt1"/>
+          </a:fontRef>
+        </p:style>
+        <p:txBody>
+          <a:bodyPr rtlCol="0" anchor="ctr"/>
+          <a:lstStyle/>
+          <a:p>
+            <a:pPr algn="ctr"/>
+            <a:endParaRPr lang="en-US" dirty="0">
+              <a:solidFill>
+                <a:prstClr val="white"/>
+              </a:solidFill>
+              <a:latin typeface="Calibri" panose="020F0502020204030204"/>
+            </a:endParaRPr>
+          </a:p>
+        </p:txBody>
+      </p:sp>
+      <p:sp>
+        <p:nvSpPr>
+          <p:cNvPr id="78" name="Rectangle 77">
+            <a:extLst>
+              <a:ext uri="{FF2B5EF4-FFF2-40B4-BE49-F238E27FC236}">
+                <a16:creationId xmlns:a16="http://schemas.microsoft.com/office/drawing/2014/main" id="{5E791F2F-79DB-4CC0-9FA1-001E3E91E8B7}"/>
+              </a:ext>
+              <a:ext uri="{C183D7F6-B498-43B3-948B-1728B52AA6E4}">
+                <adec:decorative xmlns:adec="http://schemas.microsoft.com/office/drawing/2017/decorative" val="1"/>
+              </a:ext>
+            </a:extLst>
+          </p:cNvPr>
+          <p:cNvSpPr>
+            <a:spLocks noGrp="1" noRot="1" noChangeAspect="1" noMove="1" noResize="1" noEditPoints="1" noAdjustHandles="1" noChangeArrowheads="1" noChangeShapeType="1" noTextEdit="1"/>
+          </p:cNvSpPr>
+          <p:nvPr>
+            <p:extLst>
+              <p:ext uri="{386F3935-93C4-4BCD-93E2-E3B085C9AB24}">
+                <p16:designElem xmlns:p16="http://schemas.microsoft.com/office/powerpoint/2015/main" val="1"/>
+              </p:ext>
+            </p:extLst>
+          </p:nvPr>
+        </p:nvSpPr>
+        <p:spPr>
+          <a:xfrm rot="5400000">
+            <a:off x="4243541" y="1400638"/>
+            <a:ext cx="1463040" cy="18288"/>
+          </a:xfrm>
+          <a:prstGeom prst="rect">
+            <a:avLst/>
+          </a:prstGeom>
+          <a:solidFill>
+            <a:srgbClr val="D5D5D5"/>
+          </a:solidFill>
+          <a:ln w="3175">
+            <a:noFill/>
+          </a:ln>
+          <a:effectLst/>
+        </p:spPr>
+        <p:style>
+          <a:lnRef idx="2">
+            <a:schemeClr val="accent1">
+              <a:shade val="50000"/>
+            </a:schemeClr>
+          </a:lnRef>
+          <a:fillRef idx="1">
+            <a:schemeClr val="accent1"/>
+          </a:fillRef>
+          <a:effectRef idx="0">
+            <a:schemeClr val="accent1"/>
+          </a:effectRef>
+          <a:fontRef idx="minor">
+            <a:schemeClr val="lt1"/>
+          </a:fontRef>
+        </p:style>
+        <p:txBody>
+          <a:bodyPr rtlCol="0" anchor="ctr"/>
+          <a:lstStyle/>
+          <a:p>
+            <a:pPr marL="0" marR="0" lvl="0" indent="0" algn="ctr" defTabSz="914400" rtl="0" eaLnBrk="1" fontAlgn="auto" latinLnBrk="0" hangingPunct="1">
+              <a:lnSpc>
+                <a:spcPct val="100000"/>
+              </a:lnSpc>
+              <a:spcBef>
+                <a:spcPts val="0"/>
+              </a:spcBef>
+              <a:spcAft>
+                <a:spcPts val="0"/>
+              </a:spcAft>
+              <a:buClrTx/>
+              <a:buSzTx/>
+              <a:buFontTx/>
+              <a:buNone/>
+              <a:tabLst/>
+              <a:defRPr/>
+            </a:pPr>
+            <a:endParaRPr kumimoji="0" lang="en-US" sz="1800" b="0" i="0" u="none" strike="noStrike" kern="1200" cap="none" spc="0" normalizeH="0" baseline="0" noProof="0">
+              <a:ln>
+                <a:noFill/>
+              </a:ln>
+              <a:solidFill>
+                <a:prstClr val="white"/>
+              </a:solidFill>
+              <a:effectLst/>
+              <a:uLnTx/>
+              <a:uFillTx/>
+              <a:latin typeface="Calibri" panose="020F0502020204030204"/>
+              <a:ea typeface="+mn-ea"/>
+              <a:cs typeface="+mn-cs"/>
+            </a:endParaRPr>
+          </a:p>
+        </p:txBody>
+      </p:sp>
+      <p:sp>
+        <p:nvSpPr>
+          <p:cNvPr id="3" name="Content Placeholder 2">
+            <a:extLst>
+              <a:ext uri="{FF2B5EF4-FFF2-40B4-BE49-F238E27FC236}">
+                <a16:creationId xmlns:a16="http://schemas.microsoft.com/office/drawing/2014/main" id="{E805B5A5-EA3C-4998-AF6C-D0CC1EEB9779}"/>
+              </a:ext>
+            </a:extLst>
+          </p:cNvPr>
+          <p:cNvSpPr>
+            <a:spLocks noGrp="1"/>
+          </p:cNvSpPr>
+          <p:nvPr>
+            <p:ph idx="1"/>
+          </p:nvPr>
+        </p:nvSpPr>
+        <p:spPr>
+          <a:xfrm>
+            <a:off x="5250106" y="586822"/>
+            <a:ext cx="6106742" cy="1645920"/>
+          </a:xfrm>
+        </p:spPr>
+        <p:txBody>
+          <a:bodyPr anchor="ctr">
+            <a:normAutofit/>
+          </a:bodyPr>
+          <a:lstStyle/>
+          <a:p>
+            <a:r>
+              <a:rPr lang="en-IN" sz="1800" dirty="0"/>
+              <a:t>Similarity table and graph for input image </a:t>
+            </a:r>
+            <a:r>
+              <a:rPr lang="en-IN" sz="1800" dirty="0">
+                <a:solidFill>
+                  <a:srgbClr val="C00000"/>
+                </a:solidFill>
+              </a:rPr>
+              <a:t>I-08</a:t>
+            </a:r>
+            <a:r>
+              <a:rPr lang="en-IN" sz="1800" dirty="0"/>
+              <a:t> with other images (I-00 to I-09)</a:t>
+            </a:r>
+          </a:p>
+          <a:p>
+            <a:r>
+              <a:rPr lang="en-IN" sz="1800" dirty="0"/>
+              <a:t>From the similarity percentage which is in the table, I have drawn a graph for better understanding.</a:t>
+            </a:r>
+          </a:p>
+        </p:txBody>
+      </p:sp>
+      <p:pic>
+        <p:nvPicPr>
+          <p:cNvPr id="10243" name="Picture 1">
+            <a:extLst>
+              <a:ext uri="{FF2B5EF4-FFF2-40B4-BE49-F238E27FC236}">
+                <a16:creationId xmlns:a16="http://schemas.microsoft.com/office/drawing/2014/main" id="{3B94EBFA-71FD-47CC-B482-551F0B3029BA}"/>
+              </a:ext>
+            </a:extLst>
+          </p:cNvPr>
+          <p:cNvPicPr>
+            <a:picLocks noChangeAspect="1" noChangeArrowheads="1"/>
+          </p:cNvPicPr>
+          <p:nvPr/>
+        </p:nvPicPr>
+        <p:blipFill>
+          <a:blip r:embed="rId2">
+            <a:extLst>
+              <a:ext uri="{28A0092B-C50C-407E-A947-70E740481C1C}">
+                <a14:useLocalDpi xmlns:a14="http://schemas.microsoft.com/office/drawing/2010/main" val="0"/>
+              </a:ext>
+            </a:extLst>
+          </a:blip>
+          <a:stretch>
+            <a:fillRect/>
+          </a:stretch>
+        </p:blipFill>
+        <p:spPr bwMode="auto">
+          <a:xfrm>
+            <a:off x="6240354" y="2819567"/>
+            <a:ext cx="5481509" cy="3318050"/>
+          </a:xfrm>
+          <a:prstGeom prst="rect">
+            <a:avLst/>
+          </a:prstGeom>
+          <a:noFill/>
+          <a:extLst>
+            <a:ext uri="{909E8E84-426E-40DD-AFC4-6F175D3DCCD1}">
+              <a14:hiddenFill xmlns:a14="http://schemas.microsoft.com/office/drawing/2010/main">
+                <a:solidFill>
+                  <a:srgbClr val="FFFFFF"/>
+                </a:solidFill>
+              </a14:hiddenFill>
+            </a:ext>
+            <a:ext uri="{91240B29-F687-4F45-9708-019B960494DF}">
+              <a14:hiddenLine xmlns:a14="http://schemas.microsoft.com/office/drawing/2010/main" w="9525">
+                <a:solidFill>
+                  <a:srgbClr val="000000"/>
+                </a:solidFill>
+                <a:miter lim="800000"/>
+                <a:headEnd/>
+                <a:tailEnd/>
+              </a14:hiddenLine>
+            </a:ext>
+          </a:extLst>
+        </p:spPr>
+      </p:pic>
+      <p:pic>
+        <p:nvPicPr>
+          <p:cNvPr id="10242" name="Picture 1">
+            <a:extLst>
+              <a:ext uri="{FF2B5EF4-FFF2-40B4-BE49-F238E27FC236}">
+                <a16:creationId xmlns:a16="http://schemas.microsoft.com/office/drawing/2014/main" id="{C4969C06-9E3E-4E4C-B84B-4ECAFA0FF571}"/>
+              </a:ext>
+            </a:extLst>
+          </p:cNvPr>
+          <p:cNvPicPr>
+            <a:picLocks noChangeAspect="1" noChangeArrowheads="1"/>
+          </p:cNvPicPr>
+          <p:nvPr/>
+        </p:nvPicPr>
+        <p:blipFill>
+          <a:blip r:embed="rId3">
+            <a:extLst>
+              <a:ext uri="{28A0092B-C50C-407E-A947-70E740481C1C}">
+                <a14:useLocalDpi xmlns:a14="http://schemas.microsoft.com/office/drawing/2010/main" val="0"/>
+              </a:ext>
+            </a:extLst>
+          </a:blip>
+          <a:stretch>
+            <a:fillRect/>
+          </a:stretch>
+        </p:blipFill>
+        <p:spPr bwMode="auto">
+          <a:xfrm>
+            <a:off x="470137" y="2964002"/>
+            <a:ext cx="5523082" cy="3029179"/>
+          </a:xfrm>
+          <a:prstGeom prst="rect">
+            <a:avLst/>
+          </a:prstGeom>
+          <a:noFill/>
+          <a:extLst>
+            <a:ext uri="{909E8E84-426E-40DD-AFC4-6F175D3DCCD1}">
+              <a14:hiddenFill xmlns:a14="http://schemas.microsoft.com/office/drawing/2010/main">
+                <a:solidFill>
+                  <a:srgbClr val="FFFFFF"/>
+                </a:solidFill>
+              </a14:hiddenFill>
+            </a:ext>
+            <a:ext uri="{91240B29-F687-4F45-9708-019B960494DF}">
+              <a14:hiddenLine xmlns:a14="http://schemas.microsoft.com/office/drawing/2010/main" w="9525">
+                <a:solidFill>
+                  <a:srgbClr val="000000"/>
+                </a:solidFill>
+                <a:miter lim="800000"/>
+                <a:headEnd/>
+                <a:tailEnd/>
+              </a14:hiddenLine>
+            </a:ext>
+          </a:extLst>
+        </p:spPr>
+      </p:pic>
+    </p:spTree>
+    <p:extLst>
+      <p:ext uri="{BB962C8B-B14F-4D97-AF65-F5344CB8AC3E}">
+        <p14:creationId xmlns:p14="http://schemas.microsoft.com/office/powerpoint/2010/main" val="3562319215"/>
+      </p:ext>
+    </p:extLst>
+  </p:cSld>
+  <p:clrMapOvr>
+    <a:masterClrMapping/>
+  </p:clrMapOvr>
+</p:sld>
+</file>
+
+<file path=ppt/slides/slide17.xml><?xml version="1.0" encoding="utf-8"?>
+<p:sld xmlns:a="http://schemas.openxmlformats.org/drawingml/2006/main" xmlns:r="http://schemas.openxmlformats.org/officeDocument/2006/relationships" xmlns:p="http://schemas.openxmlformats.org/presentationml/2006/main">
+  <p:cSld>
+    <p:bg>
+      <p:bgPr>
+        <a:solidFill>
+          <a:schemeClr val="bg1"/>
+        </a:solidFill>
+        <a:effectLst/>
+      </p:bgPr>
+    </p:bg>
+    <p:spTree>
+      <p:nvGrpSpPr>
+        <p:cNvPr id="1" name=""/>
+        <p:cNvGrpSpPr/>
+        <p:nvPr/>
+      </p:nvGrpSpPr>
+      <p:grpSpPr>
+        <a:xfrm>
+          <a:off x="0" y="0"/>
+          <a:ext cx="0" cy="0"/>
+          <a:chOff x="0" y="0"/>
+          <a:chExt cx="0" cy="0"/>
+        </a:xfrm>
+      </p:grpSpPr>
+      <p:sp useBgFill="1">
+        <p:nvSpPr>
+          <p:cNvPr id="72" name="Rectangle 71">
+            <a:extLst>
+              <a:ext uri="{FF2B5EF4-FFF2-40B4-BE49-F238E27FC236}">
+                <a16:creationId xmlns:a16="http://schemas.microsoft.com/office/drawing/2014/main" id="{385E1BDC-A9B0-4A87-82E3-F3187F69A802}"/>
+              </a:ext>
+              <a:ext uri="{C183D7F6-B498-43B3-948B-1728B52AA6E4}">
+                <adec:decorative xmlns:adec="http://schemas.microsoft.com/office/drawing/2017/decorative" val="1"/>
+              </a:ext>
+            </a:extLst>
+          </p:cNvPr>
+          <p:cNvSpPr>
+            <a:spLocks noGrp="1" noRot="1" noChangeAspect="1" noMove="1" noResize="1" noEditPoints="1" noAdjustHandles="1" noChangeArrowheads="1" noChangeShapeType="1" noTextEdit="1"/>
+          </p:cNvSpPr>
+          <p:nvPr>
+            <p:extLst>
+              <p:ext uri="{386F3935-93C4-4BCD-93E2-E3B085C9AB24}">
+                <p16:designElem xmlns:p16="http://schemas.microsoft.com/office/powerpoint/2015/main" val="1"/>
+              </p:ext>
+            </p:extLst>
+          </p:nvPr>
+        </p:nvSpPr>
+        <p:spPr>
+          <a:xfrm>
+            <a:off x="0" y="0"/>
+            <a:ext cx="12192000" cy="6858000"/>
+          </a:xfrm>
+          <a:prstGeom prst="rect">
+            <a:avLst/>
+          </a:prstGeom>
+          <a:ln>
+            <a:noFill/>
+          </a:ln>
+        </p:spPr>
+        <p:style>
+          <a:lnRef idx="2">
+            <a:schemeClr val="accent1">
+              <a:shade val="50000"/>
+            </a:schemeClr>
+          </a:lnRef>
+          <a:fillRef idx="1">
+            <a:schemeClr val="accent1"/>
+          </a:fillRef>
+          <a:effectRef idx="0">
+            <a:schemeClr val="accent1"/>
+          </a:effectRef>
+          <a:fontRef idx="minor">
+            <a:schemeClr val="lt1"/>
+          </a:fontRef>
+        </p:style>
+        <p:txBody>
+          <a:bodyPr rtlCol="0" anchor="ctr"/>
+          <a:lstStyle/>
+          <a:p>
+            <a:pPr algn="ctr"/>
+            <a:endParaRPr lang="en-US"/>
+          </a:p>
+        </p:txBody>
+      </p:sp>
+      <p:sp useBgFill="1">
+        <p:nvSpPr>
+          <p:cNvPr id="74" name="Rectangle 73">
+            <a:extLst>
+              <a:ext uri="{FF2B5EF4-FFF2-40B4-BE49-F238E27FC236}">
+                <a16:creationId xmlns:a16="http://schemas.microsoft.com/office/drawing/2014/main" id="{0990C621-3B8B-4820-8328-D47EF7CE823C}"/>
+              </a:ext>
+              <a:ext uri="{C183D7F6-B498-43B3-948B-1728B52AA6E4}">
+                <adec:decorative xmlns:adec="http://schemas.microsoft.com/office/drawing/2017/decorative" val="1"/>
+              </a:ext>
+            </a:extLst>
+          </p:cNvPr>
+          <p:cNvSpPr>
+            <a:spLocks noGrp="1" noRot="1" noChangeAspect="1" noMove="1" noResize="1" noEditPoints="1" noAdjustHandles="1" noChangeArrowheads="1" noChangeShapeType="1" noTextEdit="1"/>
+          </p:cNvSpPr>
+          <p:nvPr>
+            <p:extLst>
+              <p:ext uri="{386F3935-93C4-4BCD-93E2-E3B085C9AB24}">
+                <p16:designElem xmlns:p16="http://schemas.microsoft.com/office/powerpoint/2015/main" val="1"/>
+              </p:ext>
+            </p:extLst>
+          </p:nvPr>
+        </p:nvSpPr>
+        <p:spPr>
+          <a:xfrm>
+            <a:off x="554416" y="365125"/>
+            <a:ext cx="11167447" cy="2089317"/>
+          </a:xfrm>
+          <a:prstGeom prst="rect">
+            <a:avLst/>
+          </a:prstGeom>
+          <a:ln w="12700">
+            <a:solidFill>
+              <a:srgbClr val="DEDEDE"/>
+            </a:solidFill>
+          </a:ln>
+          <a:effectLst>
+            <a:outerShdw blurRad="50800" dist="38100" dir="2700000" algn="tl" rotWithShape="0">
+              <a:schemeClr val="bg2">
+                <a:lumMod val="85000"/>
+                <a:alpha val="50000"/>
+              </a:schemeClr>
+            </a:outerShdw>
+          </a:effectLst>
+        </p:spPr>
+        <p:style>
+          <a:lnRef idx="2">
+            <a:schemeClr val="accent1">
+              <a:shade val="50000"/>
+            </a:schemeClr>
+          </a:lnRef>
+          <a:fillRef idx="1">
+            <a:schemeClr val="accent1"/>
+          </a:fillRef>
+          <a:effectRef idx="0">
+            <a:schemeClr val="accent1"/>
+          </a:effectRef>
+          <a:fontRef idx="minor">
+            <a:schemeClr val="lt1"/>
+          </a:fontRef>
+        </p:style>
+        <p:txBody>
+          <a:bodyPr rtlCol="0" anchor="ctr"/>
+          <a:lstStyle/>
+          <a:p>
+            <a:pPr marL="0" marR="0" lvl="0" indent="0" algn="ctr" defTabSz="914400" rtl="0" eaLnBrk="1" fontAlgn="auto" latinLnBrk="0" hangingPunct="1">
+              <a:lnSpc>
+                <a:spcPct val="100000"/>
+              </a:lnSpc>
+              <a:spcBef>
+                <a:spcPts val="0"/>
+              </a:spcBef>
+              <a:spcAft>
+                <a:spcPts val="0"/>
+              </a:spcAft>
+              <a:buClrTx/>
+              <a:buSzTx/>
+              <a:buFontTx/>
+              <a:buNone/>
+              <a:tabLst/>
+              <a:defRPr/>
+            </a:pPr>
+            <a:endParaRPr kumimoji="0" lang="en-US" sz="1800" b="0" i="0" u="none" strike="noStrike" kern="1200" cap="none" spc="0" normalizeH="0" baseline="0" noProof="0">
+              <a:ln>
+                <a:noFill/>
+              </a:ln>
+              <a:solidFill>
+                <a:prstClr val="white"/>
+              </a:solidFill>
+              <a:effectLst/>
+              <a:uLnTx/>
+              <a:uFillTx/>
+              <a:latin typeface="Calibri" panose="020F0502020204030204"/>
+              <a:ea typeface="+mn-ea"/>
+              <a:cs typeface="+mn-cs"/>
+            </a:endParaRPr>
+          </a:p>
+        </p:txBody>
+      </p:sp>
+      <p:sp>
+        <p:nvSpPr>
+          <p:cNvPr id="2" name="Title 1">
+            <a:extLst>
+              <a:ext uri="{FF2B5EF4-FFF2-40B4-BE49-F238E27FC236}">
+                <a16:creationId xmlns:a16="http://schemas.microsoft.com/office/drawing/2014/main" id="{CAFA4DCA-F2F7-4A39-A3D1-301990EBBE75}"/>
+              </a:ext>
+            </a:extLst>
+          </p:cNvPr>
+          <p:cNvSpPr>
+            <a:spLocks noGrp="1"/>
+          </p:cNvSpPr>
+          <p:nvPr>
+            <p:ph type="title"/>
+          </p:nvPr>
+        </p:nvSpPr>
+        <p:spPr>
+          <a:xfrm>
+            <a:off x="1051560" y="586822"/>
+            <a:ext cx="3657600" cy="1645920"/>
+          </a:xfrm>
+        </p:spPr>
+        <p:txBody>
+          <a:bodyPr>
+            <a:normAutofit/>
+          </a:bodyPr>
+          <a:lstStyle/>
+          <a:p>
+            <a:r>
+              <a:rPr lang="en-IN" sz="3200"/>
+              <a:t>Similarity table and graph</a:t>
+            </a:r>
+          </a:p>
+        </p:txBody>
+      </p:sp>
+      <p:sp>
+        <p:nvSpPr>
+          <p:cNvPr id="76" name="Rectangle 75">
+            <a:extLst>
+              <a:ext uri="{FF2B5EF4-FFF2-40B4-BE49-F238E27FC236}">
+                <a16:creationId xmlns:a16="http://schemas.microsoft.com/office/drawing/2014/main" id="{C1A2385B-1D2A-4E17-84FA-6CB7F0AAE473}"/>
+              </a:ext>
+              <a:ext uri="{C183D7F6-B498-43B3-948B-1728B52AA6E4}">
+                <adec:decorative xmlns:adec="http://schemas.microsoft.com/office/drawing/2017/decorative" val="1"/>
+              </a:ext>
+            </a:extLst>
+          </p:cNvPr>
+          <p:cNvSpPr>
+            <a:spLocks noGrp="1" noRot="1" noChangeAspect="1" noMove="1" noResize="1" noEditPoints="1" noAdjustHandles="1" noChangeArrowheads="1" noChangeShapeType="1" noTextEdit="1"/>
+          </p:cNvSpPr>
+          <p:nvPr>
+            <p:extLst>
+              <p:ext uri="{386F3935-93C4-4BCD-93E2-E3B085C9AB24}">
+                <p16:designElem xmlns:p16="http://schemas.microsoft.com/office/powerpoint/2015/main" val="1"/>
+              </p:ext>
+            </p:extLst>
+          </p:nvPr>
+        </p:nvSpPr>
+        <p:spPr>
+          <a:xfrm>
+            <a:off x="490408" y="1057739"/>
+            <a:ext cx="128016" cy="704088"/>
+          </a:xfrm>
+          <a:prstGeom prst="rect">
+            <a:avLst/>
+          </a:prstGeom>
+          <a:solidFill>
+            <a:schemeClr val="accent2"/>
+          </a:solidFill>
+          <a:ln>
+            <a:noFill/>
+          </a:ln>
+        </p:spPr>
+        <p:style>
+          <a:lnRef idx="2">
+            <a:schemeClr val="accent1">
+              <a:shade val="50000"/>
+            </a:schemeClr>
+          </a:lnRef>
+          <a:fillRef idx="1">
+            <a:schemeClr val="accent1"/>
+          </a:fillRef>
+          <a:effectRef idx="0">
+            <a:schemeClr val="accent1"/>
+          </a:effectRef>
+          <a:fontRef idx="minor">
+            <a:schemeClr val="lt1"/>
+          </a:fontRef>
+        </p:style>
+        <p:txBody>
+          <a:bodyPr rtlCol="0" anchor="ctr"/>
+          <a:lstStyle/>
+          <a:p>
+            <a:pPr algn="ctr"/>
+            <a:endParaRPr lang="en-US" dirty="0">
+              <a:solidFill>
+                <a:prstClr val="white"/>
+              </a:solidFill>
+              <a:latin typeface="Calibri" panose="020F0502020204030204"/>
+            </a:endParaRPr>
+          </a:p>
+        </p:txBody>
+      </p:sp>
+      <p:sp>
+        <p:nvSpPr>
+          <p:cNvPr id="78" name="Rectangle 77">
+            <a:extLst>
+              <a:ext uri="{FF2B5EF4-FFF2-40B4-BE49-F238E27FC236}">
+                <a16:creationId xmlns:a16="http://schemas.microsoft.com/office/drawing/2014/main" id="{5E791F2F-79DB-4CC0-9FA1-001E3E91E8B7}"/>
+              </a:ext>
+              <a:ext uri="{C183D7F6-B498-43B3-948B-1728B52AA6E4}">
+                <adec:decorative xmlns:adec="http://schemas.microsoft.com/office/drawing/2017/decorative" val="1"/>
+              </a:ext>
+            </a:extLst>
+          </p:cNvPr>
+          <p:cNvSpPr>
+            <a:spLocks noGrp="1" noRot="1" noChangeAspect="1" noMove="1" noResize="1" noEditPoints="1" noAdjustHandles="1" noChangeArrowheads="1" noChangeShapeType="1" noTextEdit="1"/>
+          </p:cNvSpPr>
+          <p:nvPr>
+            <p:extLst>
+              <p:ext uri="{386F3935-93C4-4BCD-93E2-E3B085C9AB24}">
+                <p16:designElem xmlns:p16="http://schemas.microsoft.com/office/powerpoint/2015/main" val="1"/>
+              </p:ext>
+            </p:extLst>
+          </p:nvPr>
+        </p:nvSpPr>
+        <p:spPr>
+          <a:xfrm rot="5400000">
+            <a:off x="4243541" y="1400638"/>
+            <a:ext cx="1463040" cy="18288"/>
+          </a:xfrm>
+          <a:prstGeom prst="rect">
+            <a:avLst/>
+          </a:prstGeom>
+          <a:solidFill>
+            <a:srgbClr val="D5D5D5"/>
+          </a:solidFill>
+          <a:ln w="3175">
+            <a:noFill/>
+          </a:ln>
+          <a:effectLst/>
+        </p:spPr>
+        <p:style>
+          <a:lnRef idx="2">
+            <a:schemeClr val="accent1">
+              <a:shade val="50000"/>
+            </a:schemeClr>
+          </a:lnRef>
+          <a:fillRef idx="1">
+            <a:schemeClr val="accent1"/>
+          </a:fillRef>
+          <a:effectRef idx="0">
+            <a:schemeClr val="accent1"/>
+          </a:effectRef>
+          <a:fontRef idx="minor">
+            <a:schemeClr val="lt1"/>
+          </a:fontRef>
+        </p:style>
+        <p:txBody>
+          <a:bodyPr rtlCol="0" anchor="ctr"/>
+          <a:lstStyle/>
+          <a:p>
+            <a:pPr marL="0" marR="0" lvl="0" indent="0" algn="ctr" defTabSz="914400" rtl="0" eaLnBrk="1" fontAlgn="auto" latinLnBrk="0" hangingPunct="1">
+              <a:lnSpc>
+                <a:spcPct val="100000"/>
+              </a:lnSpc>
+              <a:spcBef>
+                <a:spcPts val="0"/>
+              </a:spcBef>
+              <a:spcAft>
+                <a:spcPts val="0"/>
+              </a:spcAft>
+              <a:buClrTx/>
+              <a:buSzTx/>
+              <a:buFontTx/>
+              <a:buNone/>
+              <a:tabLst/>
+              <a:defRPr/>
+            </a:pPr>
+            <a:endParaRPr kumimoji="0" lang="en-US" sz="1800" b="0" i="0" u="none" strike="noStrike" kern="1200" cap="none" spc="0" normalizeH="0" baseline="0" noProof="0">
+              <a:ln>
+                <a:noFill/>
+              </a:ln>
+              <a:solidFill>
+                <a:prstClr val="white"/>
+              </a:solidFill>
+              <a:effectLst/>
+              <a:uLnTx/>
+              <a:uFillTx/>
+              <a:latin typeface="Calibri" panose="020F0502020204030204"/>
+              <a:ea typeface="+mn-ea"/>
+              <a:cs typeface="+mn-cs"/>
+            </a:endParaRPr>
+          </a:p>
+        </p:txBody>
+      </p:sp>
+      <p:sp>
+        <p:nvSpPr>
+          <p:cNvPr id="3" name="Content Placeholder 2">
+            <a:extLst>
+              <a:ext uri="{FF2B5EF4-FFF2-40B4-BE49-F238E27FC236}">
+                <a16:creationId xmlns:a16="http://schemas.microsoft.com/office/drawing/2014/main" id="{7BE90F5D-B3AE-4E0A-AE74-5906D16A8FD4}"/>
+              </a:ext>
+            </a:extLst>
+          </p:cNvPr>
+          <p:cNvSpPr>
+            <a:spLocks noGrp="1"/>
+          </p:cNvSpPr>
+          <p:nvPr>
+            <p:ph idx="1"/>
+          </p:nvPr>
+        </p:nvSpPr>
+        <p:spPr>
+          <a:xfrm>
+            <a:off x="5250106" y="586822"/>
+            <a:ext cx="6106742" cy="1645920"/>
+          </a:xfrm>
+        </p:spPr>
+        <p:txBody>
+          <a:bodyPr anchor="ctr">
+            <a:normAutofit/>
+          </a:bodyPr>
+          <a:lstStyle/>
+          <a:p>
+            <a:r>
+              <a:rPr lang="en-IN" sz="1800" dirty="0"/>
+              <a:t>Similarity table and graph for input image </a:t>
+            </a:r>
+            <a:r>
+              <a:rPr lang="en-IN" sz="1800" dirty="0">
+                <a:solidFill>
+                  <a:srgbClr val="C00000"/>
+                </a:solidFill>
+              </a:rPr>
+              <a:t>I-09</a:t>
+            </a:r>
+            <a:r>
+              <a:rPr lang="en-IN" sz="1800" dirty="0"/>
+              <a:t> with other images (I-00 to I-09)</a:t>
+            </a:r>
+          </a:p>
+          <a:p>
+            <a:r>
+              <a:rPr lang="en-IN" sz="1800"/>
+              <a:t>From the similarity percentage which is in the table, I have drawn a graph for better understanding.</a:t>
+            </a:r>
+          </a:p>
+        </p:txBody>
+      </p:sp>
+      <p:pic>
+        <p:nvPicPr>
+          <p:cNvPr id="11267" name="Picture 1">
+            <a:extLst>
+              <a:ext uri="{FF2B5EF4-FFF2-40B4-BE49-F238E27FC236}">
+                <a16:creationId xmlns:a16="http://schemas.microsoft.com/office/drawing/2014/main" id="{C429DFE8-4AF1-41CC-9AF4-999A5A62B48E}"/>
+              </a:ext>
+            </a:extLst>
+          </p:cNvPr>
+          <p:cNvPicPr>
+            <a:picLocks noChangeAspect="1" noChangeArrowheads="1"/>
+          </p:cNvPicPr>
+          <p:nvPr/>
+        </p:nvPicPr>
+        <p:blipFill>
+          <a:blip r:embed="rId2">
+            <a:extLst>
+              <a:ext uri="{28A0092B-C50C-407E-A947-70E740481C1C}">
+                <a14:useLocalDpi xmlns:a14="http://schemas.microsoft.com/office/drawing/2010/main" val="0"/>
+              </a:ext>
+            </a:extLst>
+          </a:blip>
+          <a:stretch>
+            <a:fillRect/>
+          </a:stretch>
+        </p:blipFill>
+        <p:spPr bwMode="auto">
+          <a:xfrm>
+            <a:off x="6240354" y="2804503"/>
+            <a:ext cx="5481509" cy="3333652"/>
+          </a:xfrm>
+          <a:prstGeom prst="rect">
+            <a:avLst/>
+          </a:prstGeom>
+          <a:noFill/>
+          <a:extLst>
+            <a:ext uri="{909E8E84-426E-40DD-AFC4-6F175D3DCCD1}">
+              <a14:hiddenFill xmlns:a14="http://schemas.microsoft.com/office/drawing/2010/main">
+                <a:solidFill>
+                  <a:srgbClr val="FFFFFF"/>
+                </a:solidFill>
+              </a14:hiddenFill>
+            </a:ext>
+            <a:ext uri="{91240B29-F687-4F45-9708-019B960494DF}">
+              <a14:hiddenLine xmlns:a14="http://schemas.microsoft.com/office/drawing/2010/main" w="9525">
+                <a:solidFill>
+                  <a:srgbClr val="000000"/>
+                </a:solidFill>
+                <a:miter lim="800000"/>
+                <a:headEnd/>
+                <a:tailEnd/>
+              </a14:hiddenLine>
+            </a:ext>
+          </a:extLst>
+        </p:spPr>
+      </p:pic>
+      <p:pic>
+        <p:nvPicPr>
+          <p:cNvPr id="11266" name="Picture 1">
+            <a:extLst>
+              <a:ext uri="{FF2B5EF4-FFF2-40B4-BE49-F238E27FC236}">
+                <a16:creationId xmlns:a16="http://schemas.microsoft.com/office/drawing/2014/main" id="{26ACDAD7-16FA-47A5-8807-D27C875AE91D}"/>
+              </a:ext>
+            </a:extLst>
+          </p:cNvPr>
+          <p:cNvPicPr>
+            <a:picLocks noChangeAspect="1" noChangeArrowheads="1"/>
+          </p:cNvPicPr>
+          <p:nvPr/>
+        </p:nvPicPr>
+        <p:blipFill>
+          <a:blip r:embed="rId3">
+            <a:extLst>
+              <a:ext uri="{28A0092B-C50C-407E-A947-70E740481C1C}">
+                <a14:useLocalDpi xmlns:a14="http://schemas.microsoft.com/office/drawing/2010/main" val="0"/>
+              </a:ext>
+            </a:extLst>
+          </a:blip>
+          <a:stretch>
+            <a:fillRect/>
+          </a:stretch>
+        </p:blipFill>
+        <p:spPr bwMode="auto">
+          <a:xfrm>
+            <a:off x="490408" y="2962822"/>
+            <a:ext cx="5523082" cy="3017013"/>
+          </a:xfrm>
+          <a:prstGeom prst="rect">
+            <a:avLst/>
+          </a:prstGeom>
+          <a:noFill/>
+          <a:extLst>
+            <a:ext uri="{909E8E84-426E-40DD-AFC4-6F175D3DCCD1}">
+              <a14:hiddenFill xmlns:a14="http://schemas.microsoft.com/office/drawing/2010/main">
+                <a:solidFill>
+                  <a:srgbClr val="FFFFFF"/>
+                </a:solidFill>
+              </a14:hiddenFill>
+            </a:ext>
+            <a:ext uri="{91240B29-F687-4F45-9708-019B960494DF}">
+              <a14:hiddenLine xmlns:a14="http://schemas.microsoft.com/office/drawing/2010/main" w="9525">
+                <a:solidFill>
+                  <a:srgbClr val="000000"/>
+                </a:solidFill>
+                <a:miter lim="800000"/>
+                <a:headEnd/>
+                <a:tailEnd/>
+              </a14:hiddenLine>
+            </a:ext>
+          </a:extLst>
+        </p:spPr>
+      </p:pic>
+    </p:spTree>
+    <p:extLst>
+      <p:ext uri="{BB962C8B-B14F-4D97-AF65-F5344CB8AC3E}">
+        <p14:creationId xmlns:p14="http://schemas.microsoft.com/office/powerpoint/2010/main" val="1109253724"/>
+      </p:ext>
+    </p:extLst>
+  </p:cSld>
+  <p:clrMapOvr>
+    <a:masterClrMapping/>
+  </p:clrMapOvr>
+</p:sld>
+</file>
+
+<file path=ppt/slides/slide2.xml><?xml version="1.0" encoding="utf-8"?>
+<p:sld xmlns:a="http://schemas.openxmlformats.org/drawingml/2006/main" xmlns:r="http://schemas.openxmlformats.org/officeDocument/2006/relationships" xmlns:p="http://schemas.openxmlformats.org/presentationml/2006/main">
+  <p:cSld>
+    <p:spTree>
+      <p:nvGrpSpPr>
+        <p:cNvPr id="1" name=""/>
+        <p:cNvGrpSpPr/>
+        <p:nvPr/>
+      </p:nvGrpSpPr>
+      <p:grpSpPr>
+        <a:xfrm>
+          <a:off x="0" y="0"/>
+          <a:ext cx="0" cy="0"/>
+          <a:chOff x="0" y="0"/>
+          <a:chExt cx="0" cy="0"/>
+        </a:xfrm>
+      </p:grpSpPr>
+      <p:sp>
+        <p:nvSpPr>
+          <p:cNvPr id="2" name="Title 1">
+            <a:extLst>
+              <a:ext uri="{FF2B5EF4-FFF2-40B4-BE49-F238E27FC236}">
+                <a16:creationId xmlns:a16="http://schemas.microsoft.com/office/drawing/2014/main" id="{C4D571F7-AD2E-4551-BC29-9F2D12C8EFD0}"/>
+              </a:ext>
+            </a:extLst>
+          </p:cNvPr>
+          <p:cNvSpPr>
+            <a:spLocks noGrp="1"/>
+          </p:cNvSpPr>
+          <p:nvPr>
+            <p:ph type="title"/>
+          </p:nvPr>
+        </p:nvSpPr>
+        <p:spPr/>
+        <p:txBody>
+          <a:bodyPr/>
+          <a:lstStyle/>
+          <a:p>
+            <a:r>
+              <a:rPr lang="en-IN" sz="4400" dirty="0" err="1"/>
+              <a:t>Inout</a:t>
+            </a:r>
+            <a:r>
+              <a:rPr lang="en-IN" sz="4400" dirty="0"/>
+              <a:t> and SDR image</a:t>
+            </a:r>
+            <a:endParaRPr lang="en-IN" dirty="0"/>
+          </a:p>
+        </p:txBody>
+      </p:sp>
+      <p:sp>
+        <p:nvSpPr>
+          <p:cNvPr id="3" name="Content Placeholder 2">
+            <a:extLst>
+              <a:ext uri="{FF2B5EF4-FFF2-40B4-BE49-F238E27FC236}">
+                <a16:creationId xmlns:a16="http://schemas.microsoft.com/office/drawing/2014/main" id="{3332EC74-37D9-4B7F-9A06-368F5FD7B023}"/>
+              </a:ext>
+            </a:extLst>
+          </p:cNvPr>
+          <p:cNvSpPr>
+            <a:spLocks noGrp="1"/>
+          </p:cNvSpPr>
+          <p:nvPr>
+            <p:ph idx="1"/>
+          </p:nvPr>
+        </p:nvSpPr>
+        <p:spPr/>
+        <p:txBody>
+          <a:bodyPr/>
+          <a:lstStyle/>
+          <a:p>
+            <a:r>
+              <a:rPr lang="en-IN" sz="2000" dirty="0"/>
+              <a:t>Created an images with increasing the number of non-zero input bits from 5% to 90 %.</a:t>
+            </a:r>
+          </a:p>
+          <a:p>
+            <a:r>
+              <a:rPr lang="en-IN" sz="2000" dirty="0"/>
+              <a:t>Potential radius: </a:t>
+            </a:r>
+            <a:r>
+              <a:rPr lang="en-US" sz="2000" dirty="0">
+                <a:solidFill>
+                  <a:srgbClr val="000000"/>
+                </a:solidFill>
+              </a:rPr>
+              <a:t>Defines the radius in number of input cells visible to column cells.</a:t>
+            </a:r>
+          </a:p>
+          <a:p>
+            <a:r>
+              <a:rPr lang="en-US" sz="2000" dirty="0">
+                <a:solidFill>
+                  <a:srgbClr val="000000"/>
+                </a:solidFill>
+              </a:rPr>
+              <a:t>To calculate Potential radius here is the formula mentioned in the code</a:t>
+            </a:r>
+          </a:p>
+          <a:p>
+            <a:pPr marL="0" indent="0" algn="ctr">
+              <a:buNone/>
+            </a:pPr>
+            <a:r>
+              <a:rPr lang="en-IN" sz="1800" dirty="0" err="1">
+                <a:solidFill>
+                  <a:srgbClr val="000000"/>
+                </a:solidFill>
+                <a:latin typeface="Consolas" panose="020B0609020204030204" pitchFamily="49" charset="0"/>
+              </a:rPr>
+              <a:t>PotentialRadius</a:t>
+            </a:r>
+            <a:r>
+              <a:rPr lang="en-IN" sz="1800" dirty="0">
+                <a:solidFill>
+                  <a:srgbClr val="000000"/>
+                </a:solidFill>
+                <a:latin typeface="Consolas" panose="020B0609020204030204" pitchFamily="49" charset="0"/>
+              </a:rPr>
+              <a:t> = (</a:t>
+            </a:r>
+            <a:r>
+              <a:rPr lang="en-IN" sz="1800" dirty="0">
+                <a:solidFill>
+                  <a:srgbClr val="0000FF"/>
+                </a:solidFill>
+                <a:latin typeface="Consolas" panose="020B0609020204030204" pitchFamily="49" charset="0"/>
+              </a:rPr>
+              <a:t>int</a:t>
+            </a:r>
+            <a:r>
+              <a:rPr lang="en-IN" sz="1800" dirty="0">
+                <a:solidFill>
+                  <a:srgbClr val="000000"/>
+                </a:solidFill>
+                <a:latin typeface="Consolas" panose="020B0609020204030204" pitchFamily="49" charset="0"/>
+              </a:rPr>
+              <a:t>)(</a:t>
+            </a:r>
+            <a:r>
+              <a:rPr lang="en-IN" sz="1800" dirty="0" err="1">
+                <a:solidFill>
+                  <a:srgbClr val="000000"/>
+                </a:solidFill>
+                <a:latin typeface="Consolas" panose="020B0609020204030204" pitchFamily="49" charset="0"/>
+              </a:rPr>
+              <a:t>potentialRadiusValue</a:t>
+            </a:r>
+            <a:r>
+              <a:rPr lang="en-IN" sz="1800" dirty="0">
+                <a:solidFill>
+                  <a:srgbClr val="000000"/>
+                </a:solidFill>
+                <a:latin typeface="Consolas" panose="020B0609020204030204" pitchFamily="49" charset="0"/>
+              </a:rPr>
+              <a:t> * </a:t>
+            </a:r>
+            <a:r>
+              <a:rPr lang="en-IN" sz="1800" dirty="0" err="1">
+                <a:solidFill>
+                  <a:srgbClr val="000000"/>
+                </a:solidFill>
+                <a:latin typeface="Consolas" panose="020B0609020204030204" pitchFamily="49" charset="0"/>
+              </a:rPr>
+              <a:t>inputBits</a:t>
+            </a:r>
+            <a:r>
+              <a:rPr lang="en-IN" sz="1800" dirty="0">
+                <a:solidFill>
+                  <a:srgbClr val="000000"/>
+                </a:solidFill>
+                <a:latin typeface="Consolas" panose="020B0609020204030204" pitchFamily="49" charset="0"/>
+              </a:rPr>
+              <a:t>)</a:t>
+            </a:r>
+            <a:endParaRPr lang="en-IN" dirty="0"/>
+          </a:p>
+          <a:p>
+            <a:pPr marL="0" indent="0">
+              <a:buNone/>
+            </a:pPr>
+            <a:r>
+              <a:rPr lang="en-IN" sz="1400" dirty="0"/>
+              <a:t>where, input bits = image size * image size </a:t>
+            </a:r>
+          </a:p>
+          <a:p>
+            <a:pPr marL="0" indent="0">
+              <a:buNone/>
+            </a:pPr>
+            <a:r>
+              <a:rPr lang="en-IN" sz="1400" dirty="0"/>
+              <a:t>              </a:t>
+            </a:r>
+            <a:r>
+              <a:rPr lang="en-IN" sz="1400" dirty="0" err="1"/>
+              <a:t>PotentialRadiusValue</a:t>
+            </a:r>
+            <a:r>
+              <a:rPr lang="en-IN" sz="1400" dirty="0"/>
+              <a:t> = can mention different values to check the similarity</a:t>
+            </a:r>
+          </a:p>
+          <a:p>
+            <a:r>
+              <a:rPr lang="en-IN" sz="2000" dirty="0"/>
+              <a:t>With 15* 15 pixel images (image size) , and few </a:t>
+            </a:r>
+            <a:r>
+              <a:rPr lang="en-IN" sz="2000" dirty="0" err="1"/>
+              <a:t>PotentialRadiusValue</a:t>
+            </a:r>
+            <a:r>
+              <a:rPr lang="en-IN" sz="2000" dirty="0"/>
+              <a:t> mentioned are 0.25, 0.3, 0.4, 0.45</a:t>
+            </a:r>
+          </a:p>
+          <a:p>
+            <a:r>
+              <a:rPr lang="en-IN" sz="2000" dirty="0"/>
+              <a:t>When </a:t>
+            </a:r>
+            <a:r>
+              <a:rPr lang="en-IN" sz="2000" dirty="0" err="1"/>
+              <a:t>PotentialRadiusValue</a:t>
+            </a:r>
+            <a:r>
+              <a:rPr lang="en-IN" sz="2000" dirty="0"/>
+              <a:t> is 0.25 then by about equation the </a:t>
+            </a:r>
+            <a:r>
+              <a:rPr lang="en-IN" sz="2000" b="1" dirty="0"/>
+              <a:t>Potential Radius would be 56</a:t>
+            </a:r>
+            <a:r>
+              <a:rPr lang="en-IN" sz="2000" dirty="0"/>
+              <a:t>.</a:t>
+            </a:r>
+          </a:p>
+          <a:p>
+            <a:r>
+              <a:rPr lang="en-IN" sz="2000" dirty="0"/>
+              <a:t>Similarity calculating for 0.3, 0.4, 0.45 the Potential Radius would be 67,90 and 101 respectively.</a:t>
+            </a:r>
+          </a:p>
+        </p:txBody>
+      </p:sp>
+      <p:sp>
+        <p:nvSpPr>
+          <p:cNvPr id="4" name="Rectangle 3">
+            <a:extLst>
+              <a:ext uri="{FF2B5EF4-FFF2-40B4-BE49-F238E27FC236}">
+                <a16:creationId xmlns:a16="http://schemas.microsoft.com/office/drawing/2014/main" id="{126D2C3A-9EBA-49F5-9B92-2828203FD001}"/>
+              </a:ext>
+            </a:extLst>
+          </p:cNvPr>
+          <p:cNvSpPr/>
+          <p:nvPr/>
+        </p:nvSpPr>
+        <p:spPr>
+          <a:xfrm>
+            <a:off x="2398643" y="2968487"/>
+            <a:ext cx="7354957" cy="357809"/>
+          </a:xfrm>
+          <a:prstGeom prst="rect">
+            <a:avLst/>
+          </a:prstGeom>
+          <a:noFill/>
+          <a:ln>
+            <a:solidFill>
+              <a:schemeClr val="tx1"/>
+            </a:solidFill>
+          </a:ln>
+        </p:spPr>
+        <p:style>
+          <a:lnRef idx="2">
+            <a:schemeClr val="accent6"/>
+          </a:lnRef>
+          <a:fillRef idx="1">
+            <a:schemeClr val="lt1"/>
+          </a:fillRef>
+          <a:effectRef idx="0">
+            <a:schemeClr val="accent6"/>
+          </a:effectRef>
+          <a:fontRef idx="minor">
+            <a:schemeClr val="dk1"/>
+          </a:fontRef>
+        </p:style>
+        <p:txBody>
+          <a:bodyPr rtlCol="0" anchor="ctr"/>
+          <a:lstStyle/>
+          <a:p>
+            <a:pPr algn="ctr"/>
+            <a:endParaRPr lang="en-IN"/>
+          </a:p>
+        </p:txBody>
+      </p:sp>
+    </p:spTree>
+    <p:extLst>
+      <p:ext uri="{BB962C8B-B14F-4D97-AF65-F5344CB8AC3E}">
+        <p14:creationId xmlns:p14="http://schemas.microsoft.com/office/powerpoint/2010/main" val="4254288569"/>
       </p:ext>
     </p:extLst>
   </p:cSld>
@@ -4001,7 +8252,7 @@
       </p:grpSpPr>
       <p:sp>
         <p:nvSpPr>
-          <p:cNvPr id="32" name="Down Arrow 7">
+          <p:cNvPr id="30" name="Down Arrow 7">
             <a:extLst>
               <a:ext uri="{FF2B5EF4-FFF2-40B4-BE49-F238E27FC236}">
                 <a16:creationId xmlns:a16="http://schemas.microsoft.com/office/drawing/2014/main" id="{73DE2CFE-42F2-48F0-8706-5264E012B10C}"/>
@@ -4096,10 +8347,10 @@
       </p:sp>
       <p:pic>
         <p:nvPicPr>
-          <p:cNvPr id="11" name="Picture 10">
-            <a:extLst>
-              <a:ext uri="{FF2B5EF4-FFF2-40B4-BE49-F238E27FC236}">
-                <a16:creationId xmlns:a16="http://schemas.microsoft.com/office/drawing/2014/main" id="{A8A08AC2-5516-4D8F-9DF0-3E7DC6877115}"/>
+          <p:cNvPr id="5" name="Content Placeholder 4">
+            <a:extLst>
+              <a:ext uri="{FF2B5EF4-FFF2-40B4-BE49-F238E27FC236}">
+                <a16:creationId xmlns:a16="http://schemas.microsoft.com/office/drawing/2014/main" id="{969FF7BB-33E4-48AC-B726-694AD8980BF2}"/>
               </a:ext>
             </a:extLst>
           </p:cNvPr>
@@ -4116,8 +8367,8 @@
         </p:blipFill>
         <p:spPr>
           <a:xfrm>
-            <a:off x="3223321" y="3432175"/>
-            <a:ext cx="1976438" cy="947738"/>
+            <a:off x="1287463" y="3392488"/>
+            <a:ext cx="1989138" cy="931863"/>
           </a:xfrm>
           <a:prstGeom prst="rect">
             <a:avLst/>
@@ -4129,7 +8380,7 @@
           <p:cNvPr id="23" name="Picture 22">
             <a:extLst>
               <a:ext uri="{FF2B5EF4-FFF2-40B4-BE49-F238E27FC236}">
-                <a16:creationId xmlns:a16="http://schemas.microsoft.com/office/drawing/2014/main" id="{FAFBBAD7-4583-41F4-811B-F6E2D0D6307E}"/>
+                <a16:creationId xmlns:a16="http://schemas.microsoft.com/office/drawing/2014/main" id="{59583A37-AA64-4C89-9979-B7432B046481}"/>
               </a:ext>
             </a:extLst>
           </p:cNvPr>
@@ -4146,8 +8397,8 @@
         </p:blipFill>
         <p:spPr>
           <a:xfrm>
-            <a:off x="5282354" y="4421789"/>
-            <a:ext cx="1976438" cy="949325"/>
+            <a:off x="7315001" y="4368129"/>
+            <a:ext cx="1989138" cy="957263"/>
           </a:xfrm>
           <a:prstGeom prst="rect">
             <a:avLst/>
@@ -4156,17 +8407,19 @@
       </p:pic>
       <p:pic>
         <p:nvPicPr>
-          <p:cNvPr id="7" name="Picture 6">
-            <a:extLst>
-              <a:ext uri="{FF2B5EF4-FFF2-40B4-BE49-F238E27FC236}">
-                <a16:creationId xmlns:a16="http://schemas.microsoft.com/office/drawing/2014/main" id="{A7642EEE-BD29-4C14-8413-96F6381D39DD}"/>
+          <p:cNvPr id="9" name="Content Placeholder 8">
+            <a:extLst>
+              <a:ext uri="{FF2B5EF4-FFF2-40B4-BE49-F238E27FC236}">
+                <a16:creationId xmlns:a16="http://schemas.microsoft.com/office/drawing/2014/main" id="{A600DD58-D0F1-4DD1-890F-E83F678DF984}"/>
               </a:ext>
             </a:extLst>
           </p:cNvPr>
           <p:cNvPicPr>
-            <a:picLocks noChangeAspect="1"/>
+            <a:picLocks noGrp="1" noChangeAspect="1"/>
           </p:cNvPicPr>
-          <p:nvPr/>
+          <p:nvPr>
+            <p:ph idx="1"/>
+          </p:nvPr>
         </p:nvPicPr>
         <p:blipFill>
           <a:blip r:embed="rId4"/>
@@ -4176,29 +8429,24 @@
         </p:blipFill>
         <p:spPr>
           <a:xfrm>
-            <a:off x="1281015" y="3415313"/>
-            <a:ext cx="1906588" cy="982663"/>
-          </a:xfrm>
-          <a:prstGeom prst="rect">
-            <a:avLst/>
-          </a:prstGeom>
+            <a:off x="3343275" y="3392488"/>
+            <a:ext cx="1946275" cy="947738"/>
+          </a:xfrm>
         </p:spPr>
       </p:pic>
       <p:pic>
         <p:nvPicPr>
-          <p:cNvPr id="15" name="Content Placeholder 14">
-            <a:extLst>
-              <a:ext uri="{FF2B5EF4-FFF2-40B4-BE49-F238E27FC236}">
-                <a16:creationId xmlns:a16="http://schemas.microsoft.com/office/drawing/2014/main" id="{660E1E86-1D15-4A80-A0FF-3756E34387AA}"/>
+          <p:cNvPr id="21" name="Picture 20">
+            <a:extLst>
+              <a:ext uri="{FF2B5EF4-FFF2-40B4-BE49-F238E27FC236}">
+                <a16:creationId xmlns:a16="http://schemas.microsoft.com/office/drawing/2014/main" id="{9CE34434-7184-4623-9EB5-AD7AA9560556}"/>
               </a:ext>
             </a:extLst>
           </p:cNvPr>
           <p:cNvPicPr>
-            <a:picLocks noGrp="1" noChangeAspect="1"/>
+            <a:picLocks noChangeAspect="1"/>
           </p:cNvPicPr>
-          <p:nvPr>
-            <p:ph idx="1"/>
-          </p:nvPr>
+          <p:nvPr/>
         </p:nvPicPr>
         <p:blipFill>
           <a:blip r:embed="rId5"/>
@@ -4208,17 +8456,20 @@
         </p:blipFill>
         <p:spPr>
           <a:xfrm>
-            <a:off x="7236520" y="3429228"/>
-            <a:ext cx="1906588" cy="914400"/>
-          </a:xfrm>
+            <a:off x="5325493" y="4371975"/>
+            <a:ext cx="1946275" cy="941388"/>
+          </a:xfrm>
+          <a:prstGeom prst="rect">
+            <a:avLst/>
+          </a:prstGeom>
         </p:spPr>
       </p:pic>
       <p:pic>
         <p:nvPicPr>
-          <p:cNvPr id="17" name="Picture 16">
-            <a:extLst>
-              <a:ext uri="{FF2B5EF4-FFF2-40B4-BE49-F238E27FC236}">
-                <a16:creationId xmlns:a16="http://schemas.microsoft.com/office/drawing/2014/main" id="{EF31D410-89B0-4F71-8813-1E214BFBB1C6}"/>
+          <p:cNvPr id="19" name="Picture 18">
+            <a:extLst>
+              <a:ext uri="{FF2B5EF4-FFF2-40B4-BE49-F238E27FC236}">
+                <a16:creationId xmlns:a16="http://schemas.microsoft.com/office/drawing/2014/main" id="{C9100F73-D94C-466C-A057-26AED255A573}"/>
               </a:ext>
             </a:extLst>
           </p:cNvPr>
@@ -4235,8 +8486,8 @@
         </p:blipFill>
         <p:spPr>
           <a:xfrm>
-            <a:off x="9178826" y="3426425"/>
-            <a:ext cx="1965325" cy="960438"/>
+            <a:off x="3342335" y="4359275"/>
+            <a:ext cx="1939925" cy="954088"/>
           </a:xfrm>
           <a:prstGeom prst="rect">
             <a:avLst/>
@@ -4245,10 +8496,10 @@
       </p:pic>
       <p:pic>
         <p:nvPicPr>
-          <p:cNvPr id="13" name="Picture 12">
-            <a:extLst>
-              <a:ext uri="{FF2B5EF4-FFF2-40B4-BE49-F238E27FC236}">
-                <a16:creationId xmlns:a16="http://schemas.microsoft.com/office/drawing/2014/main" id="{C6461118-E679-49CD-A871-A0B5E85FC237}"/>
+          <p:cNvPr id="15" name="Picture 14">
+            <a:extLst>
+              <a:ext uri="{FF2B5EF4-FFF2-40B4-BE49-F238E27FC236}">
+                <a16:creationId xmlns:a16="http://schemas.microsoft.com/office/drawing/2014/main" id="{37D899A8-F18D-4B28-A1B7-88A9F06BB850}"/>
               </a:ext>
             </a:extLst>
           </p:cNvPr>
@@ -4265,8 +8516,8 @@
         </p:blipFill>
         <p:spPr>
           <a:xfrm>
-            <a:off x="5235477" y="3426425"/>
-            <a:ext cx="1965325" cy="936625"/>
+            <a:off x="9304139" y="3390900"/>
+            <a:ext cx="1939925" cy="935038"/>
           </a:xfrm>
           <a:prstGeom prst="rect">
             <a:avLst/>
@@ -4275,10 +8526,10 @@
       </p:pic>
       <p:pic>
         <p:nvPicPr>
-          <p:cNvPr id="19" name="Picture 18">
-            <a:extLst>
-              <a:ext uri="{FF2B5EF4-FFF2-40B4-BE49-F238E27FC236}">
-                <a16:creationId xmlns:a16="http://schemas.microsoft.com/office/drawing/2014/main" id="{1ACC9774-D634-4C8B-878F-1231C705DA16}"/>
+          <p:cNvPr id="25" name="Picture 24">
+            <a:extLst>
+              <a:ext uri="{FF2B5EF4-FFF2-40B4-BE49-F238E27FC236}">
+                <a16:creationId xmlns:a16="http://schemas.microsoft.com/office/drawing/2014/main" id="{4E455D19-8D79-4F9E-A97E-88256B1940EB}"/>
               </a:ext>
             </a:extLst>
           </p:cNvPr>
@@ -4295,8 +8546,8 @@
         </p:blipFill>
         <p:spPr>
           <a:xfrm>
-            <a:off x="1267521" y="4424964"/>
-            <a:ext cx="1955800" cy="944563"/>
+            <a:off x="9347372" y="4384261"/>
+            <a:ext cx="1965325" cy="944563"/>
           </a:xfrm>
           <a:prstGeom prst="rect">
             <a:avLst/>
@@ -4305,10 +8556,10 @@
       </p:pic>
       <p:pic>
         <p:nvPicPr>
-          <p:cNvPr id="25" name="Picture 24">
-            <a:extLst>
-              <a:ext uri="{FF2B5EF4-FFF2-40B4-BE49-F238E27FC236}">
-                <a16:creationId xmlns:a16="http://schemas.microsoft.com/office/drawing/2014/main" id="{BB713DD7-095B-43C4-86B0-A81F4B80E9F2}"/>
+          <p:cNvPr id="13" name="Picture 12">
+            <a:extLst>
+              <a:ext uri="{FF2B5EF4-FFF2-40B4-BE49-F238E27FC236}">
+                <a16:creationId xmlns:a16="http://schemas.microsoft.com/office/drawing/2014/main" id="{BBA01666-BA86-4C9A-B407-FDCA01B65ED5}"/>
               </a:ext>
             </a:extLst>
           </p:cNvPr>
@@ -4325,8 +8576,8 @@
         </p:blipFill>
         <p:spPr>
           <a:xfrm>
-            <a:off x="7267646" y="4420202"/>
-            <a:ext cx="1955800" cy="952500"/>
+            <a:off x="7315001" y="3395663"/>
+            <a:ext cx="1965325" cy="944563"/>
           </a:xfrm>
           <a:prstGeom prst="rect">
             <a:avLst/>
@@ -4335,10 +8586,10 @@
       </p:pic>
       <p:pic>
         <p:nvPicPr>
-          <p:cNvPr id="21" name="Picture 20">
-            <a:extLst>
-              <a:ext uri="{FF2B5EF4-FFF2-40B4-BE49-F238E27FC236}">
-                <a16:creationId xmlns:a16="http://schemas.microsoft.com/office/drawing/2014/main" id="{3725124F-CFF2-44F9-9AF7-8AA79AEDFAD1}"/>
+          <p:cNvPr id="17" name="Picture 16">
+            <a:extLst>
+              <a:ext uri="{FF2B5EF4-FFF2-40B4-BE49-F238E27FC236}">
+                <a16:creationId xmlns:a16="http://schemas.microsoft.com/office/drawing/2014/main" id="{516BFB3D-E8E9-4CCE-B3C9-F8D6450E498F}"/>
               </a:ext>
             </a:extLst>
           </p:cNvPr>
@@ -4355,8 +8606,8 @@
         </p:blipFill>
         <p:spPr>
           <a:xfrm>
-            <a:off x="3258587" y="4420202"/>
-            <a:ext cx="1984375" cy="952500"/>
+            <a:off x="1306513" y="4359275"/>
+            <a:ext cx="1951038" cy="939800"/>
           </a:xfrm>
           <a:prstGeom prst="rect">
             <a:avLst/>
@@ -4365,10 +8616,10 @@
       </p:pic>
       <p:pic>
         <p:nvPicPr>
-          <p:cNvPr id="27" name="Picture 26">
-            <a:extLst>
-              <a:ext uri="{FF2B5EF4-FFF2-40B4-BE49-F238E27FC236}">
-                <a16:creationId xmlns:a16="http://schemas.microsoft.com/office/drawing/2014/main" id="{5D066B18-7C31-4FDC-8E1A-B7439B49BF75}"/>
+          <p:cNvPr id="11" name="Picture 10">
+            <a:extLst>
+              <a:ext uri="{FF2B5EF4-FFF2-40B4-BE49-F238E27FC236}">
+                <a16:creationId xmlns:a16="http://schemas.microsoft.com/office/drawing/2014/main" id="{69ED78DE-BC23-4587-9D96-A4FA45C16B26}"/>
               </a:ext>
             </a:extLst>
           </p:cNvPr>
@@ -4385,8 +8636,8 @@
         </p:blipFill>
         <p:spPr>
           <a:xfrm>
-            <a:off x="9263755" y="4424964"/>
-            <a:ext cx="1984375" cy="944563"/>
+            <a:off x="5338220" y="3409950"/>
+            <a:ext cx="1951038" cy="949325"/>
           </a:xfrm>
           <a:prstGeom prst="rect">
             <a:avLst/>
@@ -4398,7 +8649,7 @@
           <p:cNvPr id="2" name="Title 1">
             <a:extLst>
               <a:ext uri="{FF2B5EF4-FFF2-40B4-BE49-F238E27FC236}">
-                <a16:creationId xmlns:a16="http://schemas.microsoft.com/office/drawing/2014/main" id="{BDD64798-90D6-4243-8AFD-72DFA9C1C8BC}"/>
+                <a16:creationId xmlns:a16="http://schemas.microsoft.com/office/drawing/2014/main" id="{9B547BDA-8E33-4A46-A9D8-D632C2B992DF}"/>
               </a:ext>
             </a:extLst>
           </p:cNvPr>
@@ -4422,22 +8673,30 @@
           <a:lstStyle/>
           <a:p>
             <a:r>
-              <a:rPr lang="en-IN" sz="4000">
+              <a:rPr lang="en-IN" sz="4000" dirty="0" err="1">
                 <a:solidFill>
                   <a:srgbClr val="FFFFFF"/>
                 </a:solidFill>
               </a:rPr>
-              <a:t>LocalAreaDensity = 0.5, PotentialRadius= 67</a:t>
-            </a:r>
-          </a:p>
-        </p:txBody>
-      </p:sp>
-      <p:sp>
-        <p:nvSpPr>
-          <p:cNvPr id="18" name="TextBox 17">
-            <a:extLst>
-              <a:ext uri="{FF2B5EF4-FFF2-40B4-BE49-F238E27FC236}">
-                <a16:creationId xmlns:a16="http://schemas.microsoft.com/office/drawing/2014/main" id="{A454D351-3616-43AA-BF23-0B3C37569F21}"/>
+              <a:t>Inout</a:t>
+            </a:r>
+            <a:r>
+              <a:rPr lang="en-IN" sz="4000" dirty="0">
+                <a:solidFill>
+                  <a:srgbClr val="FFFFFF"/>
+                </a:solidFill>
+              </a:rPr>
+              <a:t> and SDR images for below values.</a:t>
+            </a:r>
+          </a:p>
+        </p:txBody>
+      </p:sp>
+      <p:sp>
+        <p:nvSpPr>
+          <p:cNvPr id="16" name="TextBox 15">
+            <a:extLst>
+              <a:ext uri="{FF2B5EF4-FFF2-40B4-BE49-F238E27FC236}">
+                <a16:creationId xmlns:a16="http://schemas.microsoft.com/office/drawing/2014/main" id="{E99C2703-60C5-4842-A5DC-66BC1A1429C2}"/>
               </a:ext>
             </a:extLst>
           </p:cNvPr>
@@ -4446,8 +8705,8 @@
         </p:nvSpPr>
         <p:spPr>
           <a:xfrm>
-            <a:off x="2118074" y="2954430"/>
-            <a:ext cx="8200130" cy="369332"/>
+            <a:off x="2177256" y="2846428"/>
+            <a:ext cx="8727281" cy="369332"/>
           </a:xfrm>
           <a:prstGeom prst="rect">
             <a:avLst/>
@@ -4469,10 +8728,10 @@
       </p:sp>
       <p:sp>
         <p:nvSpPr>
-          <p:cNvPr id="20" name="TextBox 19">
-            <a:extLst>
-              <a:ext uri="{FF2B5EF4-FFF2-40B4-BE49-F238E27FC236}">
-                <a16:creationId xmlns:a16="http://schemas.microsoft.com/office/drawing/2014/main" id="{528793C3-7036-4CA6-B0D7-4F6CBDDA4F53}"/>
+          <p:cNvPr id="18" name="TextBox 17">
+            <a:extLst>
+              <a:ext uri="{FF2B5EF4-FFF2-40B4-BE49-F238E27FC236}">
+                <a16:creationId xmlns:a16="http://schemas.microsoft.com/office/drawing/2014/main" id="{0B1B4AA0-ACC2-4DAF-AC46-2D1CE96B63E0}"/>
               </a:ext>
             </a:extLst>
           </p:cNvPr>
@@ -4481,8 +8740,8 @@
         </p:nvSpPr>
         <p:spPr>
           <a:xfrm>
-            <a:off x="1974574" y="5494416"/>
-            <a:ext cx="8547652" cy="369332"/>
+            <a:off x="2027583" y="5367583"/>
+            <a:ext cx="8998226" cy="369332"/>
           </a:xfrm>
           <a:prstGeom prst="rect">
             <a:avLst/>
@@ -4502,10 +8761,95 @@
           </a:p>
         </p:txBody>
       </p:sp>
+      <p:sp>
+        <p:nvSpPr>
+          <p:cNvPr id="3" name="TextBox 2">
+            <a:extLst>
+              <a:ext uri="{FF2B5EF4-FFF2-40B4-BE49-F238E27FC236}">
+                <a16:creationId xmlns:a16="http://schemas.microsoft.com/office/drawing/2014/main" id="{393BD7F0-AB79-4E7F-992C-AC5F032599A3}"/>
+              </a:ext>
+            </a:extLst>
+          </p:cNvPr>
+          <p:cNvSpPr txBox="1"/>
+          <p:nvPr/>
+        </p:nvSpPr>
+        <p:spPr>
+          <a:xfrm flipH="1">
+            <a:off x="965199" y="2435920"/>
+            <a:ext cx="7474226" cy="369332"/>
+          </a:xfrm>
+          <a:prstGeom prst="rect">
+            <a:avLst/>
+          </a:prstGeom>
+          <a:noFill/>
+        </p:spPr>
+        <p:txBody>
+          <a:bodyPr wrap="square" rtlCol="0">
+            <a:spAutoFit/>
+          </a:bodyPr>
+          <a:lstStyle/>
+          <a:p>
+            <a:r>
+              <a:rPr lang="en-IN" sz="1800" dirty="0"/>
+              <a:t> LocalAreaDensity = 0.5, </a:t>
+            </a:r>
+            <a:r>
+              <a:rPr lang="en-IN" sz="1800" dirty="0" err="1"/>
+              <a:t>PotentialRadius</a:t>
+            </a:r>
+            <a:r>
+              <a:rPr lang="en-IN" sz="1800" dirty="0"/>
+              <a:t>= 56</a:t>
+            </a:r>
+            <a:endParaRPr lang="en-IN" dirty="0"/>
+          </a:p>
+        </p:txBody>
+      </p:sp>
+      <p:sp>
+        <p:nvSpPr>
+          <p:cNvPr id="4" name="TextBox 3">
+            <a:extLst>
+              <a:ext uri="{FF2B5EF4-FFF2-40B4-BE49-F238E27FC236}">
+                <a16:creationId xmlns:a16="http://schemas.microsoft.com/office/drawing/2014/main" id="{DFA5F8C3-2858-48A5-B54C-3D52EC4E06BC}"/>
+              </a:ext>
+            </a:extLst>
+          </p:cNvPr>
+          <p:cNvSpPr txBox="1"/>
+          <p:nvPr/>
+        </p:nvSpPr>
+        <p:spPr>
+          <a:xfrm flipH="1">
+            <a:off x="1510747" y="6082748"/>
+            <a:ext cx="10310191" cy="646331"/>
+          </a:xfrm>
+          <a:prstGeom prst="rect">
+            <a:avLst/>
+          </a:prstGeom>
+          <a:noFill/>
+        </p:spPr>
+        <p:txBody>
+          <a:bodyPr wrap="square" rtlCol="0">
+            <a:spAutoFit/>
+          </a:bodyPr>
+          <a:lstStyle/>
+          <a:p>
+            <a:r>
+              <a:rPr lang="en-IN" dirty="0"/>
+              <a:t>Where, I-00 is first input image with 5% non-zero bits, I-02 is second input image with 10% non-zero bits,</a:t>
+            </a:r>
+          </a:p>
+          <a:p>
+            <a:r>
+              <a:rPr lang="en-IN" dirty="0"/>
+              <a:t>Similarly , I-03 = 15% , I-04 = 25%, I-05 = 35%, I-06 =50%, I-07 = 65%, I-08 =80%, I-09 =90%</a:t>
+            </a:r>
+          </a:p>
+        </p:txBody>
+      </p:sp>
     </p:spTree>
     <p:extLst>
       <p:ext uri="{BB962C8B-B14F-4D97-AF65-F5344CB8AC3E}">
-        <p14:creationId xmlns:p14="http://schemas.microsoft.com/office/powerpoint/2010/main" val="1346586633"/>
+        <p14:creationId xmlns:p14="http://schemas.microsoft.com/office/powerpoint/2010/main" val="1388229698"/>
       </p:ext>
     </p:extLst>
   </p:cSld>
@@ -4542,7 +8886,7 @@
       </p:grpSpPr>
       <p:sp>
         <p:nvSpPr>
-          <p:cNvPr id="28" name="Down Arrow 7">
+          <p:cNvPr id="32" name="Down Arrow 7">
             <a:extLst>
               <a:ext uri="{FF2B5EF4-FFF2-40B4-BE49-F238E27FC236}">
                 <a16:creationId xmlns:a16="http://schemas.microsoft.com/office/drawing/2014/main" id="{73DE2CFE-42F2-48F0-8706-5264E012B10C}"/>
@@ -4637,10 +8981,10 @@
       </p:sp>
       <p:pic>
         <p:nvPicPr>
-          <p:cNvPr id="19" name="Picture 18">
-            <a:extLst>
-              <a:ext uri="{FF2B5EF4-FFF2-40B4-BE49-F238E27FC236}">
-                <a16:creationId xmlns:a16="http://schemas.microsoft.com/office/drawing/2014/main" id="{B55E4CC8-38D3-421D-B651-B054A002FD69}"/>
+          <p:cNvPr id="11" name="Picture 10">
+            <a:extLst>
+              <a:ext uri="{FF2B5EF4-FFF2-40B4-BE49-F238E27FC236}">
+                <a16:creationId xmlns:a16="http://schemas.microsoft.com/office/drawing/2014/main" id="{A8A08AC2-5516-4D8F-9DF0-3E7DC6877115}"/>
               </a:ext>
             </a:extLst>
           </p:cNvPr>
@@ -4657,8 +9001,8 @@
         </p:blipFill>
         <p:spPr>
           <a:xfrm>
-            <a:off x="5360002" y="4430042"/>
-            <a:ext cx="1960563" cy="947738"/>
+            <a:off x="3223321" y="3432175"/>
+            <a:ext cx="1976438" cy="947738"/>
           </a:xfrm>
           <a:prstGeom prst="rect">
             <a:avLst/>
@@ -4667,10 +9011,10 @@
       </p:pic>
       <p:pic>
         <p:nvPicPr>
-          <p:cNvPr id="9" name="Picture 8">
-            <a:extLst>
-              <a:ext uri="{FF2B5EF4-FFF2-40B4-BE49-F238E27FC236}">
-                <a16:creationId xmlns:a16="http://schemas.microsoft.com/office/drawing/2014/main" id="{AB312B6C-AC1F-4D06-8F56-1C33AD394B34}"/>
+          <p:cNvPr id="23" name="Picture 22">
+            <a:extLst>
+              <a:ext uri="{FF2B5EF4-FFF2-40B4-BE49-F238E27FC236}">
+                <a16:creationId xmlns:a16="http://schemas.microsoft.com/office/drawing/2014/main" id="{FAFBBAD7-4583-41F4-811B-F6E2D0D6307E}"/>
               </a:ext>
             </a:extLst>
           </p:cNvPr>
@@ -4687,8 +9031,8 @@
         </p:blipFill>
         <p:spPr>
           <a:xfrm>
-            <a:off x="5323688" y="3381375"/>
-            <a:ext cx="1960563" cy="947738"/>
+            <a:off x="5282354" y="4421789"/>
+            <a:ext cx="1976438" cy="949325"/>
           </a:xfrm>
           <a:prstGeom prst="rect">
             <a:avLst/>
@@ -4697,10 +9041,10 @@
       </p:pic>
       <p:pic>
         <p:nvPicPr>
-          <p:cNvPr id="11" name="Picture 10">
-            <a:extLst>
-              <a:ext uri="{FF2B5EF4-FFF2-40B4-BE49-F238E27FC236}">
-                <a16:creationId xmlns:a16="http://schemas.microsoft.com/office/drawing/2014/main" id="{A3A9AB97-1774-4B15-9398-4794040B917C}"/>
+          <p:cNvPr id="7" name="Picture 6">
+            <a:extLst>
+              <a:ext uri="{FF2B5EF4-FFF2-40B4-BE49-F238E27FC236}">
+                <a16:creationId xmlns:a16="http://schemas.microsoft.com/office/drawing/2014/main" id="{A7642EEE-BD29-4C14-8413-96F6381D39DD}"/>
               </a:ext>
             </a:extLst>
           </p:cNvPr>
@@ -4717,8 +9061,8 @@
         </p:blipFill>
         <p:spPr>
           <a:xfrm>
-            <a:off x="7327913" y="3407032"/>
-            <a:ext cx="1957388" cy="947738"/>
+            <a:off x="1281015" y="3415313"/>
+            <a:ext cx="1906588" cy="982663"/>
           </a:xfrm>
           <a:prstGeom prst="rect">
             <a:avLst/>
@@ -4727,17 +9071,19 @@
       </p:pic>
       <p:pic>
         <p:nvPicPr>
-          <p:cNvPr id="13" name="Picture 12">
-            <a:extLst>
-              <a:ext uri="{FF2B5EF4-FFF2-40B4-BE49-F238E27FC236}">
-                <a16:creationId xmlns:a16="http://schemas.microsoft.com/office/drawing/2014/main" id="{27871D2A-FB3C-4DFE-983C-FBDAB97E27E8}"/>
+          <p:cNvPr id="15" name="Content Placeholder 14">
+            <a:extLst>
+              <a:ext uri="{FF2B5EF4-FFF2-40B4-BE49-F238E27FC236}">
+                <a16:creationId xmlns:a16="http://schemas.microsoft.com/office/drawing/2014/main" id="{660E1E86-1D15-4A80-A0FF-3756E34387AA}"/>
               </a:ext>
             </a:extLst>
           </p:cNvPr>
           <p:cNvPicPr>
-            <a:picLocks noChangeAspect="1"/>
+            <a:picLocks noGrp="1" noChangeAspect="1"/>
           </p:cNvPicPr>
-          <p:nvPr/>
+          <p:nvPr>
+            <p:ph idx="1"/>
+          </p:nvPr>
         </p:nvPicPr>
         <p:blipFill>
           <a:blip r:embed="rId5"/>
@@ -4747,20 +9093,17 @@
         </p:blipFill>
         <p:spPr>
           <a:xfrm>
-            <a:off x="9335313" y="3422650"/>
-            <a:ext cx="1957388" cy="947738"/>
-          </a:xfrm>
-          <a:prstGeom prst="rect">
-            <a:avLst/>
-          </a:prstGeom>
+            <a:off x="7236520" y="3429228"/>
+            <a:ext cx="1906588" cy="914400"/>
+          </a:xfrm>
         </p:spPr>
       </p:pic>
       <p:pic>
         <p:nvPicPr>
-          <p:cNvPr id="7" name="Picture 6">
-            <a:extLst>
-              <a:ext uri="{FF2B5EF4-FFF2-40B4-BE49-F238E27FC236}">
-                <a16:creationId xmlns:a16="http://schemas.microsoft.com/office/drawing/2014/main" id="{970F4530-90FD-4054-B3D0-92AA1B980F95}"/>
+          <p:cNvPr id="17" name="Picture 16">
+            <a:extLst>
+              <a:ext uri="{FF2B5EF4-FFF2-40B4-BE49-F238E27FC236}">
+                <a16:creationId xmlns:a16="http://schemas.microsoft.com/office/drawing/2014/main" id="{EF31D410-89B0-4F71-8813-1E214BFBB1C6}"/>
               </a:ext>
             </a:extLst>
           </p:cNvPr>
@@ -4777,8 +9120,8 @@
         </p:blipFill>
         <p:spPr>
           <a:xfrm>
-            <a:off x="3316288" y="3384550"/>
-            <a:ext cx="1963738" cy="941388"/>
+            <a:off x="9178826" y="3426425"/>
+            <a:ext cx="1965325" cy="960438"/>
           </a:xfrm>
           <a:prstGeom prst="rect">
             <a:avLst/>
@@ -4787,10 +9130,10 @@
       </p:pic>
       <p:pic>
         <p:nvPicPr>
-          <p:cNvPr id="15" name="Picture 14">
-            <a:extLst>
-              <a:ext uri="{FF2B5EF4-FFF2-40B4-BE49-F238E27FC236}">
-                <a16:creationId xmlns:a16="http://schemas.microsoft.com/office/drawing/2014/main" id="{D0550685-05DD-450C-912B-BF66CF7E21C5}"/>
+          <p:cNvPr id="13" name="Picture 12">
+            <a:extLst>
+              <a:ext uri="{FF2B5EF4-FFF2-40B4-BE49-F238E27FC236}">
+                <a16:creationId xmlns:a16="http://schemas.microsoft.com/office/drawing/2014/main" id="{C6461118-E679-49CD-A871-A0B5E85FC237}"/>
               </a:ext>
             </a:extLst>
           </p:cNvPr>
@@ -4807,8 +9150,8 @@
         </p:blipFill>
         <p:spPr>
           <a:xfrm>
-            <a:off x="1308888" y="4430042"/>
-            <a:ext cx="1963738" cy="952500"/>
+            <a:off x="5235477" y="3426425"/>
+            <a:ext cx="1965325" cy="936625"/>
           </a:xfrm>
           <a:prstGeom prst="rect">
             <a:avLst/>
@@ -4817,10 +9160,10 @@
       </p:pic>
       <p:pic>
         <p:nvPicPr>
-          <p:cNvPr id="23" name="Picture 22">
-            <a:extLst>
-              <a:ext uri="{FF2B5EF4-FFF2-40B4-BE49-F238E27FC236}">
-                <a16:creationId xmlns:a16="http://schemas.microsoft.com/office/drawing/2014/main" id="{EE108162-6DB3-4E94-9792-39322B77FA39}"/>
+          <p:cNvPr id="19" name="Picture 18">
+            <a:extLst>
+              <a:ext uri="{FF2B5EF4-FFF2-40B4-BE49-F238E27FC236}">
+                <a16:creationId xmlns:a16="http://schemas.microsoft.com/office/drawing/2014/main" id="{1ACC9774-D634-4C8B-878F-1231C705DA16}"/>
               </a:ext>
             </a:extLst>
           </p:cNvPr>
@@ -4837,8 +9180,8 @@
         </p:blipFill>
         <p:spPr>
           <a:xfrm>
-            <a:off x="9368305" y="4439520"/>
-            <a:ext cx="1949450" cy="947738"/>
+            <a:off x="1267521" y="4424964"/>
+            <a:ext cx="1955800" cy="944563"/>
           </a:xfrm>
           <a:prstGeom prst="rect">
             <a:avLst/>
@@ -4847,19 +9190,17 @@
       </p:pic>
       <p:pic>
         <p:nvPicPr>
-          <p:cNvPr id="5" name="Content Placeholder 4">
-            <a:extLst>
-              <a:ext uri="{FF2B5EF4-FFF2-40B4-BE49-F238E27FC236}">
-                <a16:creationId xmlns:a16="http://schemas.microsoft.com/office/drawing/2014/main" id="{0F2E7388-3DA6-4860-82F6-FED445AE32A8}"/>
+          <p:cNvPr id="25" name="Picture 24">
+            <a:extLst>
+              <a:ext uri="{FF2B5EF4-FFF2-40B4-BE49-F238E27FC236}">
+                <a16:creationId xmlns:a16="http://schemas.microsoft.com/office/drawing/2014/main" id="{BB713DD7-095B-43C4-86B0-A81F4B80E9F2}"/>
               </a:ext>
             </a:extLst>
           </p:cNvPr>
           <p:cNvPicPr>
-            <a:picLocks noGrp="1" noChangeAspect="1"/>
+            <a:picLocks noChangeAspect="1"/>
           </p:cNvPicPr>
-          <p:nvPr>
-            <p:ph idx="1"/>
-          </p:nvPr>
+          <p:nvPr/>
         </p:nvPicPr>
         <p:blipFill>
           <a:blip r:embed="rId9"/>
@@ -4869,17 +9210,20 @@
         </p:blipFill>
         <p:spPr>
           <a:xfrm>
-            <a:off x="1323176" y="3384550"/>
-            <a:ext cx="1949450" cy="947738"/>
-          </a:xfrm>
+            <a:off x="7267646" y="4420202"/>
+            <a:ext cx="1955800" cy="952500"/>
+          </a:xfrm>
+          <a:prstGeom prst="rect">
+            <a:avLst/>
+          </a:prstGeom>
         </p:spPr>
       </p:pic>
       <p:pic>
         <p:nvPicPr>
-          <p:cNvPr id="17" name="Picture 16">
-            <a:extLst>
-              <a:ext uri="{FF2B5EF4-FFF2-40B4-BE49-F238E27FC236}">
-                <a16:creationId xmlns:a16="http://schemas.microsoft.com/office/drawing/2014/main" id="{184D4BC5-E209-41D3-A22A-34730D5565CD}"/>
+          <p:cNvPr id="21" name="Picture 20">
+            <a:extLst>
+              <a:ext uri="{FF2B5EF4-FFF2-40B4-BE49-F238E27FC236}">
+                <a16:creationId xmlns:a16="http://schemas.microsoft.com/office/drawing/2014/main" id="{3725124F-CFF2-44F9-9AF7-8AA79AEDFAD1}"/>
               </a:ext>
             </a:extLst>
           </p:cNvPr>
@@ -4896,8 +9240,8 @@
         </p:blipFill>
         <p:spPr>
           <a:xfrm>
-            <a:off x="3366300" y="4430042"/>
-            <a:ext cx="1957388" cy="949325"/>
+            <a:off x="3258587" y="4420202"/>
+            <a:ext cx="1984375" cy="952500"/>
           </a:xfrm>
           <a:prstGeom prst="rect">
             <a:avLst/>
@@ -4906,10 +9250,10 @@
       </p:pic>
       <p:pic>
         <p:nvPicPr>
-          <p:cNvPr id="21" name="Picture 20">
-            <a:extLst>
-              <a:ext uri="{FF2B5EF4-FFF2-40B4-BE49-F238E27FC236}">
-                <a16:creationId xmlns:a16="http://schemas.microsoft.com/office/drawing/2014/main" id="{E652CC2D-3174-46B7-B2BE-D45BDBCF243B}"/>
+          <p:cNvPr id="27" name="Picture 26">
+            <a:extLst>
+              <a:ext uri="{FF2B5EF4-FFF2-40B4-BE49-F238E27FC236}">
+                <a16:creationId xmlns:a16="http://schemas.microsoft.com/office/drawing/2014/main" id="{5D066B18-7C31-4FDC-8E1A-B7439B49BF75}"/>
               </a:ext>
             </a:extLst>
           </p:cNvPr>
@@ -4926,8 +9270,8 @@
         </p:blipFill>
         <p:spPr>
           <a:xfrm>
-            <a:off x="7365741" y="4430042"/>
-            <a:ext cx="1957388" cy="944563"/>
+            <a:off x="9263755" y="4424964"/>
+            <a:ext cx="1984375" cy="944563"/>
           </a:xfrm>
           <a:prstGeom prst="rect">
             <a:avLst/>
@@ -4939,7 +9283,7 @@
           <p:cNvPr id="2" name="Title 1">
             <a:extLst>
               <a:ext uri="{FF2B5EF4-FFF2-40B4-BE49-F238E27FC236}">
-                <a16:creationId xmlns:a16="http://schemas.microsoft.com/office/drawing/2014/main" id="{F86F9CEB-2D1A-4CAF-9FFB-3C24E22EEB0D}"/>
+                <a16:creationId xmlns:a16="http://schemas.microsoft.com/office/drawing/2014/main" id="{BDD64798-90D6-4243-8AFD-72DFA9C1C8BC}"/>
               </a:ext>
             </a:extLst>
           </p:cNvPr>
@@ -4963,22 +9307,30 @@
           <a:lstStyle/>
           <a:p>
             <a:r>
-              <a:rPr lang="en-IN" sz="4000">
+              <a:rPr lang="en-IN" sz="4000" dirty="0" err="1">
                 <a:solidFill>
                   <a:srgbClr val="FFFFFF"/>
                 </a:solidFill>
               </a:rPr>
-              <a:t> LocalAreaDensity = 0.5, PotentialRadius= 90</a:t>
-            </a:r>
-          </a:p>
-        </p:txBody>
-      </p:sp>
-      <p:sp>
-        <p:nvSpPr>
-          <p:cNvPr id="16" name="TextBox 15">
-            <a:extLst>
-              <a:ext uri="{FF2B5EF4-FFF2-40B4-BE49-F238E27FC236}">
-                <a16:creationId xmlns:a16="http://schemas.microsoft.com/office/drawing/2014/main" id="{B7A40F46-E3AE-4DF4-9A3E-044952EC2558}"/>
+              <a:t>Inout</a:t>
+            </a:r>
+            <a:r>
+              <a:rPr lang="en-IN" sz="4000" dirty="0">
+                <a:solidFill>
+                  <a:srgbClr val="FFFFFF"/>
+                </a:solidFill>
+              </a:rPr>
+              <a:t> and SDR images for below values.</a:t>
+            </a:r>
+          </a:p>
+        </p:txBody>
+      </p:sp>
+      <p:sp>
+        <p:nvSpPr>
+          <p:cNvPr id="18" name="TextBox 17">
+            <a:extLst>
+              <a:ext uri="{FF2B5EF4-FFF2-40B4-BE49-F238E27FC236}">
+                <a16:creationId xmlns:a16="http://schemas.microsoft.com/office/drawing/2014/main" id="{A454D351-3616-43AA-BF23-0B3C37569F21}"/>
               </a:ext>
             </a:extLst>
           </p:cNvPr>
@@ -4987,8 +9339,8 @@
         </p:nvSpPr>
         <p:spPr>
           <a:xfrm>
-            <a:off x="2173357" y="2814762"/>
-            <a:ext cx="8998226" cy="369332"/>
+            <a:off x="2118074" y="2954430"/>
+            <a:ext cx="8200130" cy="369332"/>
           </a:xfrm>
           <a:prstGeom prst="rect">
             <a:avLst/>
@@ -5010,10 +9362,10 @@
       </p:sp>
       <p:sp>
         <p:nvSpPr>
-          <p:cNvPr id="18" name="TextBox 17">
-            <a:extLst>
-              <a:ext uri="{FF2B5EF4-FFF2-40B4-BE49-F238E27FC236}">
-                <a16:creationId xmlns:a16="http://schemas.microsoft.com/office/drawing/2014/main" id="{1C498567-F5AE-4B5E-A926-6C47D1A2D037}"/>
+          <p:cNvPr id="20" name="TextBox 19">
+            <a:extLst>
+              <a:ext uri="{FF2B5EF4-FFF2-40B4-BE49-F238E27FC236}">
+                <a16:creationId xmlns:a16="http://schemas.microsoft.com/office/drawing/2014/main" id="{528793C3-7036-4CA6-B0D7-4F6CBDDA4F53}"/>
               </a:ext>
             </a:extLst>
           </p:cNvPr>
@@ -5022,8 +9374,8 @@
         </p:nvSpPr>
         <p:spPr>
           <a:xfrm>
-            <a:off x="2027583" y="5532115"/>
-            <a:ext cx="8574156" cy="369332"/>
+            <a:off x="1974574" y="5494416"/>
+            <a:ext cx="8547652" cy="369332"/>
           </a:xfrm>
           <a:prstGeom prst="rect">
             <a:avLst/>
@@ -5043,10 +9395,95 @@
           </a:p>
         </p:txBody>
       </p:sp>
+      <p:sp>
+        <p:nvSpPr>
+          <p:cNvPr id="3" name="TextBox 2">
+            <a:extLst>
+              <a:ext uri="{FF2B5EF4-FFF2-40B4-BE49-F238E27FC236}">
+                <a16:creationId xmlns:a16="http://schemas.microsoft.com/office/drawing/2014/main" id="{847D85B0-E8CC-4D9D-B1DC-F3E478BF6736}"/>
+              </a:ext>
+            </a:extLst>
+          </p:cNvPr>
+          <p:cNvSpPr txBox="1"/>
+          <p:nvPr/>
+        </p:nvSpPr>
+        <p:spPr>
+          <a:xfrm flipH="1">
+            <a:off x="1097105" y="2476685"/>
+            <a:ext cx="4252431" cy="369332"/>
+          </a:xfrm>
+          <a:prstGeom prst="rect">
+            <a:avLst/>
+          </a:prstGeom>
+          <a:noFill/>
+        </p:spPr>
+        <p:txBody>
+          <a:bodyPr wrap="square" rtlCol="0">
+            <a:spAutoFit/>
+          </a:bodyPr>
+          <a:lstStyle/>
+          <a:p>
+            <a:r>
+              <a:rPr lang="en-IN" sz="1800" dirty="0"/>
+              <a:t>LocalAreaDensity = 0.5, </a:t>
+            </a:r>
+            <a:r>
+              <a:rPr lang="en-IN" sz="1800" dirty="0" err="1"/>
+              <a:t>PotentialRadius</a:t>
+            </a:r>
+            <a:r>
+              <a:rPr lang="en-IN" sz="1800" dirty="0"/>
+              <a:t>= 67</a:t>
+            </a:r>
+            <a:endParaRPr lang="en-IN" dirty="0"/>
+          </a:p>
+        </p:txBody>
+      </p:sp>
+      <p:sp>
+        <p:nvSpPr>
+          <p:cNvPr id="22" name="TextBox 21">
+            <a:extLst>
+              <a:ext uri="{FF2B5EF4-FFF2-40B4-BE49-F238E27FC236}">
+                <a16:creationId xmlns:a16="http://schemas.microsoft.com/office/drawing/2014/main" id="{53DE0303-CCB4-42EE-8458-AC3895391BB3}"/>
+              </a:ext>
+            </a:extLst>
+          </p:cNvPr>
+          <p:cNvSpPr txBox="1"/>
+          <p:nvPr/>
+        </p:nvSpPr>
+        <p:spPr>
+          <a:xfrm>
+            <a:off x="1101551" y="5997909"/>
+            <a:ext cx="10880035" cy="646331"/>
+          </a:xfrm>
+          <a:prstGeom prst="rect">
+            <a:avLst/>
+          </a:prstGeom>
+          <a:noFill/>
+        </p:spPr>
+        <p:txBody>
+          <a:bodyPr wrap="square">
+            <a:spAutoFit/>
+          </a:bodyPr>
+          <a:lstStyle/>
+          <a:p>
+            <a:r>
+              <a:rPr lang="en-IN" dirty="0"/>
+              <a:t>Where, I-00 is first input image with 5% non-zero bits, I-02 is second input image with 10% non-zero bits,</a:t>
+            </a:r>
+          </a:p>
+          <a:p>
+            <a:r>
+              <a:rPr lang="en-IN" dirty="0"/>
+              <a:t>Similarly , I-03 = 15% , I-04 = 25%, I-05 = 35%, I-06 =50%, I-07 = 65%, I-08 =80%, I-09 =90%</a:t>
+            </a:r>
+          </a:p>
+        </p:txBody>
+      </p:sp>
     </p:spTree>
     <p:extLst>
       <p:ext uri="{BB962C8B-B14F-4D97-AF65-F5344CB8AC3E}">
-        <p14:creationId xmlns:p14="http://schemas.microsoft.com/office/powerpoint/2010/main" val="3245933174"/>
+        <p14:creationId xmlns:p14="http://schemas.microsoft.com/office/powerpoint/2010/main" val="1346586633"/>
       </p:ext>
     </p:extLst>
   </p:cSld>
@@ -5178,10 +9615,10 @@
       </p:sp>
       <p:pic>
         <p:nvPicPr>
-          <p:cNvPr id="17" name="Picture 16">
-            <a:extLst>
-              <a:ext uri="{FF2B5EF4-FFF2-40B4-BE49-F238E27FC236}">
-                <a16:creationId xmlns:a16="http://schemas.microsoft.com/office/drawing/2014/main" id="{C49E19B7-5372-4065-97BC-20A190880E0C}"/>
+          <p:cNvPr id="19" name="Picture 18">
+            <a:extLst>
+              <a:ext uri="{FF2B5EF4-FFF2-40B4-BE49-F238E27FC236}">
+                <a16:creationId xmlns:a16="http://schemas.microsoft.com/office/drawing/2014/main" id="{B55E4CC8-38D3-421D-B651-B054A002FD69}"/>
               </a:ext>
             </a:extLst>
           </p:cNvPr>
@@ -5198,8 +9635,8 @@
         </p:blipFill>
         <p:spPr>
           <a:xfrm>
-            <a:off x="3278421" y="4389199"/>
-            <a:ext cx="1963738" cy="944563"/>
+            <a:off x="5360002" y="4430042"/>
+            <a:ext cx="1960563" cy="947738"/>
           </a:xfrm>
           <a:prstGeom prst="rect">
             <a:avLst/>
@@ -5208,10 +9645,10 @@
       </p:pic>
       <p:pic>
         <p:nvPicPr>
-          <p:cNvPr id="23" name="Picture 22">
-            <a:extLst>
-              <a:ext uri="{FF2B5EF4-FFF2-40B4-BE49-F238E27FC236}">
-                <a16:creationId xmlns:a16="http://schemas.microsoft.com/office/drawing/2014/main" id="{E74B20D0-2354-41D3-91AA-9FC33BE972D4}"/>
+          <p:cNvPr id="9" name="Picture 8">
+            <a:extLst>
+              <a:ext uri="{FF2B5EF4-FFF2-40B4-BE49-F238E27FC236}">
+                <a16:creationId xmlns:a16="http://schemas.microsoft.com/office/drawing/2014/main" id="{AB312B6C-AC1F-4D06-8F56-1C33AD394B34}"/>
               </a:ext>
             </a:extLst>
           </p:cNvPr>
@@ -5228,8 +9665,8 @@
         </p:blipFill>
         <p:spPr>
           <a:xfrm>
-            <a:off x="9304743" y="4349695"/>
-            <a:ext cx="1958975" cy="944563"/>
+            <a:off x="5323688" y="3381375"/>
+            <a:ext cx="1960563" cy="947738"/>
           </a:xfrm>
           <a:prstGeom prst="rect">
             <a:avLst/>
@@ -5238,10 +9675,10 @@
       </p:pic>
       <p:pic>
         <p:nvPicPr>
-          <p:cNvPr id="13" name="Picture 12">
-            <a:extLst>
-              <a:ext uri="{FF2B5EF4-FFF2-40B4-BE49-F238E27FC236}">
-                <a16:creationId xmlns:a16="http://schemas.microsoft.com/office/drawing/2014/main" id="{3652807B-B39B-4D02-9901-C6D1BE9C1316}"/>
+          <p:cNvPr id="11" name="Picture 10">
+            <a:extLst>
+              <a:ext uri="{FF2B5EF4-FFF2-40B4-BE49-F238E27FC236}">
+                <a16:creationId xmlns:a16="http://schemas.microsoft.com/office/drawing/2014/main" id="{A3A9AB97-1774-4B15-9398-4794040B917C}"/>
               </a:ext>
             </a:extLst>
           </p:cNvPr>
@@ -5258,8 +9695,8 @@
         </p:blipFill>
         <p:spPr>
           <a:xfrm>
-            <a:off x="9274410" y="3362217"/>
-            <a:ext cx="1979613" cy="944563"/>
+            <a:off x="7327913" y="3407032"/>
+            <a:ext cx="1957388" cy="947738"/>
           </a:xfrm>
           <a:prstGeom prst="rect">
             <a:avLst/>
@@ -5268,10 +9705,10 @@
       </p:pic>
       <p:pic>
         <p:nvPicPr>
-          <p:cNvPr id="9" name="Picture 8">
-            <a:extLst>
-              <a:ext uri="{FF2B5EF4-FFF2-40B4-BE49-F238E27FC236}">
-                <a16:creationId xmlns:a16="http://schemas.microsoft.com/office/drawing/2014/main" id="{7AFB4066-83CB-454D-B7B0-44F312B92D35}"/>
+          <p:cNvPr id="13" name="Picture 12">
+            <a:extLst>
+              <a:ext uri="{FF2B5EF4-FFF2-40B4-BE49-F238E27FC236}">
+                <a16:creationId xmlns:a16="http://schemas.microsoft.com/office/drawing/2014/main" id="{27871D2A-FB3C-4DFE-983C-FBDAB97E27E8}"/>
               </a:ext>
             </a:extLst>
           </p:cNvPr>
@@ -5288,8 +9725,8 @@
         </p:blipFill>
         <p:spPr>
           <a:xfrm>
-            <a:off x="5289784" y="3395663"/>
-            <a:ext cx="1925638" cy="944563"/>
+            <a:off x="9335313" y="3422650"/>
+            <a:ext cx="1957388" cy="947738"/>
           </a:xfrm>
           <a:prstGeom prst="rect">
             <a:avLst/>
@@ -5298,10 +9735,10 @@
       </p:pic>
       <p:pic>
         <p:nvPicPr>
-          <p:cNvPr id="11" name="Picture 10">
-            <a:extLst>
-              <a:ext uri="{FF2B5EF4-FFF2-40B4-BE49-F238E27FC236}">
-                <a16:creationId xmlns:a16="http://schemas.microsoft.com/office/drawing/2014/main" id="{A3426FD4-840D-4059-810D-C7B0B11AE303}"/>
+          <p:cNvPr id="7" name="Picture 6">
+            <a:extLst>
+              <a:ext uri="{FF2B5EF4-FFF2-40B4-BE49-F238E27FC236}">
+                <a16:creationId xmlns:a16="http://schemas.microsoft.com/office/drawing/2014/main" id="{970F4530-90FD-4054-B3D0-92AA1B980F95}"/>
               </a:ext>
             </a:extLst>
           </p:cNvPr>
@@ -5318,8 +9755,8 @@
         </p:blipFill>
         <p:spPr>
           <a:xfrm>
-            <a:off x="7263047" y="3364475"/>
-            <a:ext cx="1963738" cy="944563"/>
+            <a:off x="3316288" y="3384550"/>
+            <a:ext cx="1963738" cy="941388"/>
           </a:xfrm>
           <a:prstGeom prst="rect">
             <a:avLst/>
@@ -5328,10 +9765,10 @@
       </p:pic>
       <p:pic>
         <p:nvPicPr>
-          <p:cNvPr id="21" name="Picture 20">
-            <a:extLst>
-              <a:ext uri="{FF2B5EF4-FFF2-40B4-BE49-F238E27FC236}">
-                <a16:creationId xmlns:a16="http://schemas.microsoft.com/office/drawing/2014/main" id="{D27FEBAF-6E54-4CA1-8B6F-8E79A0BBB0AC}"/>
+          <p:cNvPr id="15" name="Picture 14">
+            <a:extLst>
+              <a:ext uri="{FF2B5EF4-FFF2-40B4-BE49-F238E27FC236}">
+                <a16:creationId xmlns:a16="http://schemas.microsoft.com/office/drawing/2014/main" id="{D0550685-05DD-450C-912B-BF66CF7E21C5}"/>
               </a:ext>
             </a:extLst>
           </p:cNvPr>
@@ -5348,8 +9785,8 @@
         </p:blipFill>
         <p:spPr>
           <a:xfrm>
-            <a:off x="7270276" y="4352870"/>
-            <a:ext cx="1968500" cy="941388"/>
+            <a:off x="1308888" y="4430042"/>
+            <a:ext cx="1963738" cy="952500"/>
           </a:xfrm>
           <a:prstGeom prst="rect">
             <a:avLst/>
@@ -5358,10 +9795,10 @@
       </p:pic>
       <p:pic>
         <p:nvPicPr>
-          <p:cNvPr id="7" name="Picture 6">
-            <a:extLst>
-              <a:ext uri="{FF2B5EF4-FFF2-40B4-BE49-F238E27FC236}">
-                <a16:creationId xmlns:a16="http://schemas.microsoft.com/office/drawing/2014/main" id="{3D39AD99-5BD0-499E-9914-017B59CA7D10}"/>
+          <p:cNvPr id="23" name="Picture 22">
+            <a:extLst>
+              <a:ext uri="{FF2B5EF4-FFF2-40B4-BE49-F238E27FC236}">
+                <a16:creationId xmlns:a16="http://schemas.microsoft.com/office/drawing/2014/main" id="{EE108162-6DB3-4E94-9792-39322B77FA39}"/>
               </a:ext>
             </a:extLst>
           </p:cNvPr>
@@ -5378,6 +9815,640 @@
         </p:blipFill>
         <p:spPr>
           <a:xfrm>
+            <a:off x="9368305" y="4439520"/>
+            <a:ext cx="1949450" cy="947738"/>
+          </a:xfrm>
+          <a:prstGeom prst="rect">
+            <a:avLst/>
+          </a:prstGeom>
+        </p:spPr>
+      </p:pic>
+      <p:pic>
+        <p:nvPicPr>
+          <p:cNvPr id="5" name="Content Placeholder 4">
+            <a:extLst>
+              <a:ext uri="{FF2B5EF4-FFF2-40B4-BE49-F238E27FC236}">
+                <a16:creationId xmlns:a16="http://schemas.microsoft.com/office/drawing/2014/main" id="{0F2E7388-3DA6-4860-82F6-FED445AE32A8}"/>
+              </a:ext>
+            </a:extLst>
+          </p:cNvPr>
+          <p:cNvPicPr>
+            <a:picLocks noGrp="1" noChangeAspect="1"/>
+          </p:cNvPicPr>
+          <p:nvPr>
+            <p:ph idx="1"/>
+          </p:nvPr>
+        </p:nvPicPr>
+        <p:blipFill>
+          <a:blip r:embed="rId9"/>
+          <a:stretch>
+            <a:fillRect/>
+          </a:stretch>
+        </p:blipFill>
+        <p:spPr>
+          <a:xfrm>
+            <a:off x="1323176" y="3384550"/>
+            <a:ext cx="1949450" cy="947738"/>
+          </a:xfrm>
+        </p:spPr>
+      </p:pic>
+      <p:pic>
+        <p:nvPicPr>
+          <p:cNvPr id="17" name="Picture 16">
+            <a:extLst>
+              <a:ext uri="{FF2B5EF4-FFF2-40B4-BE49-F238E27FC236}">
+                <a16:creationId xmlns:a16="http://schemas.microsoft.com/office/drawing/2014/main" id="{184D4BC5-E209-41D3-A22A-34730D5565CD}"/>
+              </a:ext>
+            </a:extLst>
+          </p:cNvPr>
+          <p:cNvPicPr>
+            <a:picLocks noChangeAspect="1"/>
+          </p:cNvPicPr>
+          <p:nvPr/>
+        </p:nvPicPr>
+        <p:blipFill>
+          <a:blip r:embed="rId10"/>
+          <a:stretch>
+            <a:fillRect/>
+          </a:stretch>
+        </p:blipFill>
+        <p:spPr>
+          <a:xfrm>
+            <a:off x="3366300" y="4430042"/>
+            <a:ext cx="1957388" cy="949325"/>
+          </a:xfrm>
+          <a:prstGeom prst="rect">
+            <a:avLst/>
+          </a:prstGeom>
+        </p:spPr>
+      </p:pic>
+      <p:pic>
+        <p:nvPicPr>
+          <p:cNvPr id="21" name="Picture 20">
+            <a:extLst>
+              <a:ext uri="{FF2B5EF4-FFF2-40B4-BE49-F238E27FC236}">
+                <a16:creationId xmlns:a16="http://schemas.microsoft.com/office/drawing/2014/main" id="{E652CC2D-3174-46B7-B2BE-D45BDBCF243B}"/>
+              </a:ext>
+            </a:extLst>
+          </p:cNvPr>
+          <p:cNvPicPr>
+            <a:picLocks noChangeAspect="1"/>
+          </p:cNvPicPr>
+          <p:nvPr/>
+        </p:nvPicPr>
+        <p:blipFill>
+          <a:blip r:embed="rId11"/>
+          <a:stretch>
+            <a:fillRect/>
+          </a:stretch>
+        </p:blipFill>
+        <p:spPr>
+          <a:xfrm>
+            <a:off x="7365741" y="4430042"/>
+            <a:ext cx="1957388" cy="944563"/>
+          </a:xfrm>
+          <a:prstGeom prst="rect">
+            <a:avLst/>
+          </a:prstGeom>
+        </p:spPr>
+      </p:pic>
+      <p:sp>
+        <p:nvSpPr>
+          <p:cNvPr id="2" name="Title 1">
+            <a:extLst>
+              <a:ext uri="{FF2B5EF4-FFF2-40B4-BE49-F238E27FC236}">
+                <a16:creationId xmlns:a16="http://schemas.microsoft.com/office/drawing/2014/main" id="{F86F9CEB-2D1A-4CAF-9FFB-3C24E22EEB0D}"/>
+              </a:ext>
+            </a:extLst>
+          </p:cNvPr>
+          <p:cNvSpPr>
+            <a:spLocks noGrp="1"/>
+          </p:cNvSpPr>
+          <p:nvPr>
+            <p:ph type="title"/>
+          </p:nvPr>
+        </p:nvSpPr>
+        <p:spPr>
+          <a:xfrm>
+            <a:off x="1286932" y="1204109"/>
+            <a:ext cx="10023398" cy="857894"/>
+          </a:xfrm>
+        </p:spPr>
+        <p:txBody>
+          <a:bodyPr>
+            <a:normAutofit/>
+          </a:bodyPr>
+          <a:lstStyle/>
+          <a:p>
+            <a:r>
+              <a:rPr lang="en-IN" sz="4000" dirty="0" err="1">
+                <a:solidFill>
+                  <a:srgbClr val="FFFFFF"/>
+                </a:solidFill>
+              </a:rPr>
+              <a:t>Inout</a:t>
+            </a:r>
+            <a:r>
+              <a:rPr lang="en-IN" sz="4000" dirty="0">
+                <a:solidFill>
+                  <a:srgbClr val="FFFFFF"/>
+                </a:solidFill>
+              </a:rPr>
+              <a:t> and SDR images for below values.</a:t>
+            </a:r>
+          </a:p>
+        </p:txBody>
+      </p:sp>
+      <p:sp>
+        <p:nvSpPr>
+          <p:cNvPr id="16" name="TextBox 15">
+            <a:extLst>
+              <a:ext uri="{FF2B5EF4-FFF2-40B4-BE49-F238E27FC236}">
+                <a16:creationId xmlns:a16="http://schemas.microsoft.com/office/drawing/2014/main" id="{B7A40F46-E3AE-4DF4-9A3E-044952EC2558}"/>
+              </a:ext>
+            </a:extLst>
+          </p:cNvPr>
+          <p:cNvSpPr txBox="1"/>
+          <p:nvPr/>
+        </p:nvSpPr>
+        <p:spPr>
+          <a:xfrm>
+            <a:off x="2173357" y="2814762"/>
+            <a:ext cx="8998226" cy="369332"/>
+          </a:xfrm>
+          <a:prstGeom prst="rect">
+            <a:avLst/>
+          </a:prstGeom>
+          <a:noFill/>
+        </p:spPr>
+        <p:txBody>
+          <a:bodyPr wrap="square">
+            <a:spAutoFit/>
+          </a:bodyPr>
+          <a:lstStyle/>
+          <a:p>
+            <a:r>
+              <a:rPr lang="en-IN" dirty="0"/>
+              <a:t>I-00                           I-01                               I-02                              I-03                             I-04</a:t>
+            </a:r>
+          </a:p>
+        </p:txBody>
+      </p:sp>
+      <p:sp>
+        <p:nvSpPr>
+          <p:cNvPr id="18" name="TextBox 17">
+            <a:extLst>
+              <a:ext uri="{FF2B5EF4-FFF2-40B4-BE49-F238E27FC236}">
+                <a16:creationId xmlns:a16="http://schemas.microsoft.com/office/drawing/2014/main" id="{1C498567-F5AE-4B5E-A926-6C47D1A2D037}"/>
+              </a:ext>
+            </a:extLst>
+          </p:cNvPr>
+          <p:cNvSpPr txBox="1"/>
+          <p:nvPr/>
+        </p:nvSpPr>
+        <p:spPr>
+          <a:xfrm>
+            <a:off x="2027583" y="5532115"/>
+            <a:ext cx="8574156" cy="369332"/>
+          </a:xfrm>
+          <a:prstGeom prst="rect">
+            <a:avLst/>
+          </a:prstGeom>
+          <a:noFill/>
+        </p:spPr>
+        <p:txBody>
+          <a:bodyPr wrap="square">
+            <a:spAutoFit/>
+          </a:bodyPr>
+          <a:lstStyle/>
+          <a:p>
+            <a:r>
+              <a:rPr lang="en-IN" dirty="0"/>
+              <a:t>I-05                               I-06                               I-07                             I-08                             I-09</a:t>
+            </a:r>
+          </a:p>
+        </p:txBody>
+      </p:sp>
+      <p:sp>
+        <p:nvSpPr>
+          <p:cNvPr id="3" name="TextBox 2">
+            <a:extLst>
+              <a:ext uri="{FF2B5EF4-FFF2-40B4-BE49-F238E27FC236}">
+                <a16:creationId xmlns:a16="http://schemas.microsoft.com/office/drawing/2014/main" id="{DF6FBEAA-E868-4223-B107-1C0BC3FC301F}"/>
+              </a:ext>
+            </a:extLst>
+          </p:cNvPr>
+          <p:cNvSpPr txBox="1"/>
+          <p:nvPr/>
+        </p:nvSpPr>
+        <p:spPr>
+          <a:xfrm flipH="1">
+            <a:off x="965199" y="2445430"/>
+            <a:ext cx="4873858" cy="369332"/>
+          </a:xfrm>
+          <a:prstGeom prst="rect">
+            <a:avLst/>
+          </a:prstGeom>
+          <a:noFill/>
+        </p:spPr>
+        <p:txBody>
+          <a:bodyPr wrap="square" rtlCol="0">
+            <a:spAutoFit/>
+          </a:bodyPr>
+          <a:lstStyle/>
+          <a:p>
+            <a:r>
+              <a:rPr lang="en-IN" sz="1800" dirty="0"/>
+              <a:t>LocalAreaDensity = 0.5, </a:t>
+            </a:r>
+            <a:r>
+              <a:rPr lang="en-IN" sz="1800" dirty="0" err="1"/>
+              <a:t>PotentialRadius</a:t>
+            </a:r>
+            <a:r>
+              <a:rPr lang="en-IN" sz="1800" dirty="0"/>
+              <a:t>= 90</a:t>
+            </a:r>
+            <a:endParaRPr lang="en-IN" dirty="0"/>
+          </a:p>
+        </p:txBody>
+      </p:sp>
+      <p:sp>
+        <p:nvSpPr>
+          <p:cNvPr id="20" name="TextBox 19">
+            <a:extLst>
+              <a:ext uri="{FF2B5EF4-FFF2-40B4-BE49-F238E27FC236}">
+                <a16:creationId xmlns:a16="http://schemas.microsoft.com/office/drawing/2014/main" id="{82124367-20DB-464A-BA2D-34FB520C6FBC}"/>
+              </a:ext>
+            </a:extLst>
+          </p:cNvPr>
+          <p:cNvSpPr txBox="1"/>
+          <p:nvPr/>
+        </p:nvSpPr>
+        <p:spPr>
+          <a:xfrm>
+            <a:off x="1258666" y="5970050"/>
+            <a:ext cx="10456703" cy="646331"/>
+          </a:xfrm>
+          <a:prstGeom prst="rect">
+            <a:avLst/>
+          </a:prstGeom>
+          <a:noFill/>
+        </p:spPr>
+        <p:txBody>
+          <a:bodyPr wrap="square">
+            <a:spAutoFit/>
+          </a:bodyPr>
+          <a:lstStyle/>
+          <a:p>
+            <a:r>
+              <a:rPr lang="en-IN" dirty="0"/>
+              <a:t>Where, I-00 is first input image with 5% non-zero bits, I-02 is second input image with 10% non-zero bits,</a:t>
+            </a:r>
+          </a:p>
+          <a:p>
+            <a:r>
+              <a:rPr lang="en-IN" dirty="0"/>
+              <a:t>Similarly , I-03 = 15% , I-04 = 25%, I-05 = 35%, I-06 =50%, I-07 = 65%, I-08 =80%, I-09 =90%</a:t>
+            </a:r>
+          </a:p>
+        </p:txBody>
+      </p:sp>
+    </p:spTree>
+    <p:extLst>
+      <p:ext uri="{BB962C8B-B14F-4D97-AF65-F5344CB8AC3E}">
+        <p14:creationId xmlns:p14="http://schemas.microsoft.com/office/powerpoint/2010/main" val="3245933174"/>
+      </p:ext>
+    </p:extLst>
+  </p:cSld>
+  <p:clrMapOvr>
+    <a:masterClrMapping/>
+  </p:clrMapOvr>
+</p:sld>
+</file>
+
+<file path=ppt/slides/slide6.xml><?xml version="1.0" encoding="utf-8"?>
+<p:sld xmlns:a="http://schemas.openxmlformats.org/drawingml/2006/main" xmlns:r="http://schemas.openxmlformats.org/officeDocument/2006/relationships" xmlns:p="http://schemas.openxmlformats.org/presentationml/2006/main">
+  <p:cSld>
+    <p:bg>
+      <p:bgPr>
+        <a:solidFill>
+          <a:schemeClr val="bg1"/>
+        </a:solidFill>
+        <a:effectLst/>
+      </p:bgPr>
+    </p:bg>
+    <p:spTree>
+      <p:nvGrpSpPr>
+        <p:cNvPr id="1" name=""/>
+        <p:cNvGrpSpPr/>
+        <p:nvPr/>
+      </p:nvGrpSpPr>
+      <p:grpSpPr>
+        <a:xfrm>
+          <a:off x="0" y="0"/>
+          <a:ext cx="0" cy="0"/>
+          <a:chOff x="0" y="0"/>
+          <a:chExt cx="0" cy="0"/>
+        </a:xfrm>
+      </p:grpSpPr>
+      <p:sp>
+        <p:nvSpPr>
+          <p:cNvPr id="28" name="Down Arrow 7">
+            <a:extLst>
+              <a:ext uri="{FF2B5EF4-FFF2-40B4-BE49-F238E27FC236}">
+                <a16:creationId xmlns:a16="http://schemas.microsoft.com/office/drawing/2014/main" id="{73DE2CFE-42F2-48F0-8706-5264E012B10C}"/>
+              </a:ext>
+              <a:ext uri="{C183D7F6-B498-43B3-948B-1728B52AA6E4}">
+                <adec:decorative xmlns:adec="http://schemas.microsoft.com/office/drawing/2017/decorative" val="1"/>
+              </a:ext>
+            </a:extLst>
+          </p:cNvPr>
+          <p:cNvSpPr>
+            <a:spLocks noGrp="1" noRot="1" noChangeAspect="1" noMove="1" noResize="1" noEditPoints="1" noAdjustHandles="1" noChangeArrowheads="1" noChangeShapeType="1" noTextEdit="1"/>
+          </p:cNvSpPr>
+          <p:nvPr>
+            <p:extLst>
+              <p:ext uri="{386F3935-93C4-4BCD-93E2-E3B085C9AB24}">
+                <p16:designElem xmlns:p16="http://schemas.microsoft.com/office/powerpoint/2015/main" val="1"/>
+              </p:ext>
+            </p:extLst>
+          </p:nvPr>
+        </p:nvSpPr>
+        <p:spPr>
+          <a:xfrm rot="16200000">
+            <a:off x="5662795" y="-3745097"/>
+            <a:ext cx="1354979" cy="10750169"/>
+          </a:xfrm>
+          <a:prstGeom prst="downArrow">
+            <a:avLst>
+              <a:gd name="adj1" fmla="val 100000"/>
+              <a:gd name="adj2" fmla="val 22582"/>
+            </a:avLst>
+          </a:prstGeom>
+          <a:solidFill>
+            <a:srgbClr val="404040"/>
+          </a:solidFill>
+          <a:ln w="53975">
+            <a:noFill/>
+          </a:ln>
+        </p:spPr>
+        <p:style>
+          <a:lnRef idx="2">
+            <a:schemeClr val="accent1">
+              <a:shade val="50000"/>
+            </a:schemeClr>
+          </a:lnRef>
+          <a:fillRef idx="1">
+            <a:schemeClr val="accent1"/>
+          </a:fillRef>
+          <a:effectRef idx="0">
+            <a:schemeClr val="accent1"/>
+          </a:effectRef>
+          <a:fontRef idx="minor">
+            <a:schemeClr val="lt1"/>
+          </a:fontRef>
+        </p:style>
+        <p:txBody>
+          <a:bodyPr rtlCol="0" anchor="ctr"/>
+          <a:lstStyle/>
+          <a:p>
+            <a:pPr marL="0" marR="0" lvl="0" indent="0" algn="ctr" defTabSz="457200" rtl="0" eaLnBrk="1" fontAlgn="auto" latinLnBrk="0" hangingPunct="1">
+              <a:lnSpc>
+                <a:spcPct val="100000"/>
+              </a:lnSpc>
+              <a:spcBef>
+                <a:spcPts val="0"/>
+              </a:spcBef>
+              <a:spcAft>
+                <a:spcPts val="0"/>
+              </a:spcAft>
+              <a:buClrTx/>
+              <a:buSzTx/>
+              <a:buFontTx/>
+              <a:buNone/>
+              <a:tabLst/>
+              <a:defRPr/>
+            </a:pPr>
+            <a:endParaRPr kumimoji="0" lang="en-US" sz="1800" b="0" i="0" u="none" strike="noStrike" kern="1200" cap="none" spc="0" normalizeH="0" baseline="0" noProof="0">
+              <a:ln>
+                <a:noFill/>
+              </a:ln>
+              <a:solidFill>
+                <a:prstClr val="white"/>
+              </a:solidFill>
+              <a:effectLst/>
+              <a:uLnTx/>
+              <a:uFillTx/>
+              <a:latin typeface="Calibri" panose="020F0502020204030204"/>
+              <a:ea typeface="+mn-ea"/>
+              <a:cs typeface="+mn-cs"/>
+            </a:endParaRPr>
+          </a:p>
+        </p:txBody>
+      </p:sp>
+      <p:pic>
+        <p:nvPicPr>
+          <p:cNvPr id="17" name="Picture 16">
+            <a:extLst>
+              <a:ext uri="{FF2B5EF4-FFF2-40B4-BE49-F238E27FC236}">
+                <a16:creationId xmlns:a16="http://schemas.microsoft.com/office/drawing/2014/main" id="{C49E19B7-5372-4065-97BC-20A190880E0C}"/>
+              </a:ext>
+            </a:extLst>
+          </p:cNvPr>
+          <p:cNvPicPr>
+            <a:picLocks noChangeAspect="1"/>
+          </p:cNvPicPr>
+          <p:nvPr/>
+        </p:nvPicPr>
+        <p:blipFill>
+          <a:blip r:embed="rId2"/>
+          <a:stretch>
+            <a:fillRect/>
+          </a:stretch>
+        </p:blipFill>
+        <p:spPr>
+          <a:xfrm>
+            <a:off x="3278421" y="4389199"/>
+            <a:ext cx="1963738" cy="944563"/>
+          </a:xfrm>
+          <a:prstGeom prst="rect">
+            <a:avLst/>
+          </a:prstGeom>
+        </p:spPr>
+      </p:pic>
+      <p:pic>
+        <p:nvPicPr>
+          <p:cNvPr id="23" name="Picture 22">
+            <a:extLst>
+              <a:ext uri="{FF2B5EF4-FFF2-40B4-BE49-F238E27FC236}">
+                <a16:creationId xmlns:a16="http://schemas.microsoft.com/office/drawing/2014/main" id="{E74B20D0-2354-41D3-91AA-9FC33BE972D4}"/>
+              </a:ext>
+            </a:extLst>
+          </p:cNvPr>
+          <p:cNvPicPr>
+            <a:picLocks noChangeAspect="1"/>
+          </p:cNvPicPr>
+          <p:nvPr/>
+        </p:nvPicPr>
+        <p:blipFill>
+          <a:blip r:embed="rId3"/>
+          <a:stretch>
+            <a:fillRect/>
+          </a:stretch>
+        </p:blipFill>
+        <p:spPr>
+          <a:xfrm>
+            <a:off x="9304743" y="4349695"/>
+            <a:ext cx="1958975" cy="944563"/>
+          </a:xfrm>
+          <a:prstGeom prst="rect">
+            <a:avLst/>
+          </a:prstGeom>
+        </p:spPr>
+      </p:pic>
+      <p:pic>
+        <p:nvPicPr>
+          <p:cNvPr id="13" name="Picture 12">
+            <a:extLst>
+              <a:ext uri="{FF2B5EF4-FFF2-40B4-BE49-F238E27FC236}">
+                <a16:creationId xmlns:a16="http://schemas.microsoft.com/office/drawing/2014/main" id="{3652807B-B39B-4D02-9901-C6D1BE9C1316}"/>
+              </a:ext>
+            </a:extLst>
+          </p:cNvPr>
+          <p:cNvPicPr>
+            <a:picLocks noChangeAspect="1"/>
+          </p:cNvPicPr>
+          <p:nvPr/>
+        </p:nvPicPr>
+        <p:blipFill>
+          <a:blip r:embed="rId4"/>
+          <a:stretch>
+            <a:fillRect/>
+          </a:stretch>
+        </p:blipFill>
+        <p:spPr>
+          <a:xfrm>
+            <a:off x="9274410" y="3362217"/>
+            <a:ext cx="1979613" cy="944563"/>
+          </a:xfrm>
+          <a:prstGeom prst="rect">
+            <a:avLst/>
+          </a:prstGeom>
+        </p:spPr>
+      </p:pic>
+      <p:pic>
+        <p:nvPicPr>
+          <p:cNvPr id="9" name="Picture 8">
+            <a:extLst>
+              <a:ext uri="{FF2B5EF4-FFF2-40B4-BE49-F238E27FC236}">
+                <a16:creationId xmlns:a16="http://schemas.microsoft.com/office/drawing/2014/main" id="{7AFB4066-83CB-454D-B7B0-44F312B92D35}"/>
+              </a:ext>
+            </a:extLst>
+          </p:cNvPr>
+          <p:cNvPicPr>
+            <a:picLocks noChangeAspect="1"/>
+          </p:cNvPicPr>
+          <p:nvPr/>
+        </p:nvPicPr>
+        <p:blipFill>
+          <a:blip r:embed="rId5"/>
+          <a:stretch>
+            <a:fillRect/>
+          </a:stretch>
+        </p:blipFill>
+        <p:spPr>
+          <a:xfrm>
+            <a:off x="5289784" y="3395663"/>
+            <a:ext cx="1925638" cy="944563"/>
+          </a:xfrm>
+          <a:prstGeom prst="rect">
+            <a:avLst/>
+          </a:prstGeom>
+        </p:spPr>
+      </p:pic>
+      <p:pic>
+        <p:nvPicPr>
+          <p:cNvPr id="11" name="Picture 10">
+            <a:extLst>
+              <a:ext uri="{FF2B5EF4-FFF2-40B4-BE49-F238E27FC236}">
+                <a16:creationId xmlns:a16="http://schemas.microsoft.com/office/drawing/2014/main" id="{A3426FD4-840D-4059-810D-C7B0B11AE303}"/>
+              </a:ext>
+            </a:extLst>
+          </p:cNvPr>
+          <p:cNvPicPr>
+            <a:picLocks noChangeAspect="1"/>
+          </p:cNvPicPr>
+          <p:nvPr/>
+        </p:nvPicPr>
+        <p:blipFill>
+          <a:blip r:embed="rId6"/>
+          <a:stretch>
+            <a:fillRect/>
+          </a:stretch>
+        </p:blipFill>
+        <p:spPr>
+          <a:xfrm>
+            <a:off x="7263047" y="3364475"/>
+            <a:ext cx="1963738" cy="944563"/>
+          </a:xfrm>
+          <a:prstGeom prst="rect">
+            <a:avLst/>
+          </a:prstGeom>
+        </p:spPr>
+      </p:pic>
+      <p:pic>
+        <p:nvPicPr>
+          <p:cNvPr id="21" name="Picture 20">
+            <a:extLst>
+              <a:ext uri="{FF2B5EF4-FFF2-40B4-BE49-F238E27FC236}">
+                <a16:creationId xmlns:a16="http://schemas.microsoft.com/office/drawing/2014/main" id="{D27FEBAF-6E54-4CA1-8B6F-8E79A0BBB0AC}"/>
+              </a:ext>
+            </a:extLst>
+          </p:cNvPr>
+          <p:cNvPicPr>
+            <a:picLocks noChangeAspect="1"/>
+          </p:cNvPicPr>
+          <p:nvPr/>
+        </p:nvPicPr>
+        <p:blipFill>
+          <a:blip r:embed="rId7"/>
+          <a:stretch>
+            <a:fillRect/>
+          </a:stretch>
+        </p:blipFill>
+        <p:spPr>
+          <a:xfrm>
+            <a:off x="7270276" y="4352870"/>
+            <a:ext cx="1968500" cy="941388"/>
+          </a:xfrm>
+          <a:prstGeom prst="rect">
+            <a:avLst/>
+          </a:prstGeom>
+        </p:spPr>
+      </p:pic>
+      <p:pic>
+        <p:nvPicPr>
+          <p:cNvPr id="7" name="Picture 6">
+            <a:extLst>
+              <a:ext uri="{FF2B5EF4-FFF2-40B4-BE49-F238E27FC236}">
+                <a16:creationId xmlns:a16="http://schemas.microsoft.com/office/drawing/2014/main" id="{3D39AD99-5BD0-499E-9914-017B59CA7D10}"/>
+              </a:ext>
+            </a:extLst>
+          </p:cNvPr>
+          <p:cNvPicPr>
+            <a:picLocks noChangeAspect="1"/>
+          </p:cNvPicPr>
+          <p:nvPr/>
+        </p:nvPicPr>
+        <p:blipFill>
+          <a:blip r:embed="rId8"/>
+          <a:stretch>
+            <a:fillRect/>
+          </a:stretch>
+        </p:blipFill>
+        <p:spPr>
+          <a:xfrm>
             <a:off x="3303821" y="3395663"/>
             <a:ext cx="1938338" cy="941388"/>
           </a:xfrm>
@@ -5504,12 +10575,20 @@
           <a:lstStyle/>
           <a:p>
             <a:r>
-              <a:rPr lang="en-IN" sz="4000">
+              <a:rPr lang="en-IN" sz="4000" dirty="0" err="1">
                 <a:solidFill>
                   <a:srgbClr val="FFFFFF"/>
                 </a:solidFill>
               </a:rPr>
-              <a:t>LocalAreaDensity = 0.5, PotentialRadius= 101</a:t>
+              <a:t>Inout</a:t>
+            </a:r>
+            <a:r>
+              <a:rPr lang="en-IN" sz="4000" dirty="0">
+                <a:solidFill>
+                  <a:srgbClr val="FFFFFF"/>
+                </a:solidFill>
+              </a:rPr>
+              <a:t> and SDR images for below values.</a:t>
             </a:r>
           </a:p>
         </p:txBody>
@@ -5584,10 +10663,1351 @@
           </a:p>
         </p:txBody>
       </p:sp>
+      <p:sp>
+        <p:nvSpPr>
+          <p:cNvPr id="3" name="TextBox 2">
+            <a:extLst>
+              <a:ext uri="{FF2B5EF4-FFF2-40B4-BE49-F238E27FC236}">
+                <a16:creationId xmlns:a16="http://schemas.microsoft.com/office/drawing/2014/main" id="{8F0DC9C1-97E5-4AF8-9450-599D35CEC560}"/>
+              </a:ext>
+            </a:extLst>
+          </p:cNvPr>
+          <p:cNvSpPr txBox="1"/>
+          <p:nvPr/>
+        </p:nvSpPr>
+        <p:spPr>
+          <a:xfrm>
+            <a:off x="1086678" y="2459689"/>
+            <a:ext cx="4704522" cy="369332"/>
+          </a:xfrm>
+          <a:prstGeom prst="rect">
+            <a:avLst/>
+          </a:prstGeom>
+          <a:noFill/>
+        </p:spPr>
+        <p:txBody>
+          <a:bodyPr wrap="square" rtlCol="0">
+            <a:spAutoFit/>
+          </a:bodyPr>
+          <a:lstStyle/>
+          <a:p>
+            <a:r>
+              <a:rPr lang="en-IN" sz="1800" dirty="0"/>
+              <a:t>LocalAreaDensity = 0.5, </a:t>
+            </a:r>
+            <a:r>
+              <a:rPr lang="en-IN" sz="1800" dirty="0" err="1"/>
+              <a:t>PotentialRadius</a:t>
+            </a:r>
+            <a:r>
+              <a:rPr lang="en-IN" sz="1800" dirty="0"/>
+              <a:t>= 101</a:t>
+            </a:r>
+            <a:endParaRPr lang="en-IN" dirty="0"/>
+          </a:p>
+        </p:txBody>
+      </p:sp>
+      <p:sp>
+        <p:nvSpPr>
+          <p:cNvPr id="20" name="TextBox 19">
+            <a:extLst>
+              <a:ext uri="{FF2B5EF4-FFF2-40B4-BE49-F238E27FC236}">
+                <a16:creationId xmlns:a16="http://schemas.microsoft.com/office/drawing/2014/main" id="{8A245A97-FA66-4A19-AF7C-36C4756A3AB3}"/>
+              </a:ext>
+            </a:extLst>
+          </p:cNvPr>
+          <p:cNvSpPr txBox="1"/>
+          <p:nvPr/>
+        </p:nvSpPr>
+        <p:spPr>
+          <a:xfrm>
+            <a:off x="1296838" y="5941059"/>
+            <a:ext cx="10003585" cy="646331"/>
+          </a:xfrm>
+          <a:prstGeom prst="rect">
+            <a:avLst/>
+          </a:prstGeom>
+          <a:noFill/>
+        </p:spPr>
+        <p:txBody>
+          <a:bodyPr wrap="square">
+            <a:spAutoFit/>
+          </a:bodyPr>
+          <a:lstStyle/>
+          <a:p>
+            <a:r>
+              <a:rPr lang="en-IN" dirty="0"/>
+              <a:t>Where, I-00 is first input image with 5% non-zero bits, I-02 is second input image with 10% non-zero bits,</a:t>
+            </a:r>
+          </a:p>
+          <a:p>
+            <a:r>
+              <a:rPr lang="en-IN" dirty="0"/>
+              <a:t>Similarly , I-03 = 15% , I-04 = 25%, I-05 = 35%, I-06 =50%, I-07 = 65%, I-08 =80%, I-09 =90%</a:t>
+            </a:r>
+          </a:p>
+        </p:txBody>
+      </p:sp>
     </p:spTree>
     <p:extLst>
       <p:ext uri="{BB962C8B-B14F-4D97-AF65-F5344CB8AC3E}">
         <p14:creationId xmlns:p14="http://schemas.microsoft.com/office/powerpoint/2010/main" val="3493392781"/>
+      </p:ext>
+    </p:extLst>
+  </p:cSld>
+  <p:clrMapOvr>
+    <a:masterClrMapping/>
+  </p:clrMapOvr>
+</p:sld>
+</file>
+
+<file path=ppt/slides/slide7.xml><?xml version="1.0" encoding="utf-8"?>
+<p:sld xmlns:a="http://schemas.openxmlformats.org/drawingml/2006/main" xmlns:r="http://schemas.openxmlformats.org/officeDocument/2006/relationships" xmlns:p="http://schemas.openxmlformats.org/presentationml/2006/main">
+  <p:cSld>
+    <p:spTree>
+      <p:nvGrpSpPr>
+        <p:cNvPr id="1" name=""/>
+        <p:cNvGrpSpPr/>
+        <p:nvPr/>
+      </p:nvGrpSpPr>
+      <p:grpSpPr>
+        <a:xfrm>
+          <a:off x="0" y="0"/>
+          <a:ext cx="0" cy="0"/>
+          <a:chOff x="0" y="0"/>
+          <a:chExt cx="0" cy="0"/>
+        </a:xfrm>
+      </p:grpSpPr>
+      <p:sp>
+        <p:nvSpPr>
+          <p:cNvPr id="2" name="Title 1">
+            <a:extLst>
+              <a:ext uri="{FF2B5EF4-FFF2-40B4-BE49-F238E27FC236}">
+                <a16:creationId xmlns:a16="http://schemas.microsoft.com/office/drawing/2014/main" id="{8F68D60F-A447-4F1F-9132-B4F3E5859A3E}"/>
+              </a:ext>
+            </a:extLst>
+          </p:cNvPr>
+          <p:cNvSpPr>
+            <a:spLocks noGrp="1"/>
+          </p:cNvSpPr>
+          <p:nvPr>
+            <p:ph type="title"/>
+          </p:nvPr>
+        </p:nvSpPr>
+        <p:spPr/>
+        <p:txBody>
+          <a:bodyPr/>
+          <a:lstStyle/>
+          <a:p>
+            <a:r>
+              <a:rPr lang="en-IN" dirty="0"/>
+              <a:t>Similarity table and Graphs</a:t>
+            </a:r>
+          </a:p>
+        </p:txBody>
+      </p:sp>
+      <p:sp>
+        <p:nvSpPr>
+          <p:cNvPr id="3" name="Content Placeholder 2">
+            <a:extLst>
+              <a:ext uri="{FF2B5EF4-FFF2-40B4-BE49-F238E27FC236}">
+                <a16:creationId xmlns:a16="http://schemas.microsoft.com/office/drawing/2014/main" id="{3463934E-607B-43FD-9398-89FFE29D441E}"/>
+              </a:ext>
+            </a:extLst>
+          </p:cNvPr>
+          <p:cNvSpPr>
+            <a:spLocks noGrp="1"/>
+          </p:cNvSpPr>
+          <p:nvPr>
+            <p:ph idx="1"/>
+          </p:nvPr>
+        </p:nvSpPr>
+        <p:spPr/>
+        <p:txBody>
+          <a:bodyPr>
+            <a:normAutofit/>
+          </a:bodyPr>
+          <a:lstStyle/>
+          <a:p>
+            <a:r>
+              <a:rPr lang="en-IN" sz="2000" dirty="0"/>
+              <a:t>For the Above SDR and Similarity table is drawn for each image compared with other image at different configuration value like potential radius, for example, image I-00 </a:t>
+            </a:r>
+            <a:r>
+              <a:rPr lang="en-IN" sz="2000" dirty="0" err="1"/>
+              <a:t>inout</a:t>
+            </a:r>
+            <a:r>
+              <a:rPr lang="en-IN" sz="2000" dirty="0"/>
+              <a:t> as well as SDR is compared with all the other images.</a:t>
+            </a:r>
+          </a:p>
+          <a:p>
+            <a:r>
+              <a:rPr lang="en-IN" sz="2000" dirty="0"/>
+              <a:t>Where, </a:t>
+            </a:r>
+            <a:r>
+              <a:rPr lang="en-US" sz="2000" dirty="0"/>
+              <a:t>I-00 is first input image with 5% non-zero bits, I-02 is second input image with 10% non-zero bits,</a:t>
+            </a:r>
+            <a:r>
+              <a:rPr lang="en-IN" sz="2000" dirty="0"/>
+              <a:t> Similarly, I-03 = 15%, I-04 = 25%, I-05 = 35%, I-06 =50%, I-07 = 65%, I-08 =80%, I-09 =90%</a:t>
+            </a:r>
+          </a:p>
+          <a:p>
+            <a:r>
+              <a:rPr lang="en-US" sz="2000" dirty="0"/>
+              <a:t>Column ‘Input’ = comparing the similarity of I-07 </a:t>
+            </a:r>
+            <a:r>
+              <a:rPr lang="en-US" sz="2000" dirty="0" err="1"/>
+              <a:t>inout</a:t>
+            </a:r>
+            <a:r>
+              <a:rPr lang="en-US" sz="2000" dirty="0"/>
+              <a:t> with other images </a:t>
+            </a:r>
+            <a:r>
+              <a:rPr lang="en-US" sz="2000" dirty="0" err="1"/>
+              <a:t>inout</a:t>
+            </a:r>
+            <a:endParaRPr lang="en-US" sz="2000" dirty="0"/>
+          </a:p>
+          <a:p>
+            <a:r>
+              <a:rPr lang="en-US" sz="2000" dirty="0"/>
+              <a:t>Column 'r' = comparison of SDR of image I-07 with other images SDR at Potential radius 45, 56, 67, 90,101</a:t>
+            </a:r>
+            <a:endParaRPr lang="en-IN" sz="2000" dirty="0"/>
+          </a:p>
+          <a:p>
+            <a:endParaRPr lang="en-IN" sz="2000" dirty="0"/>
+          </a:p>
+        </p:txBody>
+      </p:sp>
+    </p:spTree>
+    <p:extLst>
+      <p:ext uri="{BB962C8B-B14F-4D97-AF65-F5344CB8AC3E}">
+        <p14:creationId xmlns:p14="http://schemas.microsoft.com/office/powerpoint/2010/main" val="4092535625"/>
+      </p:ext>
+    </p:extLst>
+  </p:cSld>
+  <p:clrMapOvr>
+    <a:masterClrMapping/>
+  </p:clrMapOvr>
+</p:sld>
+</file>
+
+<file path=ppt/slides/slide8.xml><?xml version="1.0" encoding="utf-8"?>
+<p:sld xmlns:a="http://schemas.openxmlformats.org/drawingml/2006/main" xmlns:r="http://schemas.openxmlformats.org/officeDocument/2006/relationships" xmlns:p="http://schemas.openxmlformats.org/presentationml/2006/main">
+  <p:cSld>
+    <p:bg>
+      <p:bgPr>
+        <a:solidFill>
+          <a:schemeClr val="bg1"/>
+        </a:solidFill>
+        <a:effectLst/>
+      </p:bgPr>
+    </p:bg>
+    <p:spTree>
+      <p:nvGrpSpPr>
+        <p:cNvPr id="1" name=""/>
+        <p:cNvGrpSpPr/>
+        <p:nvPr/>
+      </p:nvGrpSpPr>
+      <p:grpSpPr>
+        <a:xfrm>
+          <a:off x="0" y="0"/>
+          <a:ext cx="0" cy="0"/>
+          <a:chOff x="0" y="0"/>
+          <a:chExt cx="0" cy="0"/>
+        </a:xfrm>
+      </p:grpSpPr>
+      <p:sp useBgFill="1">
+        <p:nvSpPr>
+          <p:cNvPr id="72" name="Rectangle 71">
+            <a:extLst>
+              <a:ext uri="{FF2B5EF4-FFF2-40B4-BE49-F238E27FC236}">
+                <a16:creationId xmlns:a16="http://schemas.microsoft.com/office/drawing/2014/main" id="{385E1BDC-A9B0-4A87-82E3-F3187F69A802}"/>
+              </a:ext>
+              <a:ext uri="{C183D7F6-B498-43B3-948B-1728B52AA6E4}">
+                <adec:decorative xmlns:adec="http://schemas.microsoft.com/office/drawing/2017/decorative" val="1"/>
+              </a:ext>
+            </a:extLst>
+          </p:cNvPr>
+          <p:cNvSpPr>
+            <a:spLocks noGrp="1" noRot="1" noChangeAspect="1" noMove="1" noResize="1" noEditPoints="1" noAdjustHandles="1" noChangeArrowheads="1" noChangeShapeType="1" noTextEdit="1"/>
+          </p:cNvSpPr>
+          <p:nvPr>
+            <p:extLst>
+              <p:ext uri="{386F3935-93C4-4BCD-93E2-E3B085C9AB24}">
+                <p16:designElem xmlns:p16="http://schemas.microsoft.com/office/powerpoint/2015/main" val="1"/>
+              </p:ext>
+            </p:extLst>
+          </p:nvPr>
+        </p:nvSpPr>
+        <p:spPr>
+          <a:xfrm>
+            <a:off x="0" y="0"/>
+            <a:ext cx="12192000" cy="6858000"/>
+          </a:xfrm>
+          <a:prstGeom prst="rect">
+            <a:avLst/>
+          </a:prstGeom>
+          <a:ln>
+            <a:noFill/>
+          </a:ln>
+        </p:spPr>
+        <p:style>
+          <a:lnRef idx="2">
+            <a:schemeClr val="accent1">
+              <a:shade val="50000"/>
+            </a:schemeClr>
+          </a:lnRef>
+          <a:fillRef idx="1">
+            <a:schemeClr val="accent1"/>
+          </a:fillRef>
+          <a:effectRef idx="0">
+            <a:schemeClr val="accent1"/>
+          </a:effectRef>
+          <a:fontRef idx="minor">
+            <a:schemeClr val="lt1"/>
+          </a:fontRef>
+        </p:style>
+        <p:txBody>
+          <a:bodyPr rtlCol="0" anchor="ctr"/>
+          <a:lstStyle/>
+          <a:p>
+            <a:pPr algn="ctr"/>
+            <a:endParaRPr lang="en-US"/>
+          </a:p>
+        </p:txBody>
+      </p:sp>
+      <p:sp useBgFill="1">
+        <p:nvSpPr>
+          <p:cNvPr id="74" name="Rectangle 73">
+            <a:extLst>
+              <a:ext uri="{FF2B5EF4-FFF2-40B4-BE49-F238E27FC236}">
+                <a16:creationId xmlns:a16="http://schemas.microsoft.com/office/drawing/2014/main" id="{0990C621-3B8B-4820-8328-D47EF7CE823C}"/>
+              </a:ext>
+              <a:ext uri="{C183D7F6-B498-43B3-948B-1728B52AA6E4}">
+                <adec:decorative xmlns:adec="http://schemas.microsoft.com/office/drawing/2017/decorative" val="1"/>
+              </a:ext>
+            </a:extLst>
+          </p:cNvPr>
+          <p:cNvSpPr>
+            <a:spLocks noGrp="1" noRot="1" noChangeAspect="1" noMove="1" noResize="1" noEditPoints="1" noAdjustHandles="1" noChangeArrowheads="1" noChangeShapeType="1" noTextEdit="1"/>
+          </p:cNvSpPr>
+          <p:nvPr>
+            <p:extLst>
+              <p:ext uri="{386F3935-93C4-4BCD-93E2-E3B085C9AB24}">
+                <p16:designElem xmlns:p16="http://schemas.microsoft.com/office/powerpoint/2015/main" val="1"/>
+              </p:ext>
+            </p:extLst>
+          </p:nvPr>
+        </p:nvSpPr>
+        <p:spPr>
+          <a:xfrm>
+            <a:off x="554416" y="365125"/>
+            <a:ext cx="11167447" cy="2089317"/>
+          </a:xfrm>
+          <a:prstGeom prst="rect">
+            <a:avLst/>
+          </a:prstGeom>
+          <a:ln w="12700">
+            <a:solidFill>
+              <a:srgbClr val="DEDEDE"/>
+            </a:solidFill>
+          </a:ln>
+          <a:effectLst>
+            <a:outerShdw blurRad="50800" dist="38100" dir="2700000" algn="tl" rotWithShape="0">
+              <a:schemeClr val="bg2">
+                <a:lumMod val="85000"/>
+                <a:alpha val="50000"/>
+              </a:schemeClr>
+            </a:outerShdw>
+          </a:effectLst>
+        </p:spPr>
+        <p:style>
+          <a:lnRef idx="2">
+            <a:schemeClr val="accent1">
+              <a:shade val="50000"/>
+            </a:schemeClr>
+          </a:lnRef>
+          <a:fillRef idx="1">
+            <a:schemeClr val="accent1"/>
+          </a:fillRef>
+          <a:effectRef idx="0">
+            <a:schemeClr val="accent1"/>
+          </a:effectRef>
+          <a:fontRef idx="minor">
+            <a:schemeClr val="lt1"/>
+          </a:fontRef>
+        </p:style>
+        <p:txBody>
+          <a:bodyPr rtlCol="0" anchor="ctr"/>
+          <a:lstStyle/>
+          <a:p>
+            <a:pPr marL="0" marR="0" lvl="0" indent="0" algn="ctr" defTabSz="914400" rtl="0" eaLnBrk="1" fontAlgn="auto" latinLnBrk="0" hangingPunct="1">
+              <a:lnSpc>
+                <a:spcPct val="100000"/>
+              </a:lnSpc>
+              <a:spcBef>
+                <a:spcPts val="0"/>
+              </a:spcBef>
+              <a:spcAft>
+                <a:spcPts val="0"/>
+              </a:spcAft>
+              <a:buClrTx/>
+              <a:buSzTx/>
+              <a:buFontTx/>
+              <a:buNone/>
+              <a:tabLst/>
+              <a:defRPr/>
+            </a:pPr>
+            <a:endParaRPr kumimoji="0" lang="en-US" sz="1800" b="0" i="0" u="none" strike="noStrike" kern="1200" cap="none" spc="0" normalizeH="0" baseline="0" noProof="0">
+              <a:ln>
+                <a:noFill/>
+              </a:ln>
+              <a:solidFill>
+                <a:prstClr val="white"/>
+              </a:solidFill>
+              <a:effectLst/>
+              <a:uLnTx/>
+              <a:uFillTx/>
+              <a:latin typeface="Calibri" panose="020F0502020204030204"/>
+              <a:ea typeface="+mn-ea"/>
+              <a:cs typeface="+mn-cs"/>
+            </a:endParaRPr>
+          </a:p>
+        </p:txBody>
+      </p:sp>
+      <p:sp>
+        <p:nvSpPr>
+          <p:cNvPr id="2" name="Title 1">
+            <a:extLst>
+              <a:ext uri="{FF2B5EF4-FFF2-40B4-BE49-F238E27FC236}">
+                <a16:creationId xmlns:a16="http://schemas.microsoft.com/office/drawing/2014/main" id="{57BB1754-0BB8-4227-B47C-6F2CB3EF81C6}"/>
+              </a:ext>
+            </a:extLst>
+          </p:cNvPr>
+          <p:cNvSpPr>
+            <a:spLocks noGrp="1"/>
+          </p:cNvSpPr>
+          <p:nvPr>
+            <p:ph type="title"/>
+          </p:nvPr>
+        </p:nvSpPr>
+        <p:spPr>
+          <a:xfrm>
+            <a:off x="1051560" y="586822"/>
+            <a:ext cx="3657600" cy="1645920"/>
+          </a:xfrm>
+        </p:spPr>
+        <p:txBody>
+          <a:bodyPr>
+            <a:normAutofit/>
+          </a:bodyPr>
+          <a:lstStyle/>
+          <a:p>
+            <a:r>
+              <a:rPr lang="en-IN" sz="2800" dirty="0"/>
+              <a:t>Similarity table and graph</a:t>
+            </a:r>
+            <a:endParaRPr lang="en-IN" sz="2700" dirty="0"/>
+          </a:p>
+        </p:txBody>
+      </p:sp>
+      <p:sp>
+        <p:nvSpPr>
+          <p:cNvPr id="76" name="Rectangle 75">
+            <a:extLst>
+              <a:ext uri="{FF2B5EF4-FFF2-40B4-BE49-F238E27FC236}">
+                <a16:creationId xmlns:a16="http://schemas.microsoft.com/office/drawing/2014/main" id="{C1A2385B-1D2A-4E17-84FA-6CB7F0AAE473}"/>
+              </a:ext>
+              <a:ext uri="{C183D7F6-B498-43B3-948B-1728B52AA6E4}">
+                <adec:decorative xmlns:adec="http://schemas.microsoft.com/office/drawing/2017/decorative" val="1"/>
+              </a:ext>
+            </a:extLst>
+          </p:cNvPr>
+          <p:cNvSpPr>
+            <a:spLocks noGrp="1" noRot="1" noChangeAspect="1" noMove="1" noResize="1" noEditPoints="1" noAdjustHandles="1" noChangeArrowheads="1" noChangeShapeType="1" noTextEdit="1"/>
+          </p:cNvSpPr>
+          <p:nvPr>
+            <p:extLst>
+              <p:ext uri="{386F3935-93C4-4BCD-93E2-E3B085C9AB24}">
+                <p16:designElem xmlns:p16="http://schemas.microsoft.com/office/powerpoint/2015/main" val="1"/>
+              </p:ext>
+            </p:extLst>
+          </p:nvPr>
+        </p:nvSpPr>
+        <p:spPr>
+          <a:xfrm>
+            <a:off x="490408" y="1057739"/>
+            <a:ext cx="128016" cy="704088"/>
+          </a:xfrm>
+          <a:prstGeom prst="rect">
+            <a:avLst/>
+          </a:prstGeom>
+          <a:solidFill>
+            <a:schemeClr val="accent2"/>
+          </a:solidFill>
+          <a:ln>
+            <a:noFill/>
+          </a:ln>
+        </p:spPr>
+        <p:style>
+          <a:lnRef idx="2">
+            <a:schemeClr val="accent1">
+              <a:shade val="50000"/>
+            </a:schemeClr>
+          </a:lnRef>
+          <a:fillRef idx="1">
+            <a:schemeClr val="accent1"/>
+          </a:fillRef>
+          <a:effectRef idx="0">
+            <a:schemeClr val="accent1"/>
+          </a:effectRef>
+          <a:fontRef idx="minor">
+            <a:schemeClr val="lt1"/>
+          </a:fontRef>
+        </p:style>
+        <p:txBody>
+          <a:bodyPr rtlCol="0" anchor="ctr"/>
+          <a:lstStyle/>
+          <a:p>
+            <a:pPr algn="ctr"/>
+            <a:endParaRPr lang="en-US" dirty="0">
+              <a:solidFill>
+                <a:prstClr val="white"/>
+              </a:solidFill>
+              <a:latin typeface="Calibri" panose="020F0502020204030204"/>
+            </a:endParaRPr>
+          </a:p>
+        </p:txBody>
+      </p:sp>
+      <p:sp>
+        <p:nvSpPr>
+          <p:cNvPr id="78" name="Rectangle 77">
+            <a:extLst>
+              <a:ext uri="{FF2B5EF4-FFF2-40B4-BE49-F238E27FC236}">
+                <a16:creationId xmlns:a16="http://schemas.microsoft.com/office/drawing/2014/main" id="{5E791F2F-79DB-4CC0-9FA1-001E3E91E8B7}"/>
+              </a:ext>
+              <a:ext uri="{C183D7F6-B498-43B3-948B-1728B52AA6E4}">
+                <adec:decorative xmlns:adec="http://schemas.microsoft.com/office/drawing/2017/decorative" val="1"/>
+              </a:ext>
+            </a:extLst>
+          </p:cNvPr>
+          <p:cNvSpPr>
+            <a:spLocks noGrp="1" noRot="1" noChangeAspect="1" noMove="1" noResize="1" noEditPoints="1" noAdjustHandles="1" noChangeArrowheads="1" noChangeShapeType="1" noTextEdit="1"/>
+          </p:cNvSpPr>
+          <p:nvPr>
+            <p:extLst>
+              <p:ext uri="{386F3935-93C4-4BCD-93E2-E3B085C9AB24}">
+                <p16:designElem xmlns:p16="http://schemas.microsoft.com/office/powerpoint/2015/main" val="1"/>
+              </p:ext>
+            </p:extLst>
+          </p:nvPr>
+        </p:nvSpPr>
+        <p:spPr>
+          <a:xfrm rot="5400000">
+            <a:off x="4243541" y="1400638"/>
+            <a:ext cx="1463040" cy="18288"/>
+          </a:xfrm>
+          <a:prstGeom prst="rect">
+            <a:avLst/>
+          </a:prstGeom>
+          <a:solidFill>
+            <a:srgbClr val="D5D5D5"/>
+          </a:solidFill>
+          <a:ln w="3175">
+            <a:noFill/>
+          </a:ln>
+          <a:effectLst/>
+        </p:spPr>
+        <p:style>
+          <a:lnRef idx="2">
+            <a:schemeClr val="accent1">
+              <a:shade val="50000"/>
+            </a:schemeClr>
+          </a:lnRef>
+          <a:fillRef idx="1">
+            <a:schemeClr val="accent1"/>
+          </a:fillRef>
+          <a:effectRef idx="0">
+            <a:schemeClr val="accent1"/>
+          </a:effectRef>
+          <a:fontRef idx="minor">
+            <a:schemeClr val="lt1"/>
+          </a:fontRef>
+        </p:style>
+        <p:txBody>
+          <a:bodyPr rtlCol="0" anchor="ctr"/>
+          <a:lstStyle/>
+          <a:p>
+            <a:pPr marL="0" marR="0" lvl="0" indent="0" algn="ctr" defTabSz="914400" rtl="0" eaLnBrk="1" fontAlgn="auto" latinLnBrk="0" hangingPunct="1">
+              <a:lnSpc>
+                <a:spcPct val="100000"/>
+              </a:lnSpc>
+              <a:spcBef>
+                <a:spcPts val="0"/>
+              </a:spcBef>
+              <a:spcAft>
+                <a:spcPts val="0"/>
+              </a:spcAft>
+              <a:buClrTx/>
+              <a:buSzTx/>
+              <a:buFontTx/>
+              <a:buNone/>
+              <a:tabLst/>
+              <a:defRPr/>
+            </a:pPr>
+            <a:endParaRPr kumimoji="0" lang="en-US" sz="1800" b="0" i="0" u="none" strike="noStrike" kern="1200" cap="none" spc="0" normalizeH="0" baseline="0" noProof="0">
+              <a:ln>
+                <a:noFill/>
+              </a:ln>
+              <a:solidFill>
+                <a:prstClr val="white"/>
+              </a:solidFill>
+              <a:effectLst/>
+              <a:uLnTx/>
+              <a:uFillTx/>
+              <a:latin typeface="Calibri" panose="020F0502020204030204"/>
+              <a:ea typeface="+mn-ea"/>
+              <a:cs typeface="+mn-cs"/>
+            </a:endParaRPr>
+          </a:p>
+        </p:txBody>
+      </p:sp>
+      <p:sp>
+        <p:nvSpPr>
+          <p:cNvPr id="3" name="Content Placeholder 2">
+            <a:extLst>
+              <a:ext uri="{FF2B5EF4-FFF2-40B4-BE49-F238E27FC236}">
+                <a16:creationId xmlns:a16="http://schemas.microsoft.com/office/drawing/2014/main" id="{330D2067-A558-48A3-A577-0B61EB8B00FE}"/>
+              </a:ext>
+            </a:extLst>
+          </p:cNvPr>
+          <p:cNvSpPr>
+            <a:spLocks noGrp="1"/>
+          </p:cNvSpPr>
+          <p:nvPr>
+            <p:ph idx="1"/>
+          </p:nvPr>
+        </p:nvSpPr>
+        <p:spPr>
+          <a:xfrm>
+            <a:off x="5250106" y="586822"/>
+            <a:ext cx="6106742" cy="1645920"/>
+          </a:xfrm>
+        </p:spPr>
+        <p:txBody>
+          <a:bodyPr anchor="ctr">
+            <a:normAutofit/>
+          </a:bodyPr>
+          <a:lstStyle/>
+          <a:p>
+            <a:r>
+              <a:rPr lang="en-IN" sz="1800" dirty="0"/>
+              <a:t>Similarity table and graph for input image </a:t>
+            </a:r>
+            <a:r>
+              <a:rPr lang="en-IN" sz="1800" dirty="0">
+                <a:solidFill>
+                  <a:srgbClr val="C00000"/>
+                </a:solidFill>
+              </a:rPr>
+              <a:t>I-00</a:t>
+            </a:r>
+            <a:r>
+              <a:rPr lang="en-IN" sz="1800" dirty="0"/>
+              <a:t> with other images (I-00 to I-09)</a:t>
+            </a:r>
+          </a:p>
+          <a:p>
+            <a:r>
+              <a:rPr lang="en-IN" sz="1800" dirty="0"/>
+              <a:t>From the similarity percentage which is in the table, I have drawn a graph for better understanding.</a:t>
+            </a:r>
+          </a:p>
+        </p:txBody>
+      </p:sp>
+      <p:pic>
+        <p:nvPicPr>
+          <p:cNvPr id="2051" name="Picture 54" descr="Chart, line chart&#10;&#10;Description automatically generated">
+            <a:extLst>
+              <a:ext uri="{FF2B5EF4-FFF2-40B4-BE49-F238E27FC236}">
+                <a16:creationId xmlns:a16="http://schemas.microsoft.com/office/drawing/2014/main" id="{A1FD15D8-2434-4EDA-886D-522502BE3B2D}"/>
+              </a:ext>
+            </a:extLst>
+          </p:cNvPr>
+          <p:cNvPicPr>
+            <a:picLocks noChangeAspect="1" noChangeArrowheads="1"/>
+          </p:cNvPicPr>
+          <p:nvPr/>
+        </p:nvPicPr>
+        <p:blipFill>
+          <a:blip r:embed="rId2">
+            <a:extLst>
+              <a:ext uri="{28A0092B-C50C-407E-A947-70E740481C1C}">
+                <a14:useLocalDpi xmlns:a14="http://schemas.microsoft.com/office/drawing/2010/main" val="0"/>
+              </a:ext>
+            </a:extLst>
+          </a:blip>
+          <a:stretch>
+            <a:fillRect/>
+          </a:stretch>
+        </p:blipFill>
+        <p:spPr bwMode="auto">
+          <a:xfrm>
+            <a:off x="6138139" y="2787166"/>
+            <a:ext cx="5481509" cy="3330102"/>
+          </a:xfrm>
+          <a:prstGeom prst="rect">
+            <a:avLst/>
+          </a:prstGeom>
+          <a:noFill/>
+          <a:extLst>
+            <a:ext uri="{909E8E84-426E-40DD-AFC4-6F175D3DCCD1}">
+              <a14:hiddenFill xmlns:a14="http://schemas.microsoft.com/office/drawing/2010/main">
+                <a:solidFill>
+                  <a:srgbClr val="FFFFFF"/>
+                </a:solidFill>
+              </a14:hiddenFill>
+            </a:ext>
+            <a:ext uri="{91240B29-F687-4F45-9708-019B960494DF}">
+              <a14:hiddenLine xmlns:a14="http://schemas.microsoft.com/office/drawing/2010/main" w="9525">
+                <a:solidFill>
+                  <a:srgbClr val="000000"/>
+                </a:solidFill>
+                <a:miter lim="800000"/>
+                <a:headEnd/>
+                <a:tailEnd/>
+              </a14:hiddenLine>
+            </a:ext>
+          </a:extLst>
+        </p:spPr>
+      </p:pic>
+      <p:pic>
+        <p:nvPicPr>
+          <p:cNvPr id="2050" name="Picture 49" descr="Table&#10;&#10;Description automatically generated">
+            <a:extLst>
+              <a:ext uri="{FF2B5EF4-FFF2-40B4-BE49-F238E27FC236}">
+                <a16:creationId xmlns:a16="http://schemas.microsoft.com/office/drawing/2014/main" id="{4C5E6D6F-D1A9-469A-A516-A808BDD0C649}"/>
+              </a:ext>
+            </a:extLst>
+          </p:cNvPr>
+          <p:cNvPicPr>
+            <a:picLocks noChangeAspect="1" noChangeArrowheads="1"/>
+          </p:cNvPicPr>
+          <p:nvPr/>
+        </p:nvPicPr>
+        <p:blipFill>
+          <a:blip r:embed="rId3">
+            <a:extLst>
+              <a:ext uri="{28A0092B-C50C-407E-A947-70E740481C1C}">
+                <a14:useLocalDpi xmlns:a14="http://schemas.microsoft.com/office/drawing/2010/main" val="0"/>
+              </a:ext>
+            </a:extLst>
+          </a:blip>
+          <a:stretch>
+            <a:fillRect/>
+          </a:stretch>
+        </p:blipFill>
+        <p:spPr bwMode="auto">
+          <a:xfrm>
+            <a:off x="275292" y="2935485"/>
+            <a:ext cx="5523082" cy="3033465"/>
+          </a:xfrm>
+          <a:prstGeom prst="rect">
+            <a:avLst/>
+          </a:prstGeom>
+          <a:noFill/>
+          <a:extLst>
+            <a:ext uri="{909E8E84-426E-40DD-AFC4-6F175D3DCCD1}">
+              <a14:hiddenFill xmlns:a14="http://schemas.microsoft.com/office/drawing/2010/main">
+                <a:solidFill>
+                  <a:srgbClr val="FFFFFF"/>
+                </a:solidFill>
+              </a14:hiddenFill>
+            </a:ext>
+            <a:ext uri="{91240B29-F687-4F45-9708-019B960494DF}">
+              <a14:hiddenLine xmlns:a14="http://schemas.microsoft.com/office/drawing/2010/main" w="9525">
+                <a:solidFill>
+                  <a:srgbClr val="000000"/>
+                </a:solidFill>
+                <a:miter lim="800000"/>
+                <a:headEnd/>
+                <a:tailEnd/>
+              </a14:hiddenLine>
+            </a:ext>
+          </a:extLst>
+        </p:spPr>
+      </p:pic>
+    </p:spTree>
+    <p:extLst>
+      <p:ext uri="{BB962C8B-B14F-4D97-AF65-F5344CB8AC3E}">
+        <p14:creationId xmlns:p14="http://schemas.microsoft.com/office/powerpoint/2010/main" val="2308685404"/>
+      </p:ext>
+    </p:extLst>
+  </p:cSld>
+  <p:clrMapOvr>
+    <a:masterClrMapping/>
+  </p:clrMapOvr>
+</p:sld>
+</file>
+
+<file path=ppt/slides/slide9.xml><?xml version="1.0" encoding="utf-8"?>
+<p:sld xmlns:a="http://schemas.openxmlformats.org/drawingml/2006/main" xmlns:r="http://schemas.openxmlformats.org/officeDocument/2006/relationships" xmlns:p="http://schemas.openxmlformats.org/presentationml/2006/main">
+  <p:cSld>
+    <p:bg>
+      <p:bgPr>
+        <a:solidFill>
+          <a:schemeClr val="bg1"/>
+        </a:solidFill>
+        <a:effectLst/>
+      </p:bgPr>
+    </p:bg>
+    <p:spTree>
+      <p:nvGrpSpPr>
+        <p:cNvPr id="1" name=""/>
+        <p:cNvGrpSpPr/>
+        <p:nvPr/>
+      </p:nvGrpSpPr>
+      <p:grpSpPr>
+        <a:xfrm>
+          <a:off x="0" y="0"/>
+          <a:ext cx="0" cy="0"/>
+          <a:chOff x="0" y="0"/>
+          <a:chExt cx="0" cy="0"/>
+        </a:xfrm>
+      </p:grpSpPr>
+      <p:sp useBgFill="1">
+        <p:nvSpPr>
+          <p:cNvPr id="72" name="Rectangle 71">
+            <a:extLst>
+              <a:ext uri="{FF2B5EF4-FFF2-40B4-BE49-F238E27FC236}">
+                <a16:creationId xmlns:a16="http://schemas.microsoft.com/office/drawing/2014/main" id="{385E1BDC-A9B0-4A87-82E3-F3187F69A802}"/>
+              </a:ext>
+              <a:ext uri="{C183D7F6-B498-43B3-948B-1728B52AA6E4}">
+                <adec:decorative xmlns:adec="http://schemas.microsoft.com/office/drawing/2017/decorative" val="1"/>
+              </a:ext>
+            </a:extLst>
+          </p:cNvPr>
+          <p:cNvSpPr>
+            <a:spLocks noGrp="1" noRot="1" noChangeAspect="1" noMove="1" noResize="1" noEditPoints="1" noAdjustHandles="1" noChangeArrowheads="1" noChangeShapeType="1" noTextEdit="1"/>
+          </p:cNvSpPr>
+          <p:nvPr>
+            <p:extLst>
+              <p:ext uri="{386F3935-93C4-4BCD-93E2-E3B085C9AB24}">
+                <p16:designElem xmlns:p16="http://schemas.microsoft.com/office/powerpoint/2015/main" val="1"/>
+              </p:ext>
+            </p:extLst>
+          </p:nvPr>
+        </p:nvSpPr>
+        <p:spPr>
+          <a:xfrm>
+            <a:off x="0" y="0"/>
+            <a:ext cx="12192000" cy="6858000"/>
+          </a:xfrm>
+          <a:prstGeom prst="rect">
+            <a:avLst/>
+          </a:prstGeom>
+          <a:ln>
+            <a:noFill/>
+          </a:ln>
+        </p:spPr>
+        <p:style>
+          <a:lnRef idx="2">
+            <a:schemeClr val="accent1">
+              <a:shade val="50000"/>
+            </a:schemeClr>
+          </a:lnRef>
+          <a:fillRef idx="1">
+            <a:schemeClr val="accent1"/>
+          </a:fillRef>
+          <a:effectRef idx="0">
+            <a:schemeClr val="accent1"/>
+          </a:effectRef>
+          <a:fontRef idx="minor">
+            <a:schemeClr val="lt1"/>
+          </a:fontRef>
+        </p:style>
+        <p:txBody>
+          <a:bodyPr rtlCol="0" anchor="ctr"/>
+          <a:lstStyle/>
+          <a:p>
+            <a:pPr algn="ctr"/>
+            <a:endParaRPr lang="en-US"/>
+          </a:p>
+        </p:txBody>
+      </p:sp>
+      <p:sp useBgFill="1">
+        <p:nvSpPr>
+          <p:cNvPr id="74" name="Rectangle 73">
+            <a:extLst>
+              <a:ext uri="{FF2B5EF4-FFF2-40B4-BE49-F238E27FC236}">
+                <a16:creationId xmlns:a16="http://schemas.microsoft.com/office/drawing/2014/main" id="{0990C621-3B8B-4820-8328-D47EF7CE823C}"/>
+              </a:ext>
+              <a:ext uri="{C183D7F6-B498-43B3-948B-1728B52AA6E4}">
+                <adec:decorative xmlns:adec="http://schemas.microsoft.com/office/drawing/2017/decorative" val="1"/>
+              </a:ext>
+            </a:extLst>
+          </p:cNvPr>
+          <p:cNvSpPr>
+            <a:spLocks noGrp="1" noRot="1" noChangeAspect="1" noMove="1" noResize="1" noEditPoints="1" noAdjustHandles="1" noChangeArrowheads="1" noChangeShapeType="1" noTextEdit="1"/>
+          </p:cNvSpPr>
+          <p:nvPr>
+            <p:extLst>
+              <p:ext uri="{386F3935-93C4-4BCD-93E2-E3B085C9AB24}">
+                <p16:designElem xmlns:p16="http://schemas.microsoft.com/office/powerpoint/2015/main" val="1"/>
+              </p:ext>
+            </p:extLst>
+          </p:nvPr>
+        </p:nvSpPr>
+        <p:spPr>
+          <a:xfrm>
+            <a:off x="554416" y="365125"/>
+            <a:ext cx="11167447" cy="2089317"/>
+          </a:xfrm>
+          <a:prstGeom prst="rect">
+            <a:avLst/>
+          </a:prstGeom>
+          <a:ln w="12700">
+            <a:solidFill>
+              <a:srgbClr val="DEDEDE"/>
+            </a:solidFill>
+          </a:ln>
+          <a:effectLst>
+            <a:outerShdw blurRad="50800" dist="38100" dir="2700000" algn="tl" rotWithShape="0">
+              <a:schemeClr val="bg2">
+                <a:lumMod val="85000"/>
+                <a:alpha val="50000"/>
+              </a:schemeClr>
+            </a:outerShdw>
+          </a:effectLst>
+        </p:spPr>
+        <p:style>
+          <a:lnRef idx="2">
+            <a:schemeClr val="accent1">
+              <a:shade val="50000"/>
+            </a:schemeClr>
+          </a:lnRef>
+          <a:fillRef idx="1">
+            <a:schemeClr val="accent1"/>
+          </a:fillRef>
+          <a:effectRef idx="0">
+            <a:schemeClr val="accent1"/>
+          </a:effectRef>
+          <a:fontRef idx="minor">
+            <a:schemeClr val="lt1"/>
+          </a:fontRef>
+        </p:style>
+        <p:txBody>
+          <a:bodyPr rtlCol="0" anchor="ctr"/>
+          <a:lstStyle/>
+          <a:p>
+            <a:pPr marL="0" marR="0" lvl="0" indent="0" algn="ctr" defTabSz="914400" rtl="0" eaLnBrk="1" fontAlgn="auto" latinLnBrk="0" hangingPunct="1">
+              <a:lnSpc>
+                <a:spcPct val="100000"/>
+              </a:lnSpc>
+              <a:spcBef>
+                <a:spcPts val="0"/>
+              </a:spcBef>
+              <a:spcAft>
+                <a:spcPts val="0"/>
+              </a:spcAft>
+              <a:buClrTx/>
+              <a:buSzTx/>
+              <a:buFontTx/>
+              <a:buNone/>
+              <a:tabLst/>
+              <a:defRPr/>
+            </a:pPr>
+            <a:endParaRPr kumimoji="0" lang="en-US" sz="1800" b="0" i="0" u="none" strike="noStrike" kern="1200" cap="none" spc="0" normalizeH="0" baseline="0" noProof="0">
+              <a:ln>
+                <a:noFill/>
+              </a:ln>
+              <a:solidFill>
+                <a:prstClr val="white"/>
+              </a:solidFill>
+              <a:effectLst/>
+              <a:uLnTx/>
+              <a:uFillTx/>
+              <a:latin typeface="Calibri" panose="020F0502020204030204"/>
+              <a:ea typeface="+mn-ea"/>
+              <a:cs typeface="+mn-cs"/>
+            </a:endParaRPr>
+          </a:p>
+        </p:txBody>
+      </p:sp>
+      <p:sp>
+        <p:nvSpPr>
+          <p:cNvPr id="2" name="Title 1">
+            <a:extLst>
+              <a:ext uri="{FF2B5EF4-FFF2-40B4-BE49-F238E27FC236}">
+                <a16:creationId xmlns:a16="http://schemas.microsoft.com/office/drawing/2014/main" id="{F7F04D23-7BAC-4BA9-85D1-9CBCD19293EE}"/>
+              </a:ext>
+            </a:extLst>
+          </p:cNvPr>
+          <p:cNvSpPr>
+            <a:spLocks noGrp="1"/>
+          </p:cNvSpPr>
+          <p:nvPr>
+            <p:ph type="title"/>
+          </p:nvPr>
+        </p:nvSpPr>
+        <p:spPr>
+          <a:xfrm>
+            <a:off x="1051560" y="586822"/>
+            <a:ext cx="3657600" cy="1645920"/>
+          </a:xfrm>
+        </p:spPr>
+        <p:txBody>
+          <a:bodyPr>
+            <a:normAutofit/>
+          </a:bodyPr>
+          <a:lstStyle/>
+          <a:p>
+            <a:r>
+              <a:rPr lang="en-IN" sz="3200"/>
+              <a:t>Similarity table and graph</a:t>
+            </a:r>
+          </a:p>
+        </p:txBody>
+      </p:sp>
+      <p:sp>
+        <p:nvSpPr>
+          <p:cNvPr id="76" name="Rectangle 75">
+            <a:extLst>
+              <a:ext uri="{FF2B5EF4-FFF2-40B4-BE49-F238E27FC236}">
+                <a16:creationId xmlns:a16="http://schemas.microsoft.com/office/drawing/2014/main" id="{C1A2385B-1D2A-4E17-84FA-6CB7F0AAE473}"/>
+              </a:ext>
+              <a:ext uri="{C183D7F6-B498-43B3-948B-1728B52AA6E4}">
+                <adec:decorative xmlns:adec="http://schemas.microsoft.com/office/drawing/2017/decorative" val="1"/>
+              </a:ext>
+            </a:extLst>
+          </p:cNvPr>
+          <p:cNvSpPr>
+            <a:spLocks noGrp="1" noRot="1" noChangeAspect="1" noMove="1" noResize="1" noEditPoints="1" noAdjustHandles="1" noChangeArrowheads="1" noChangeShapeType="1" noTextEdit="1"/>
+          </p:cNvSpPr>
+          <p:nvPr>
+            <p:extLst>
+              <p:ext uri="{386F3935-93C4-4BCD-93E2-E3B085C9AB24}">
+                <p16:designElem xmlns:p16="http://schemas.microsoft.com/office/powerpoint/2015/main" val="1"/>
+              </p:ext>
+            </p:extLst>
+          </p:nvPr>
+        </p:nvSpPr>
+        <p:spPr>
+          <a:xfrm>
+            <a:off x="490408" y="1057739"/>
+            <a:ext cx="128016" cy="704088"/>
+          </a:xfrm>
+          <a:prstGeom prst="rect">
+            <a:avLst/>
+          </a:prstGeom>
+          <a:solidFill>
+            <a:schemeClr val="accent2"/>
+          </a:solidFill>
+          <a:ln>
+            <a:noFill/>
+          </a:ln>
+        </p:spPr>
+        <p:style>
+          <a:lnRef idx="2">
+            <a:schemeClr val="accent1">
+              <a:shade val="50000"/>
+            </a:schemeClr>
+          </a:lnRef>
+          <a:fillRef idx="1">
+            <a:schemeClr val="accent1"/>
+          </a:fillRef>
+          <a:effectRef idx="0">
+            <a:schemeClr val="accent1"/>
+          </a:effectRef>
+          <a:fontRef idx="minor">
+            <a:schemeClr val="lt1"/>
+          </a:fontRef>
+        </p:style>
+        <p:txBody>
+          <a:bodyPr rtlCol="0" anchor="ctr"/>
+          <a:lstStyle/>
+          <a:p>
+            <a:pPr algn="ctr"/>
+            <a:endParaRPr lang="en-US" dirty="0">
+              <a:solidFill>
+                <a:prstClr val="white"/>
+              </a:solidFill>
+              <a:latin typeface="Calibri" panose="020F0502020204030204"/>
+            </a:endParaRPr>
+          </a:p>
+        </p:txBody>
+      </p:sp>
+      <p:sp>
+        <p:nvSpPr>
+          <p:cNvPr id="78" name="Rectangle 77">
+            <a:extLst>
+              <a:ext uri="{FF2B5EF4-FFF2-40B4-BE49-F238E27FC236}">
+                <a16:creationId xmlns:a16="http://schemas.microsoft.com/office/drawing/2014/main" id="{5E791F2F-79DB-4CC0-9FA1-001E3E91E8B7}"/>
+              </a:ext>
+              <a:ext uri="{C183D7F6-B498-43B3-948B-1728B52AA6E4}">
+                <adec:decorative xmlns:adec="http://schemas.microsoft.com/office/drawing/2017/decorative" val="1"/>
+              </a:ext>
+            </a:extLst>
+          </p:cNvPr>
+          <p:cNvSpPr>
+            <a:spLocks noGrp="1" noRot="1" noChangeAspect="1" noMove="1" noResize="1" noEditPoints="1" noAdjustHandles="1" noChangeArrowheads="1" noChangeShapeType="1" noTextEdit="1"/>
+          </p:cNvSpPr>
+          <p:nvPr>
+            <p:extLst>
+              <p:ext uri="{386F3935-93C4-4BCD-93E2-E3B085C9AB24}">
+                <p16:designElem xmlns:p16="http://schemas.microsoft.com/office/powerpoint/2015/main" val="1"/>
+              </p:ext>
+            </p:extLst>
+          </p:nvPr>
+        </p:nvSpPr>
+        <p:spPr>
+          <a:xfrm rot="5400000">
+            <a:off x="4243541" y="1400638"/>
+            <a:ext cx="1463040" cy="18288"/>
+          </a:xfrm>
+          <a:prstGeom prst="rect">
+            <a:avLst/>
+          </a:prstGeom>
+          <a:solidFill>
+            <a:srgbClr val="D5D5D5"/>
+          </a:solidFill>
+          <a:ln w="3175">
+            <a:noFill/>
+          </a:ln>
+          <a:effectLst/>
+        </p:spPr>
+        <p:style>
+          <a:lnRef idx="2">
+            <a:schemeClr val="accent1">
+              <a:shade val="50000"/>
+            </a:schemeClr>
+          </a:lnRef>
+          <a:fillRef idx="1">
+            <a:schemeClr val="accent1"/>
+          </a:fillRef>
+          <a:effectRef idx="0">
+            <a:schemeClr val="accent1"/>
+          </a:effectRef>
+          <a:fontRef idx="minor">
+            <a:schemeClr val="lt1"/>
+          </a:fontRef>
+        </p:style>
+        <p:txBody>
+          <a:bodyPr rtlCol="0" anchor="ctr"/>
+          <a:lstStyle/>
+          <a:p>
+            <a:pPr marL="0" marR="0" lvl="0" indent="0" algn="ctr" defTabSz="914400" rtl="0" eaLnBrk="1" fontAlgn="auto" latinLnBrk="0" hangingPunct="1">
+              <a:lnSpc>
+                <a:spcPct val="100000"/>
+              </a:lnSpc>
+              <a:spcBef>
+                <a:spcPts val="0"/>
+              </a:spcBef>
+              <a:spcAft>
+                <a:spcPts val="0"/>
+              </a:spcAft>
+              <a:buClrTx/>
+              <a:buSzTx/>
+              <a:buFontTx/>
+              <a:buNone/>
+              <a:tabLst/>
+              <a:defRPr/>
+            </a:pPr>
+            <a:endParaRPr kumimoji="0" lang="en-US" sz="1800" b="0" i="0" u="none" strike="noStrike" kern="1200" cap="none" spc="0" normalizeH="0" baseline="0" noProof="0">
+              <a:ln>
+                <a:noFill/>
+              </a:ln>
+              <a:solidFill>
+                <a:prstClr val="white"/>
+              </a:solidFill>
+              <a:effectLst/>
+              <a:uLnTx/>
+              <a:uFillTx/>
+              <a:latin typeface="Calibri" panose="020F0502020204030204"/>
+              <a:ea typeface="+mn-ea"/>
+              <a:cs typeface="+mn-cs"/>
+            </a:endParaRPr>
+          </a:p>
+        </p:txBody>
+      </p:sp>
+      <p:sp>
+        <p:nvSpPr>
+          <p:cNvPr id="3" name="Content Placeholder 2">
+            <a:extLst>
+              <a:ext uri="{FF2B5EF4-FFF2-40B4-BE49-F238E27FC236}">
+                <a16:creationId xmlns:a16="http://schemas.microsoft.com/office/drawing/2014/main" id="{D6420003-8886-4FA5-8444-3A1DC5C067FF}"/>
+              </a:ext>
+            </a:extLst>
+          </p:cNvPr>
+          <p:cNvSpPr>
+            <a:spLocks noGrp="1"/>
+          </p:cNvSpPr>
+          <p:nvPr>
+            <p:ph idx="1"/>
+          </p:nvPr>
+        </p:nvSpPr>
+        <p:spPr>
+          <a:xfrm>
+            <a:off x="5250106" y="586822"/>
+            <a:ext cx="6106742" cy="1645920"/>
+          </a:xfrm>
+        </p:spPr>
+        <p:txBody>
+          <a:bodyPr anchor="ctr">
+            <a:normAutofit/>
+          </a:bodyPr>
+          <a:lstStyle/>
+          <a:p>
+            <a:r>
+              <a:rPr lang="en-IN" sz="1800" dirty="0"/>
+              <a:t>Similarity table and graph for input image </a:t>
+            </a:r>
+            <a:r>
+              <a:rPr lang="en-IN" sz="1800" dirty="0">
+                <a:solidFill>
+                  <a:srgbClr val="C00000"/>
+                </a:solidFill>
+              </a:rPr>
+              <a:t>I-01</a:t>
+            </a:r>
+            <a:r>
+              <a:rPr lang="en-IN" sz="1800" dirty="0"/>
+              <a:t> with other images (I-00 to I-09)</a:t>
+            </a:r>
+          </a:p>
+          <a:p>
+            <a:r>
+              <a:rPr lang="en-IN" sz="1800" dirty="0"/>
+              <a:t>From the similarity percentage which is in the table, I have drawn a graph for better understanding.</a:t>
+            </a:r>
+          </a:p>
+        </p:txBody>
+      </p:sp>
+      <p:pic>
+        <p:nvPicPr>
+          <p:cNvPr id="3075" name="Picture 1">
+            <a:extLst>
+              <a:ext uri="{FF2B5EF4-FFF2-40B4-BE49-F238E27FC236}">
+                <a16:creationId xmlns:a16="http://schemas.microsoft.com/office/drawing/2014/main" id="{997903F6-BF4F-450A-8CC9-832DCF526BB0}"/>
+              </a:ext>
+            </a:extLst>
+          </p:cNvPr>
+          <p:cNvPicPr>
+            <a:picLocks noChangeAspect="1" noChangeArrowheads="1"/>
+          </p:cNvPicPr>
+          <p:nvPr/>
+        </p:nvPicPr>
+        <p:blipFill>
+          <a:blip r:embed="rId2">
+            <a:extLst>
+              <a:ext uri="{28A0092B-C50C-407E-A947-70E740481C1C}">
+                <a14:useLocalDpi xmlns:a14="http://schemas.microsoft.com/office/drawing/2010/main" val="0"/>
+              </a:ext>
+            </a:extLst>
+          </a:blip>
+          <a:stretch>
+            <a:fillRect/>
+          </a:stretch>
+        </p:blipFill>
+        <p:spPr bwMode="auto">
+          <a:xfrm>
+            <a:off x="6002576" y="2708358"/>
+            <a:ext cx="5481509" cy="3261497"/>
+          </a:xfrm>
+          <a:prstGeom prst="rect">
+            <a:avLst/>
+          </a:prstGeom>
+          <a:noFill/>
+          <a:extLst>
+            <a:ext uri="{909E8E84-426E-40DD-AFC4-6F175D3DCCD1}">
+              <a14:hiddenFill xmlns:a14="http://schemas.microsoft.com/office/drawing/2010/main">
+                <a:solidFill>
+                  <a:srgbClr val="FFFFFF"/>
+                </a:solidFill>
+              </a14:hiddenFill>
+            </a:ext>
+            <a:ext uri="{91240B29-F687-4F45-9708-019B960494DF}">
+              <a14:hiddenLine xmlns:a14="http://schemas.microsoft.com/office/drawing/2010/main" w="9525">
+                <a:solidFill>
+                  <a:srgbClr val="000000"/>
+                </a:solidFill>
+                <a:miter lim="800000"/>
+                <a:headEnd/>
+                <a:tailEnd/>
+              </a14:hiddenLine>
+            </a:ext>
+          </a:extLst>
+        </p:spPr>
+      </p:pic>
+      <p:pic>
+        <p:nvPicPr>
+          <p:cNvPr id="3074" name="Picture 50" descr="Table&#10;&#10;Description automatically generated">
+            <a:extLst>
+              <a:ext uri="{FF2B5EF4-FFF2-40B4-BE49-F238E27FC236}">
+                <a16:creationId xmlns:a16="http://schemas.microsoft.com/office/drawing/2014/main" id="{A29F6189-3315-48AF-8B19-BFD4C4E5526F}"/>
+              </a:ext>
+            </a:extLst>
+          </p:cNvPr>
+          <p:cNvPicPr>
+            <a:picLocks noChangeAspect="1" noChangeArrowheads="1"/>
+          </p:cNvPicPr>
+          <p:nvPr/>
+        </p:nvPicPr>
+        <p:blipFill>
+          <a:blip r:embed="rId3">
+            <a:extLst>
+              <a:ext uri="{28A0092B-C50C-407E-A947-70E740481C1C}">
+                <a14:useLocalDpi xmlns:a14="http://schemas.microsoft.com/office/drawing/2010/main" val="0"/>
+              </a:ext>
+            </a:extLst>
+          </a:blip>
+          <a:stretch>
+            <a:fillRect/>
+          </a:stretch>
+        </p:blipFill>
+        <p:spPr bwMode="auto">
+          <a:xfrm>
+            <a:off x="239747" y="2833916"/>
+            <a:ext cx="5523082" cy="3010383"/>
+          </a:xfrm>
+          <a:prstGeom prst="rect">
+            <a:avLst/>
+          </a:prstGeom>
+          <a:noFill/>
+          <a:extLst>
+            <a:ext uri="{909E8E84-426E-40DD-AFC4-6F175D3DCCD1}">
+              <a14:hiddenFill xmlns:a14="http://schemas.microsoft.com/office/drawing/2010/main">
+                <a:solidFill>
+                  <a:srgbClr val="FFFFFF"/>
+                </a:solidFill>
+              </a14:hiddenFill>
+            </a:ext>
+            <a:ext uri="{91240B29-F687-4F45-9708-019B960494DF}">
+              <a14:hiddenLine xmlns:a14="http://schemas.microsoft.com/office/drawing/2010/main" w="9525">
+                <a:solidFill>
+                  <a:srgbClr val="000000"/>
+                </a:solidFill>
+                <a:miter lim="800000"/>
+                <a:headEnd/>
+                <a:tailEnd/>
+              </a14:hiddenLine>
+            </a:ext>
+          </a:extLst>
+        </p:spPr>
+      </p:pic>
+    </p:spTree>
+    <p:extLst>
+      <p:ext uri="{BB962C8B-B14F-4D97-AF65-F5344CB8AC3E}">
+        <p14:creationId xmlns:p14="http://schemas.microsoft.com/office/powerpoint/2010/main" val="400013183"/>
       </p:ext>
     </p:extLst>
   </p:cSld>
